--- a/ppt/03 Redux状态管理.pptx
+++ b/ppt/03 Redux状态管理.pptx
@@ -179,7 +179,7 @@
   </p:defaultTextStyle>
   <p:extLst>
     <p:ext uri="{EFAFB233-063F-42B5-8137-9DF3F51BA10A}">
-      <p15:sldGuideLst xmlns:p15="http://schemas.microsoft.com/office/powerpoint/2012/main" xmlns="">
+      <p15:sldGuideLst xmlns:p15="http://schemas.microsoft.com/office/powerpoint/2012/main">
         <p15:guide id="1" orient="horz" pos="667" userDrawn="1">
           <p15:clr>
             <a:srgbClr val="A4A3A4"/>
@@ -198,7 +198,7 @@
       </p15:sldGuideLst>
     </p:ext>
     <p:ext uri="{2D200454-40CA-4A62-9FC3-DE9A4176ACB9}">
-      <p15:notesGuideLst xmlns:p15="http://schemas.microsoft.com/office/powerpoint/2012/main" xmlns=""/>
+      <p15:notesGuideLst xmlns:p15="http://schemas.microsoft.com/office/powerpoint/2012/main"/>
     </p:ext>
   </p:extLst>
 </p:presentation>
@@ -365,7 +365,7 @@
                 <a:cs typeface="Calibri" pitchFamily="34" charset="0"/>
               </a:rPr>
               <a:pPr algn="r"/>
-              <a:t>17/9/22</a:t>
+              <a:t>2018/6/27</a:t>
             </a:fld>
             <a:endParaRPr lang="zh-CN" altLang="en-US" sz="1200">
               <a:latin typeface="Calibri" pitchFamily="34" charset="0"/>
@@ -2747,7 +2747,7 @@
             <a:fld id="{72514870-5082-4025-BC8A-5E070B8EB77D}" type="datetimeFigureOut">
               <a:rPr lang="zh-CN" altLang="en-US" smtClean="0"/>
               <a:pPr/>
-              <a:t>17/9/22</a:t>
+              <a:t>2018/6/27</a:t>
             </a:fld>
             <a:endParaRPr lang="zh-CN" altLang="en-US"/>
           </a:p>
@@ -2919,7 +2919,7 @@
             <a:fld id="{72514870-5082-4025-BC8A-5E070B8EB77D}" type="datetimeFigureOut">
               <a:rPr lang="zh-CN" altLang="en-US" smtClean="0"/>
               <a:pPr/>
-              <a:t>17/9/22</a:t>
+              <a:t>2018/6/27</a:t>
             </a:fld>
             <a:endParaRPr lang="zh-CN" altLang="en-US"/>
           </a:p>
@@ -3101,7 +3101,7 @@
             <a:fld id="{72514870-5082-4025-BC8A-5E070B8EB77D}" type="datetimeFigureOut">
               <a:rPr lang="zh-CN" altLang="en-US" smtClean="0"/>
               <a:pPr/>
-              <a:t>17/9/22</a:t>
+              <a:t>2018/6/27</a:t>
             </a:fld>
             <a:endParaRPr lang="zh-CN" altLang="en-US"/>
           </a:p>
@@ -3291,7 +3291,7 @@
             <a:fld id="{72514870-5082-4025-BC8A-5E070B8EB77D}" type="datetimeFigureOut">
               <a:rPr lang="zh-CN" altLang="en-US" smtClean="0"/>
               <a:pPr/>
-              <a:t>17/9/22</a:t>
+              <a:t>2018/6/27</a:t>
             </a:fld>
             <a:endParaRPr lang="zh-CN" altLang="en-US"/>
           </a:p>
@@ -3463,7 +3463,7 @@
             <a:fld id="{72514870-5082-4025-BC8A-5E070B8EB77D}" type="datetimeFigureOut">
               <a:rPr lang="zh-CN" altLang="en-US" smtClean="0"/>
               <a:pPr/>
-              <a:t>17/9/22</a:t>
+              <a:t>2018/6/27</a:t>
             </a:fld>
             <a:endParaRPr lang="zh-CN" altLang="en-US"/>
           </a:p>
@@ -3657,7 +3657,7 @@
             <a:fld id="{72514870-5082-4025-BC8A-5E070B8EB77D}" type="datetimeFigureOut">
               <a:rPr lang="zh-CN" altLang="en-US" smtClean="0"/>
               <a:pPr/>
-              <a:t>17/9/22</a:t>
+              <a:t>2018/6/27</a:t>
             </a:fld>
             <a:endParaRPr lang="zh-CN" altLang="en-US"/>
           </a:p>
@@ -3947,7 +3947,7 @@
             <a:fld id="{72514870-5082-4025-BC8A-5E070B8EB77D}" type="datetimeFigureOut">
               <a:rPr lang="zh-CN" altLang="en-US" smtClean="0"/>
               <a:pPr/>
-              <a:t>17/9/22</a:t>
+              <a:t>2018/6/27</a:t>
             </a:fld>
             <a:endParaRPr lang="zh-CN" altLang="en-US"/>
           </a:p>
@@ -4371,7 +4371,7 @@
             <a:fld id="{72514870-5082-4025-BC8A-5E070B8EB77D}" type="datetimeFigureOut">
               <a:rPr lang="zh-CN" altLang="en-US" smtClean="0"/>
               <a:pPr/>
-              <a:t>17/9/22</a:t>
+              <a:t>2018/6/27</a:t>
             </a:fld>
             <a:endParaRPr lang="zh-CN" altLang="en-US"/>
           </a:p>
@@ -4491,7 +4491,7 @@
             <a:fld id="{72514870-5082-4025-BC8A-5E070B8EB77D}" type="datetimeFigureOut">
               <a:rPr lang="zh-CN" altLang="en-US" smtClean="0"/>
               <a:pPr/>
-              <a:t>17/9/22</a:t>
+              <a:t>2018/6/27</a:t>
             </a:fld>
             <a:endParaRPr lang="zh-CN" altLang="en-US"/>
           </a:p>
@@ -4588,7 +4588,7 @@
             <a:fld id="{72514870-5082-4025-BC8A-5E070B8EB77D}" type="datetimeFigureOut">
               <a:rPr lang="zh-CN" altLang="en-US" smtClean="0"/>
               <a:pPr/>
-              <a:t>17/9/22</a:t>
+              <a:t>2018/6/27</a:t>
             </a:fld>
             <a:endParaRPr lang="zh-CN" altLang="en-US"/>
           </a:p>
@@ -4867,7 +4867,7 @@
             <a:fld id="{72514870-5082-4025-BC8A-5E070B8EB77D}" type="datetimeFigureOut">
               <a:rPr lang="zh-CN" altLang="en-US" smtClean="0"/>
               <a:pPr/>
-              <a:t>17/9/22</a:t>
+              <a:t>2018/6/27</a:t>
             </a:fld>
             <a:endParaRPr lang="zh-CN" altLang="en-US"/>
           </a:p>
@@ -5039,7 +5039,7 @@
             <a:fld id="{72514870-5082-4025-BC8A-5E070B8EB77D}" type="datetimeFigureOut">
               <a:rPr lang="zh-CN" altLang="en-US" smtClean="0"/>
               <a:pPr/>
-              <a:t>17/9/22</a:t>
+              <a:t>2018/6/27</a:t>
             </a:fld>
             <a:endParaRPr lang="zh-CN" altLang="en-US"/>
           </a:p>
@@ -5294,7 +5294,7 @@
             <a:fld id="{72514870-5082-4025-BC8A-5E070B8EB77D}" type="datetimeFigureOut">
               <a:rPr lang="zh-CN" altLang="en-US" smtClean="0"/>
               <a:pPr/>
-              <a:t>17/9/22</a:t>
+              <a:t>2018/6/27</a:t>
             </a:fld>
             <a:endParaRPr lang="zh-CN" altLang="en-US"/>
           </a:p>
@@ -5466,7 +5466,7 @@
             <a:fld id="{72514870-5082-4025-BC8A-5E070B8EB77D}" type="datetimeFigureOut">
               <a:rPr lang="zh-CN" altLang="en-US" smtClean="0"/>
               <a:pPr/>
-              <a:t>17/9/22</a:t>
+              <a:t>2018/6/27</a:t>
             </a:fld>
             <a:endParaRPr lang="zh-CN" altLang="en-US"/>
           </a:p>
@@ -5648,7 +5648,7 @@
             <a:fld id="{72514870-5082-4025-BC8A-5E070B8EB77D}" type="datetimeFigureOut">
               <a:rPr lang="zh-CN" altLang="en-US" smtClean="0"/>
               <a:pPr/>
-              <a:t>17/9/22</a:t>
+              <a:t>2018/6/27</a:t>
             </a:fld>
             <a:endParaRPr lang="zh-CN" altLang="en-US"/>
           </a:p>
@@ -5842,7 +5842,7 @@
             <a:fld id="{72514870-5082-4025-BC8A-5E070B8EB77D}" type="datetimeFigureOut">
               <a:rPr lang="zh-CN" altLang="en-US" smtClean="0"/>
               <a:pPr/>
-              <a:t>17/9/22</a:t>
+              <a:t>2018/6/27</a:t>
             </a:fld>
             <a:endParaRPr lang="zh-CN" altLang="en-US"/>
           </a:p>
@@ -6132,7 +6132,7 @@
             <a:fld id="{72514870-5082-4025-BC8A-5E070B8EB77D}" type="datetimeFigureOut">
               <a:rPr lang="zh-CN" altLang="en-US" smtClean="0"/>
               <a:pPr/>
-              <a:t>17/9/22</a:t>
+              <a:t>2018/6/27</a:t>
             </a:fld>
             <a:endParaRPr lang="zh-CN" altLang="en-US"/>
           </a:p>
@@ -6556,7 +6556,7 @@
             <a:fld id="{72514870-5082-4025-BC8A-5E070B8EB77D}" type="datetimeFigureOut">
               <a:rPr lang="zh-CN" altLang="en-US" smtClean="0"/>
               <a:pPr/>
-              <a:t>17/9/22</a:t>
+              <a:t>2018/6/27</a:t>
             </a:fld>
             <a:endParaRPr lang="zh-CN" altLang="en-US"/>
           </a:p>
@@ -6676,7 +6676,7 @@
             <a:fld id="{72514870-5082-4025-BC8A-5E070B8EB77D}" type="datetimeFigureOut">
               <a:rPr lang="zh-CN" altLang="en-US" smtClean="0"/>
               <a:pPr/>
-              <a:t>17/9/22</a:t>
+              <a:t>2018/6/27</a:t>
             </a:fld>
             <a:endParaRPr lang="zh-CN" altLang="en-US"/>
           </a:p>
@@ -6773,7 +6773,7 @@
             <a:fld id="{72514870-5082-4025-BC8A-5E070B8EB77D}" type="datetimeFigureOut">
               <a:rPr lang="zh-CN" altLang="en-US" smtClean="0"/>
               <a:pPr/>
-              <a:t>17/9/22</a:t>
+              <a:t>2018/6/27</a:t>
             </a:fld>
             <a:endParaRPr lang="zh-CN" altLang="en-US"/>
           </a:p>
@@ -7052,7 +7052,7 @@
             <a:fld id="{72514870-5082-4025-BC8A-5E070B8EB77D}" type="datetimeFigureOut">
               <a:rPr lang="zh-CN" altLang="en-US" smtClean="0"/>
               <a:pPr/>
-              <a:t>17/9/22</a:t>
+              <a:t>2018/6/27</a:t>
             </a:fld>
             <a:endParaRPr lang="zh-CN" altLang="en-US"/>
           </a:p>
@@ -7307,7 +7307,7 @@
             <a:fld id="{72514870-5082-4025-BC8A-5E070B8EB77D}" type="datetimeFigureOut">
               <a:rPr lang="zh-CN" altLang="en-US" smtClean="0"/>
               <a:pPr/>
-              <a:t>17/9/22</a:t>
+              <a:t>2018/6/27</a:t>
             </a:fld>
             <a:endParaRPr lang="zh-CN" altLang="en-US"/>
           </a:p>
@@ -8189,7 +8189,7 @@
   <p:timing>
     <p:tnLst>
       <p:par>
-        <p:cTn xmlns:p14="http://schemas.microsoft.com/office/powerpoint/2010/main" id="1" dur="indefinite" restart="never" nodeType="tmRoot"/>
+        <p:cTn id="1" dur="indefinite" restart="never" nodeType="tmRoot"/>
       </p:par>
     </p:tnLst>
   </p:timing>
@@ -8250,7 +8250,7 @@
   <p:timing>
     <p:tnLst>
       <p:par>
-        <p:cTn xmlns:p14="http://schemas.microsoft.com/office/powerpoint/2010/main" id="1" dur="indefinite" restart="never" nodeType="tmRoot"/>
+        <p:cTn id="1" dur="indefinite" restart="never" nodeType="tmRoot"/>
       </p:par>
     </p:tnLst>
   </p:timing>
@@ -8311,7 +8311,7 @@
   <p:timing>
     <p:tnLst>
       <p:par>
-        <p:cTn xmlns:p14="http://schemas.microsoft.com/office/powerpoint/2010/main" id="1" dur="indefinite" restart="never" nodeType="tmRoot"/>
+        <p:cTn id="1" dur="indefinite" restart="never" nodeType="tmRoot"/>
       </p:par>
     </p:tnLst>
   </p:timing>
@@ -8530,7 +8530,7 @@
       </p:sp>
       <p:sp>
         <p:nvSpPr>
-          <p:cNvPr id="7" name="矩形"/>
+          <p:cNvPr id="8" name="矩形"/>
           <p:cNvSpPr>
             <a:spLocks/>
           </p:cNvSpPr>
@@ -8538,8 +8538,8 @@
         </p:nvSpPr>
         <p:spPr>
           <a:xfrm>
-            <a:off x="683568" y="4011910"/>
-            <a:ext cx="8565279" cy="400110"/>
+            <a:off x="683568" y="2119958"/>
+            <a:ext cx="8565279" cy="1015663"/>
           </a:xfrm>
           <a:prstGeom prst="rect">
             <a:avLst/>
@@ -8565,6 +8565,18 @@
               <a:buChar char="u"/>
             </a:pPr>
             <a:r>
+              <a:rPr lang="en-US" altLang="zh-CN" sz="2000" u="none" strike="noStrike" kern="1200" cap="none" spc="0" baseline="0" dirty="0" err="1" smtClean="0">
+                <a:solidFill>
+                  <a:srgbClr val="464563"/>
+                </a:solidFill>
+                <a:latin typeface="微软雅黑" charset="0"/>
+                <a:ea typeface="微软雅黑" charset="0"/>
+                <a:cs typeface="微软雅黑" charset="0"/>
+                <a:sym typeface="Calibri" pitchFamily="34" charset="0"/>
+              </a:rPr>
+              <a:t>Redux</a:t>
+            </a:r>
+            <a:r>
               <a:rPr lang="zh-CN" altLang="en-US" sz="2000" u="none" strike="noStrike" kern="1200" cap="none" spc="0" baseline="0" dirty="0" smtClean="0">
                 <a:solidFill>
                   <a:srgbClr val="464563"/>
@@ -8574,7 +8586,7 @@
                 <a:cs typeface="微软雅黑" charset="0"/>
                 <a:sym typeface="Calibri" pitchFamily="34" charset="0"/>
               </a:rPr>
-              <a:t>使用</a:t>
+              <a:t>处理异步，需要</a:t>
             </a:r>
             <a:r>
               <a:rPr lang="en-US" altLang="zh-CN" sz="2000" u="none" strike="noStrike" kern="1200" cap="none" spc="0" baseline="0" dirty="0" smtClean="0">
@@ -8586,7 +8598,7 @@
                 <a:cs typeface="微软雅黑" charset="0"/>
                 <a:sym typeface="Calibri" pitchFamily="34" charset="0"/>
               </a:rPr>
-              <a:t>react-</a:t>
+              <a:t>redux-</a:t>
             </a:r>
             <a:r>
               <a:rPr lang="en-US" altLang="zh-CN" sz="2000" u="none" strike="noStrike" kern="1200" cap="none" spc="0" baseline="0" dirty="0" err="1" smtClean="0">
@@ -8598,7 +8610,7 @@
                 <a:cs typeface="微软雅黑" charset="0"/>
                 <a:sym typeface="Calibri" pitchFamily="34" charset="0"/>
               </a:rPr>
-              <a:t>redux</a:t>
+              <a:t>thunk</a:t>
             </a:r>
             <a:r>
               <a:rPr lang="zh-CN" altLang="en-US" sz="2000" u="none" strike="noStrike" kern="1200" cap="none" spc="0" baseline="0" dirty="0" smtClean="0">
@@ -8610,45 +8622,9 @@
                 <a:cs typeface="微软雅黑" charset="0"/>
                 <a:sym typeface="Calibri" pitchFamily="34" charset="0"/>
               </a:rPr>
-              <a:t>优雅的链接</a:t>
-            </a:r>
-            <a:r>
-              <a:rPr lang="en-US" altLang="zh-CN" sz="2000" u="none" strike="noStrike" kern="1200" cap="none" spc="0" baseline="0" dirty="0" smtClean="0">
-                <a:solidFill>
-                  <a:srgbClr val="464563"/>
-                </a:solidFill>
-                <a:latin typeface="微软雅黑" charset="0"/>
-                <a:ea typeface="微软雅黑" charset="0"/>
-                <a:cs typeface="微软雅黑" charset="0"/>
-                <a:sym typeface="Calibri" pitchFamily="34" charset="0"/>
-              </a:rPr>
-              <a:t>react</a:t>
-            </a:r>
-            <a:r>
-              <a:rPr lang="zh-CN" altLang="en-US" sz="2000" u="none" strike="noStrike" kern="1200" cap="none" spc="0" baseline="0" dirty="0" smtClean="0">
-                <a:solidFill>
-                  <a:srgbClr val="464563"/>
-                </a:solidFill>
-                <a:latin typeface="微软雅黑" charset="0"/>
-                <a:ea typeface="微软雅黑" charset="0"/>
-                <a:cs typeface="微软雅黑" charset="0"/>
-                <a:sym typeface="Calibri" pitchFamily="34" charset="0"/>
-              </a:rPr>
-              <a:t>和</a:t>
-            </a:r>
-            <a:r>
-              <a:rPr lang="en-US" altLang="zh-CN" sz="2000" u="none" strike="noStrike" kern="1200" cap="none" spc="0" baseline="0" dirty="0" err="1" smtClean="0">
-                <a:solidFill>
-                  <a:srgbClr val="464563"/>
-                </a:solidFill>
-                <a:latin typeface="微软雅黑" charset="0"/>
-                <a:ea typeface="微软雅黑" charset="0"/>
-                <a:cs typeface="微软雅黑" charset="0"/>
-                <a:sym typeface="Calibri" pitchFamily="34" charset="0"/>
-              </a:rPr>
-              <a:t>redux</a:t>
-            </a:r>
-            <a:endParaRPr lang="zh-CN" altLang="en-US" sz="2000" u="none" strike="noStrike" kern="1200" cap="none" spc="0" baseline="0" dirty="0">
+              <a:t>插件</a:t>
+            </a:r>
+            <a:endParaRPr lang="en-US" altLang="zh-CN" sz="2000" u="none" strike="noStrike" kern="1200" cap="none" spc="0" baseline="0" dirty="0" smtClean="0">
               <a:solidFill>
                 <a:srgbClr val="464563"/>
               </a:solidFill>
@@ -8658,46 +8634,13 @@
               <a:sym typeface="Calibri" pitchFamily="34" charset="0"/>
             </a:endParaRPr>
           </a:p>
-        </p:txBody>
-      </p:sp>
-      <p:sp>
-        <p:nvSpPr>
-          <p:cNvPr id="8" name="矩形"/>
-          <p:cNvSpPr>
-            <a:spLocks/>
-          </p:cNvSpPr>
-          <p:nvPr/>
-        </p:nvSpPr>
-        <p:spPr>
-          <a:xfrm>
-            <a:off x="683568" y="2427734"/>
-            <a:ext cx="8565279" cy="400110"/>
-          </a:xfrm>
-          <a:prstGeom prst="rect">
-            <a:avLst/>
-          </a:prstGeom>
-          <a:noFill/>
-          <a:ln w="9525" cap="flat" cmpd="sng">
-            <a:noFill/>
-            <a:prstDash val="solid"/>
-            <a:miter/>
-          </a:ln>
-        </p:spPr>
-        <p:txBody>
-          <a:bodyPr vert="horz" wrap="square" lIns="91440" tIns="45720" rIns="91440" bIns="45720" anchor="ctr" anchorCtr="0">
-            <a:prstTxWarp prst="textNoShape">
-              <a:avLst/>
-            </a:prstTxWarp>
-            <a:spAutoFit/>
-          </a:bodyPr>
-          <a:lstStyle/>
           <a:p>
             <a:pPr marL="800100" lvl="1" indent="-342900">
               <a:buFont typeface="Wingdings" panose="05000000000000000000" pitchFamily="2" charset="2"/>
               <a:buChar char="u"/>
             </a:pPr>
             <a:r>
-              <a:rPr lang="en-US" altLang="zh-CN" sz="2000" u="none" strike="noStrike" kern="1200" cap="none" spc="0" baseline="0" dirty="0" err="1" smtClean="0">
+              <a:rPr lang="en-US" altLang="zh-CN" sz="2000" dirty="0" err="1" smtClean="0">
                 <a:solidFill>
                   <a:srgbClr val="464563"/>
                 </a:solidFill>
@@ -8706,10 +8649,10 @@
                 <a:cs typeface="微软雅黑" charset="0"/>
                 <a:sym typeface="Calibri" pitchFamily="34" charset="0"/>
               </a:rPr>
-              <a:t>Redux</a:t>
-            </a:r>
-            <a:r>
-              <a:rPr lang="zh-CN" altLang="en-US" sz="2000" u="none" strike="noStrike" kern="1200" cap="none" spc="0" baseline="0" dirty="0" smtClean="0">
+              <a:t>Npm</a:t>
+            </a:r>
+            <a:r>
+              <a:rPr lang="zh-CN" altLang="en-US" sz="2000" dirty="0" smtClean="0">
                 <a:solidFill>
                   <a:srgbClr val="464563"/>
                 </a:solidFill>
@@ -8718,10 +8661,10 @@
                 <a:cs typeface="微软雅黑" charset="0"/>
                 <a:sym typeface="Calibri" pitchFamily="34" charset="0"/>
               </a:rPr>
-              <a:t>处理异步，需要</a:t>
-            </a:r>
-            <a:r>
-              <a:rPr lang="en-US" altLang="zh-CN" sz="2000" u="none" strike="noStrike" kern="1200" cap="none" spc="0" baseline="0" dirty="0" err="1" smtClean="0">
+              <a:t> </a:t>
+            </a:r>
+            <a:r>
+              <a:rPr lang="en-US" altLang="zh-CN" sz="2000" dirty="0" smtClean="0">
                 <a:solidFill>
                   <a:srgbClr val="464563"/>
                 </a:solidFill>
@@ -8730,10 +8673,10 @@
                 <a:cs typeface="微软雅黑" charset="0"/>
                 <a:sym typeface="Calibri" pitchFamily="34" charset="0"/>
               </a:rPr>
-              <a:t>redux-thunk</a:t>
-            </a:r>
-            <a:r>
-              <a:rPr lang="zh-CN" altLang="en-US" sz="2000" u="none" strike="noStrike" kern="1200" cap="none" spc="0" baseline="0" dirty="0" smtClean="0">
+              <a:t>install</a:t>
+            </a:r>
+            <a:r>
+              <a:rPr lang="zh-CN" altLang="en-US" sz="2000" dirty="0" smtClean="0">
                 <a:solidFill>
                   <a:srgbClr val="464563"/>
                 </a:solidFill>
@@ -8742,9 +8685,57 @@
                 <a:cs typeface="微软雅黑" charset="0"/>
                 <a:sym typeface="Calibri" pitchFamily="34" charset="0"/>
               </a:rPr>
-              <a:t>插件</a:t>
-            </a:r>
-            <a:endParaRPr lang="zh-CN" altLang="en-US" sz="2000" u="none" strike="noStrike" kern="1200" cap="none" spc="0" baseline="0" dirty="0">
+              <a:t> </a:t>
+            </a:r>
+            <a:r>
+              <a:rPr lang="en-US" altLang="zh-CN" sz="2000" dirty="0" smtClean="0">
+                <a:solidFill>
+                  <a:srgbClr val="464563"/>
+                </a:solidFill>
+                <a:latin typeface="微软雅黑" charset="0"/>
+                <a:ea typeface="微软雅黑" charset="0"/>
+                <a:cs typeface="微软雅黑" charset="0"/>
+                <a:sym typeface="Calibri" pitchFamily="34" charset="0"/>
+              </a:rPr>
+              <a:t>redux-</a:t>
+            </a:r>
+            <a:r>
+              <a:rPr lang="en-US" altLang="zh-CN" sz="2000" dirty="0" err="1" smtClean="0">
+                <a:solidFill>
+                  <a:srgbClr val="464563"/>
+                </a:solidFill>
+                <a:latin typeface="微软雅黑" charset="0"/>
+                <a:ea typeface="微软雅黑" charset="0"/>
+                <a:cs typeface="微软雅黑" charset="0"/>
+                <a:sym typeface="Calibri" pitchFamily="34" charset="0"/>
+              </a:rPr>
+              <a:t>devtools</a:t>
+            </a:r>
+            <a:r>
+              <a:rPr lang="en-US" altLang="zh-CN" sz="2000" dirty="0" smtClean="0">
+                <a:solidFill>
+                  <a:srgbClr val="464563"/>
+                </a:solidFill>
+                <a:latin typeface="微软雅黑" charset="0"/>
+                <a:ea typeface="微软雅黑" charset="0"/>
+                <a:cs typeface="微软雅黑" charset="0"/>
+                <a:sym typeface="Calibri" pitchFamily="34" charset="0"/>
+              </a:rPr>
+              <a:t>-extension</a:t>
+            </a:r>
+            <a:r>
+              <a:rPr lang="zh-CN" altLang="en-US" sz="2000" dirty="0" smtClean="0">
+                <a:solidFill>
+                  <a:srgbClr val="464563"/>
+                </a:solidFill>
+                <a:latin typeface="微软雅黑" charset="0"/>
+                <a:ea typeface="微软雅黑" charset="0"/>
+                <a:cs typeface="微软雅黑" charset="0"/>
+                <a:sym typeface="Calibri" pitchFamily="34" charset="0"/>
+              </a:rPr>
+              <a:t> 并且开启</a:t>
+            </a:r>
+            <a:endParaRPr lang="en-US" altLang="zh-CN" sz="2000" dirty="0" smtClean="0">
               <a:solidFill>
                 <a:srgbClr val="464563"/>
               </a:solidFill>
@@ -8754,46 +8745,13 @@
               <a:sym typeface="Calibri" pitchFamily="34" charset="0"/>
             </a:endParaRPr>
           </a:p>
-        </p:txBody>
-      </p:sp>
-      <p:sp>
-        <p:nvSpPr>
-          <p:cNvPr id="10" name="矩形"/>
-          <p:cNvSpPr>
-            <a:spLocks/>
-          </p:cNvSpPr>
-          <p:nvPr/>
-        </p:nvSpPr>
-        <p:spPr>
-          <a:xfrm>
-            <a:off x="683568" y="3219822"/>
-            <a:ext cx="8565279" cy="400110"/>
-          </a:xfrm>
-          <a:prstGeom prst="rect">
-            <a:avLst/>
-          </a:prstGeom>
-          <a:noFill/>
-          <a:ln w="9525" cap="flat" cmpd="sng">
-            <a:noFill/>
-            <a:prstDash val="solid"/>
-            <a:miter/>
-          </a:ln>
-        </p:spPr>
-        <p:txBody>
-          <a:bodyPr vert="horz" wrap="square" lIns="91440" tIns="45720" rIns="91440" bIns="45720" anchor="ctr" anchorCtr="0">
-            <a:prstTxWarp prst="textNoShape">
-              <a:avLst/>
-            </a:prstTxWarp>
-            <a:spAutoFit/>
-          </a:bodyPr>
-          <a:lstStyle/>
           <a:p>
             <a:pPr marL="800100" lvl="1" indent="-342900">
               <a:buFont typeface="Wingdings" panose="05000000000000000000" pitchFamily="2" charset="2"/>
               <a:buChar char="u"/>
             </a:pPr>
             <a:r>
-              <a:rPr lang="en-US" altLang="zh-CN" sz="2000" dirty="0" err="1" smtClean="0">
+              <a:rPr lang="zh-CN" altLang="en-US" sz="2000" dirty="0">
                 <a:solidFill>
                   <a:srgbClr val="464563"/>
                 </a:solidFill>
@@ -8802,10 +8760,10 @@
                 <a:cs typeface="微软雅黑" charset="0"/>
                 <a:sym typeface="Calibri" pitchFamily="34" charset="0"/>
               </a:rPr>
-              <a:t>Npm</a:t>
-            </a:r>
-            <a:r>
-              <a:rPr lang="zh-CN" altLang="en-US" sz="2000" dirty="0" smtClean="0">
+              <a:t>使用</a:t>
+            </a:r>
+            <a:r>
+              <a:rPr lang="en-US" altLang="zh-CN" sz="2000" dirty="0">
                 <a:solidFill>
                   <a:srgbClr val="464563"/>
                 </a:solidFill>
@@ -8814,7 +8772,43 @@
                 <a:cs typeface="微软雅黑" charset="0"/>
                 <a:sym typeface="Calibri" pitchFamily="34" charset="0"/>
               </a:rPr>
-              <a:t> </a:t>
+              <a:t>react-redux</a:t>
+            </a:r>
+            <a:r>
+              <a:rPr lang="zh-CN" altLang="en-US" sz="2000" dirty="0">
+                <a:solidFill>
+                  <a:srgbClr val="464563"/>
+                </a:solidFill>
+                <a:latin typeface="微软雅黑" charset="0"/>
+                <a:ea typeface="微软雅黑" charset="0"/>
+                <a:cs typeface="微软雅黑" charset="0"/>
+                <a:sym typeface="Calibri" pitchFamily="34" charset="0"/>
+              </a:rPr>
+              <a:t>优雅的链接</a:t>
+            </a:r>
+            <a:r>
+              <a:rPr lang="en-US" altLang="zh-CN" sz="2000" dirty="0">
+                <a:solidFill>
+                  <a:srgbClr val="464563"/>
+                </a:solidFill>
+                <a:latin typeface="微软雅黑" charset="0"/>
+                <a:ea typeface="微软雅黑" charset="0"/>
+                <a:cs typeface="微软雅黑" charset="0"/>
+                <a:sym typeface="Calibri" pitchFamily="34" charset="0"/>
+              </a:rPr>
+              <a:t>react</a:t>
+            </a:r>
+            <a:r>
+              <a:rPr lang="zh-CN" altLang="en-US" sz="2000" dirty="0">
+                <a:solidFill>
+                  <a:srgbClr val="464563"/>
+                </a:solidFill>
+                <a:latin typeface="微软雅黑" charset="0"/>
+                <a:ea typeface="微软雅黑" charset="0"/>
+                <a:cs typeface="微软雅黑" charset="0"/>
+                <a:sym typeface="Calibri" pitchFamily="34" charset="0"/>
+              </a:rPr>
+              <a:t>和</a:t>
             </a:r>
             <a:r>
               <a:rPr lang="en-US" altLang="zh-CN" sz="2000" dirty="0" smtClean="0">
@@ -8826,93 +8820,9 @@
                 <a:cs typeface="微软雅黑" charset="0"/>
                 <a:sym typeface="Calibri" pitchFamily="34" charset="0"/>
               </a:rPr>
-              <a:t>install</a:t>
-            </a:r>
-            <a:r>
-              <a:rPr lang="zh-CN" altLang="en-US" sz="2000" dirty="0" smtClean="0">
-                <a:solidFill>
-                  <a:srgbClr val="464563"/>
-                </a:solidFill>
-                <a:latin typeface="微软雅黑" charset="0"/>
-                <a:ea typeface="微软雅黑" charset="0"/>
-                <a:cs typeface="微软雅黑" charset="0"/>
-                <a:sym typeface="Calibri" pitchFamily="34" charset="0"/>
-              </a:rPr>
-              <a:t> </a:t>
-            </a:r>
-            <a:r>
-              <a:rPr lang="en-US" altLang="zh-CN" sz="2000" u="none" strike="noStrike" kern="1200" cap="none" spc="0" baseline="0" dirty="0" err="1" smtClean="0">
-                <a:solidFill>
-                  <a:srgbClr val="464563"/>
-                </a:solidFill>
-                <a:latin typeface="微软雅黑" charset="0"/>
-                <a:ea typeface="微软雅黑" charset="0"/>
-                <a:cs typeface="微软雅黑" charset="0"/>
-                <a:sym typeface="Calibri" pitchFamily="34" charset="0"/>
-              </a:rPr>
               <a:t>redux</a:t>
             </a:r>
-            <a:r>
-              <a:rPr lang="en-US" altLang="zh-CN" sz="2000" u="none" strike="noStrike" kern="1200" cap="none" spc="0" baseline="0" dirty="0" smtClean="0">
-                <a:solidFill>
-                  <a:srgbClr val="464563"/>
-                </a:solidFill>
-                <a:latin typeface="微软雅黑" charset="0"/>
-                <a:ea typeface="微软雅黑" charset="0"/>
-                <a:cs typeface="微软雅黑" charset="0"/>
-                <a:sym typeface="Calibri" pitchFamily="34" charset="0"/>
-              </a:rPr>
-              <a:t>-</a:t>
-            </a:r>
-            <a:r>
-              <a:rPr lang="en-US" altLang="zh-CN" sz="2000" u="none" strike="noStrike" kern="1200" cap="none" spc="0" baseline="0" dirty="0" err="1" smtClean="0">
-                <a:solidFill>
-                  <a:srgbClr val="464563"/>
-                </a:solidFill>
-                <a:latin typeface="微软雅黑" charset="0"/>
-                <a:ea typeface="微软雅黑" charset="0"/>
-                <a:cs typeface="微软雅黑" charset="0"/>
-                <a:sym typeface="Calibri" pitchFamily="34" charset="0"/>
-              </a:rPr>
-              <a:t>devtools</a:t>
-            </a:r>
-            <a:r>
-              <a:rPr lang="en-US" altLang="zh-CN" sz="2000" dirty="0">
-                <a:solidFill>
-                  <a:srgbClr val="464563"/>
-                </a:solidFill>
-                <a:latin typeface="微软雅黑" charset="0"/>
-                <a:ea typeface="微软雅黑" charset="0"/>
-                <a:cs typeface="微软雅黑" charset="0"/>
-                <a:sym typeface="Calibri" pitchFamily="34" charset="0"/>
-              </a:rPr>
-              <a:t>-</a:t>
-            </a:r>
-            <a:r>
-              <a:rPr lang="en-US" altLang="zh-CN" sz="2000" dirty="0" smtClean="0">
-                <a:solidFill>
-                  <a:srgbClr val="464563"/>
-                </a:solidFill>
-                <a:latin typeface="微软雅黑" charset="0"/>
-                <a:ea typeface="微软雅黑" charset="0"/>
-                <a:cs typeface="微软雅黑" charset="0"/>
-                <a:sym typeface="Calibri" pitchFamily="34" charset="0"/>
-              </a:rPr>
-              <a:t>extension</a:t>
-            </a:r>
-            <a:r>
-              <a:rPr lang="zh-CN" altLang="en-US" sz="2000" dirty="0" smtClean="0">
-                <a:solidFill>
-                  <a:srgbClr val="464563"/>
-                </a:solidFill>
-                <a:latin typeface="微软雅黑" charset="0"/>
-                <a:ea typeface="微软雅黑" charset="0"/>
-                <a:cs typeface="微软雅黑" charset="0"/>
-                <a:sym typeface="Calibri" pitchFamily="34" charset="0"/>
-              </a:rPr>
-              <a:t> 并且开启</a:t>
-            </a:r>
-            <a:endParaRPr lang="zh-CN" altLang="en-US" sz="2000" u="none" strike="noStrike" kern="1200" cap="none" spc="0" baseline="0" dirty="0">
+            <a:endParaRPr lang="zh-CN" altLang="en-US" sz="2000" dirty="0" smtClean="0">
               <a:solidFill>
                 <a:srgbClr val="464563"/>
               </a:solidFill>
@@ -8937,7 +8847,7 @@
   <p:timing>
     <p:tnLst>
       <p:par>
-        <p:cTn xmlns:p14="http://schemas.microsoft.com/office/powerpoint/2010/main" id="1" dur="indefinite" restart="never" nodeType="tmRoot">
+        <p:cTn id="1" dur="indefinite" restart="never" nodeType="tmRoot">
           <p:childTnLst>
             <p:seq concurrent="1" nextAc="seek">
               <p:cTn id="2" dur="indefinite" nodeType="mainSeq">
@@ -9136,188 +9046,6 @@
                       </p:childTnLst>
                     </p:cTn>
                   </p:par>
-                  <p:par>
-                    <p:cTn id="15" fill="hold">
-                      <p:stCondLst>
-                        <p:cond delay="indefinite"/>
-                      </p:stCondLst>
-                      <p:childTnLst>
-                        <p:par>
-                          <p:cTn id="16" fill="hold">
-                            <p:stCondLst>
-                              <p:cond delay="0"/>
-                            </p:stCondLst>
-                            <p:childTnLst>
-                              <p:par>
-                                <p:cTn id="17" presetID="2" presetClass="entr" presetSubtype="4" fill="hold" grpId="0" nodeType="clickEffect">
-                                  <p:stCondLst>
-                                    <p:cond delay="0"/>
-                                  </p:stCondLst>
-                                  <p:childTnLst>
-                                    <p:set>
-                                      <p:cBhvr>
-                                        <p:cTn id="18" dur="1" fill="hold">
-                                          <p:stCondLst>
-                                            <p:cond delay="0"/>
-                                          </p:stCondLst>
-                                        </p:cTn>
-                                        <p:tgtEl>
-                                          <p:spTgt spid="10"/>
-                                        </p:tgtEl>
-                                        <p:attrNameLst>
-                                          <p:attrName>style.visibility</p:attrName>
-                                        </p:attrNameLst>
-                                      </p:cBhvr>
-                                      <p:to>
-                                        <p:strVal val="visible"/>
-                                      </p:to>
-                                    </p:set>
-                                    <p:anim calcmode="lin" valueType="num">
-                                      <p:cBhvr additive="base">
-                                        <p:cTn id="19" dur="500" fill="hold"/>
-                                        <p:tgtEl>
-                                          <p:spTgt spid="10"/>
-                                        </p:tgtEl>
-                                        <p:attrNameLst>
-                                          <p:attrName>ppt_x</p:attrName>
-                                        </p:attrNameLst>
-                                      </p:cBhvr>
-                                      <p:tavLst>
-                                        <p:tav tm="0">
-                                          <p:val>
-                                            <p:strVal val="#ppt_x"/>
-                                          </p:val>
-                                        </p:tav>
-                                        <p:tav tm="100000">
-                                          <p:val>
-                                            <p:strVal val="#ppt_x"/>
-                                          </p:val>
-                                        </p:tav>
-                                      </p:tavLst>
-                                    </p:anim>
-                                    <p:anim calcmode="lin" valueType="num">
-                                      <p:cBhvr additive="base">
-                                        <p:cTn id="20" dur="500" fill="hold"/>
-                                        <p:tgtEl>
-                                          <p:spTgt spid="10"/>
-                                        </p:tgtEl>
-                                        <p:attrNameLst>
-                                          <p:attrName>ppt_y</p:attrName>
-                                        </p:attrNameLst>
-                                      </p:cBhvr>
-                                      <p:tavLst>
-                                        <p:tav tm="0">
-                                          <p:val>
-                                            <p:strVal val="1+#ppt_h/2"/>
-                                          </p:val>
-                                        </p:tav>
-                                        <p:tav tm="100000">
-                                          <p:val>
-                                            <p:strVal val="#ppt_y"/>
-                                          </p:val>
-                                        </p:tav>
-                                      </p:tavLst>
-                                    </p:anim>
-                                  </p:childTnLst>
-                                </p:cTn>
-                              </p:par>
-                            </p:childTnLst>
-                          </p:cTn>
-                        </p:par>
-                      </p:childTnLst>
-                    </p:cTn>
-                  </p:par>
-                  <p:par>
-                    <p:cTn id="21" fill="hold">
-                      <p:stCondLst>
-                        <p:cond delay="indefinite"/>
-                      </p:stCondLst>
-                      <p:childTnLst>
-                        <p:par>
-                          <p:cTn id="22" fill="hold">
-                            <p:stCondLst>
-                              <p:cond delay="0"/>
-                            </p:stCondLst>
-                            <p:childTnLst>
-                              <p:par>
-                                <p:cTn id="23" presetID="2" presetClass="entr" presetSubtype="4" fill="hold" grpId="0" nodeType="clickEffect">
-                                  <p:stCondLst>
-                                    <p:cond delay="0"/>
-                                  </p:stCondLst>
-                                  <p:childTnLst>
-                                    <p:set>
-                                      <p:cBhvr>
-                                        <p:cTn id="24" dur="1" fill="hold">
-                                          <p:stCondLst>
-                                            <p:cond delay="0"/>
-                                          </p:stCondLst>
-                                        </p:cTn>
-                                        <p:tgtEl>
-                                          <p:spTgt spid="7"/>
-                                        </p:tgtEl>
-                                        <p:attrNameLst>
-                                          <p:attrName>style.visibility</p:attrName>
-                                        </p:attrNameLst>
-                                      </p:cBhvr>
-                                      <p:to>
-                                        <p:strVal val="visible"/>
-                                      </p:to>
-                                    </p:set>
-                                    <p:anim calcmode="lin" valueType="num">
-                                      <p:cBhvr additive="base">
-                                        <p:cTn id="25" dur="500" fill="hold"/>
-                                        <p:tgtEl>
-                                          <p:spTgt spid="7"/>
-                                        </p:tgtEl>
-                                        <p:attrNameLst>
-                                          <p:attrName>ppt_x</p:attrName>
-                                        </p:attrNameLst>
-                                      </p:cBhvr>
-                                      <p:tavLst>
-                                        <p:tav tm="0">
-                                          <p:val>
-                                            <p:strVal val="#ppt_x"/>
-                                          </p:val>
-                                        </p:tav>
-                                        <p:tav tm="100000">
-                                          <p:val>
-                                            <p:strVal val="#ppt_x"/>
-                                          </p:val>
-                                        </p:tav>
-                                      </p:tavLst>
-                                    </p:anim>
-                                    <p:anim calcmode="lin" valueType="num">
-                                      <p:cBhvr additive="base">
-                                        <p:cTn id="26" dur="500" fill="hold"/>
-                                        <p:tgtEl>
-                                          <p:spTgt spid="7"/>
-                                        </p:tgtEl>
-                                        <p:attrNameLst>
-                                          <p:attrName>ppt_y</p:attrName>
-                                        </p:attrNameLst>
-                                      </p:cBhvr>
-                                      <p:tavLst>
-                                        <p:tav tm="0">
-                                          <p:val>
-                                            <p:strVal val="1+#ppt_h/2"/>
-                                          </p:val>
-                                        </p:tav>
-                                        <p:tav tm="100000">
-                                          <p:val>
-                                            <p:strVal val="#ppt_y"/>
-                                          </p:val>
-                                        </p:tav>
-                                      </p:tavLst>
-                                    </p:anim>
-                                  </p:childTnLst>
-                                </p:cTn>
-                              </p:par>
-                            </p:childTnLst>
-                          </p:cTn>
-                        </p:par>
-                      </p:childTnLst>
-                    </p:cTn>
-                  </p:par>
                 </p:childTnLst>
               </p:cTn>
               <p:prevCondLst>
@@ -9340,9 +9068,7 @@
       </p:par>
     </p:tnLst>
     <p:bldLst>
-      <p:bldP spid="7" grpId="0"/>
       <p:bldP spid="8" grpId="0"/>
-      <p:bldP spid="10" grpId="0"/>
     </p:bldLst>
   </p:timing>
 </p:sld>
@@ -9411,7 +9137,7 @@
               <a:buNone/>
             </a:pPr>
             <a:r>
-              <a:rPr lang="en-US" altLang="zh-CN" sz="2200" dirty="0" err="1" smtClean="0">
+              <a:rPr lang="en-US" altLang="zh-CN" sz="2200" dirty="0" smtClean="0">
                 <a:solidFill>
                   <a:srgbClr val="212121"/>
                 </a:solidFill>
@@ -9524,7 +9250,7 @@
       </p:sp>
       <p:sp>
         <p:nvSpPr>
-          <p:cNvPr id="7" name="矩形"/>
+          <p:cNvPr id="8" name="矩形"/>
           <p:cNvSpPr>
             <a:spLocks/>
           </p:cNvSpPr>
@@ -9532,8 +9258,8 @@
         </p:nvSpPr>
         <p:spPr>
           <a:xfrm>
-            <a:off x="683568" y="4011910"/>
-            <a:ext cx="8565279" cy="400110"/>
+            <a:off x="683568" y="2119958"/>
+            <a:ext cx="8565279" cy="1015663"/>
           </a:xfrm>
           <a:prstGeom prst="rect">
             <a:avLst/>
@@ -9559,6 +9285,30 @@
               <a:buChar char="u"/>
             </a:pPr>
             <a:r>
+              <a:rPr lang="en-US" altLang="zh-CN" sz="2000" u="none" strike="noStrike" kern="1200" cap="none" spc="0" baseline="0" dirty="0" err="1" smtClean="0">
+                <a:solidFill>
+                  <a:srgbClr val="464563"/>
+                </a:solidFill>
+                <a:latin typeface="微软雅黑" charset="0"/>
+                <a:ea typeface="微软雅黑" charset="0"/>
+                <a:cs typeface="微软雅黑" charset="0"/>
+                <a:sym typeface="Calibri" pitchFamily="34" charset="0"/>
+              </a:rPr>
+              <a:t>Npm</a:t>
+            </a:r>
+            <a:r>
+              <a:rPr lang="zh-CN" altLang="en-US" sz="2000" u="none" strike="noStrike" kern="1200" cap="none" spc="0" baseline="0" dirty="0" smtClean="0">
+                <a:solidFill>
+                  <a:srgbClr val="464563"/>
+                </a:solidFill>
+                <a:latin typeface="微软雅黑" charset="0"/>
+                <a:ea typeface="微软雅黑" charset="0"/>
+                <a:cs typeface="微软雅黑" charset="0"/>
+                <a:sym typeface="Calibri" pitchFamily="34" charset="0"/>
+              </a:rPr>
+              <a:t> </a:t>
+            </a:r>
+            <a:r>
               <a:rPr lang="en-US" altLang="zh-CN" sz="2000" u="none" strike="noStrike" kern="1200" cap="none" spc="0" baseline="0" dirty="0" smtClean="0">
                 <a:solidFill>
                   <a:srgbClr val="464563"/>
@@ -9568,7 +9318,7 @@
                 <a:cs typeface="微软雅黑" charset="0"/>
                 <a:sym typeface="Calibri" pitchFamily="34" charset="0"/>
               </a:rPr>
-              <a:t>Action</a:t>
+              <a:t>install</a:t>
             </a:r>
             <a:r>
               <a:rPr lang="zh-CN" altLang="en-US" sz="2000" u="none" strike="noStrike" kern="1200" cap="none" spc="0" baseline="0" dirty="0" smtClean="0">
@@ -9580,7 +9330,7 @@
                 <a:cs typeface="微软雅黑" charset="0"/>
                 <a:sym typeface="Calibri" pitchFamily="34" charset="0"/>
               </a:rPr>
-              <a:t>可以返回函数，使用</a:t>
+              <a:t> </a:t>
             </a:r>
             <a:r>
               <a:rPr lang="en-US" altLang="zh-CN" sz="2000" u="none" strike="noStrike" kern="1200" cap="none" spc="0" baseline="0" dirty="0" smtClean="0">
@@ -9592,7 +9342,19 @@
                 <a:cs typeface="微软雅黑" charset="0"/>
                 <a:sym typeface="Calibri" pitchFamily="34" charset="0"/>
               </a:rPr>
-              <a:t>dispatch</a:t>
+              <a:t>redux-</a:t>
+            </a:r>
+            <a:r>
+              <a:rPr lang="en-US" altLang="zh-CN" sz="2000" u="none" strike="noStrike" kern="1200" cap="none" spc="0" baseline="0" dirty="0" err="1" smtClean="0">
+                <a:solidFill>
+                  <a:srgbClr val="464563"/>
+                </a:solidFill>
+                <a:latin typeface="微软雅黑" charset="0"/>
+                <a:ea typeface="微软雅黑" charset="0"/>
+                <a:cs typeface="微软雅黑" charset="0"/>
+                <a:sym typeface="Calibri" pitchFamily="34" charset="0"/>
+              </a:rPr>
+              <a:t>thunk</a:t>
             </a:r>
             <a:r>
               <a:rPr lang="zh-CN" altLang="en-US" sz="2000" u="none" strike="noStrike" kern="1200" cap="none" spc="0" baseline="0" dirty="0" smtClean="0">
@@ -9604,7 +9366,7 @@
                 <a:cs typeface="微软雅黑" charset="0"/>
                 <a:sym typeface="Calibri" pitchFamily="34" charset="0"/>
               </a:rPr>
-              <a:t>提交</a:t>
+              <a:t> </a:t>
             </a:r>
             <a:r>
               <a:rPr lang="en-US" altLang="zh-CN" sz="2000" u="none" strike="noStrike" kern="1200" cap="none" spc="0" baseline="0" dirty="0" smtClean="0">
@@ -9616,9 +9378,87 @@
                 <a:cs typeface="微软雅黑" charset="0"/>
                 <a:sym typeface="Calibri" pitchFamily="34" charset="0"/>
               </a:rPr>
-              <a:t>action</a:t>
-            </a:r>
-            <a:endParaRPr lang="zh-CN" altLang="en-US" sz="2000" u="none" strike="noStrike" kern="1200" cap="none" spc="0" baseline="0" dirty="0">
+              <a:t>--save</a:t>
+            </a:r>
+          </a:p>
+          <a:p>
+            <a:pPr marL="800100" lvl="1" indent="-342900">
+              <a:buFont typeface="Wingdings" panose="05000000000000000000" pitchFamily="2" charset="2"/>
+              <a:buChar char="u"/>
+            </a:pPr>
+            <a:r>
+              <a:rPr lang="zh-CN" altLang="en-US" sz="2000" dirty="0">
+                <a:solidFill>
+                  <a:srgbClr val="464563"/>
+                </a:solidFill>
+                <a:latin typeface="微软雅黑" charset="0"/>
+                <a:ea typeface="微软雅黑" charset="0"/>
+                <a:cs typeface="微软雅黑" charset="0"/>
+                <a:sym typeface="Calibri" pitchFamily="34" charset="0"/>
+              </a:rPr>
+              <a:t>使用</a:t>
+            </a:r>
+            <a:r>
+              <a:rPr lang="en-US" altLang="zh-CN" sz="2000" dirty="0" err="1">
+                <a:solidFill>
+                  <a:srgbClr val="464563"/>
+                </a:solidFill>
+                <a:latin typeface="微软雅黑" charset="0"/>
+                <a:ea typeface="微软雅黑" charset="0"/>
+                <a:cs typeface="微软雅黑" charset="0"/>
+                <a:sym typeface="Calibri" pitchFamily="34" charset="0"/>
+              </a:rPr>
+              <a:t>applyMiddleware</a:t>
+            </a:r>
+            <a:r>
+              <a:rPr lang="zh-CN" altLang="en-US" sz="2000" dirty="0">
+                <a:solidFill>
+                  <a:srgbClr val="464563"/>
+                </a:solidFill>
+                <a:latin typeface="微软雅黑" charset="0"/>
+                <a:ea typeface="微软雅黑" charset="0"/>
+                <a:cs typeface="微软雅黑" charset="0"/>
+                <a:sym typeface="Calibri" pitchFamily="34" charset="0"/>
+              </a:rPr>
+              <a:t>开启</a:t>
+            </a:r>
+            <a:r>
+              <a:rPr lang="en-US" altLang="zh-CN" sz="2000" dirty="0" err="1">
+                <a:solidFill>
+                  <a:srgbClr val="464563"/>
+                </a:solidFill>
+                <a:latin typeface="微软雅黑" charset="0"/>
+                <a:ea typeface="微软雅黑" charset="0"/>
+                <a:cs typeface="微软雅黑" charset="0"/>
+                <a:sym typeface="Calibri" pitchFamily="34" charset="0"/>
+              </a:rPr>
+              <a:t>thunk</a:t>
+            </a:r>
+            <a:r>
+              <a:rPr lang="zh-CN" altLang="en-US" sz="2000" dirty="0">
+                <a:solidFill>
+                  <a:srgbClr val="464563"/>
+                </a:solidFill>
+                <a:latin typeface="微软雅黑" charset="0"/>
+                <a:ea typeface="微软雅黑" charset="0"/>
+                <a:cs typeface="微软雅黑" charset="0"/>
+                <a:sym typeface="Calibri" pitchFamily="34" charset="0"/>
+              </a:rPr>
+              <a:t>中间</a:t>
+            </a:r>
+            <a:r>
+              <a:rPr lang="zh-CN" altLang="en-US" sz="2000" dirty="0" smtClean="0">
+                <a:solidFill>
+                  <a:srgbClr val="464563"/>
+                </a:solidFill>
+                <a:latin typeface="微软雅黑" charset="0"/>
+                <a:ea typeface="微软雅黑" charset="0"/>
+                <a:cs typeface="微软雅黑" charset="0"/>
+                <a:sym typeface="Calibri" pitchFamily="34" charset="0"/>
+              </a:rPr>
+              <a:t>件</a:t>
+            </a:r>
+            <a:endParaRPr lang="en-US" altLang="zh-CN" sz="2000" dirty="0" smtClean="0">
               <a:solidFill>
                 <a:srgbClr val="464563"/>
               </a:solidFill>
@@ -9628,46 +9468,13 @@
               <a:sym typeface="Calibri" pitchFamily="34" charset="0"/>
             </a:endParaRPr>
           </a:p>
-        </p:txBody>
-      </p:sp>
-      <p:sp>
-        <p:nvSpPr>
-          <p:cNvPr id="8" name="矩形"/>
-          <p:cNvSpPr>
-            <a:spLocks/>
-          </p:cNvSpPr>
-          <p:nvPr/>
-        </p:nvSpPr>
-        <p:spPr>
-          <a:xfrm>
-            <a:off x="683568" y="2427734"/>
-            <a:ext cx="8565279" cy="400110"/>
-          </a:xfrm>
-          <a:prstGeom prst="rect">
-            <a:avLst/>
-          </a:prstGeom>
-          <a:noFill/>
-          <a:ln w="9525" cap="flat" cmpd="sng">
-            <a:noFill/>
-            <a:prstDash val="solid"/>
-            <a:miter/>
-          </a:ln>
-        </p:spPr>
-        <p:txBody>
-          <a:bodyPr vert="horz" wrap="square" lIns="91440" tIns="45720" rIns="91440" bIns="45720" anchor="ctr" anchorCtr="0">
-            <a:prstTxWarp prst="textNoShape">
-              <a:avLst/>
-            </a:prstTxWarp>
-            <a:spAutoFit/>
-          </a:bodyPr>
-          <a:lstStyle/>
           <a:p>
             <a:pPr marL="800100" lvl="1" indent="-342900">
               <a:buFont typeface="Wingdings" panose="05000000000000000000" pitchFamily="2" charset="2"/>
               <a:buChar char="u"/>
             </a:pPr>
             <a:r>
-              <a:rPr lang="en-US" altLang="zh-CN" sz="2000" u="none" strike="noStrike" kern="1200" cap="none" spc="0" baseline="0" dirty="0" err="1" smtClean="0">
+              <a:rPr lang="en-US" altLang="zh-CN" sz="2000" dirty="0">
                 <a:solidFill>
                   <a:srgbClr val="464563"/>
                 </a:solidFill>
@@ -9676,10 +9483,10 @@
                 <a:cs typeface="微软雅黑" charset="0"/>
                 <a:sym typeface="Calibri" pitchFamily="34" charset="0"/>
               </a:rPr>
-              <a:t>Npm</a:t>
-            </a:r>
-            <a:r>
-              <a:rPr lang="zh-CN" altLang="en-US" sz="2000" u="none" strike="noStrike" kern="1200" cap="none" spc="0" baseline="0" dirty="0" smtClean="0">
+              <a:t>Action</a:t>
+            </a:r>
+            <a:r>
+              <a:rPr lang="zh-CN" altLang="en-US" sz="2000" dirty="0">
                 <a:solidFill>
                   <a:srgbClr val="464563"/>
                 </a:solidFill>
@@ -9688,10 +9495,10 @@
                 <a:cs typeface="微软雅黑" charset="0"/>
                 <a:sym typeface="Calibri" pitchFamily="34" charset="0"/>
               </a:rPr>
-              <a:t> </a:t>
-            </a:r>
-            <a:r>
-              <a:rPr lang="en-US" altLang="zh-CN" sz="2000" u="none" strike="noStrike" kern="1200" cap="none" spc="0" baseline="0" dirty="0" smtClean="0">
+              <a:t>可以返回函数，使用</a:t>
+            </a:r>
+            <a:r>
+              <a:rPr lang="en-US" altLang="zh-CN" sz="2000" dirty="0">
                 <a:solidFill>
                   <a:srgbClr val="464563"/>
                 </a:solidFill>
@@ -9700,10 +9507,10 @@
                 <a:cs typeface="微软雅黑" charset="0"/>
                 <a:sym typeface="Calibri" pitchFamily="34" charset="0"/>
               </a:rPr>
-              <a:t>install</a:t>
-            </a:r>
-            <a:r>
-              <a:rPr lang="zh-CN" altLang="en-US" sz="2000" u="none" strike="noStrike" kern="1200" cap="none" spc="0" baseline="0" dirty="0" smtClean="0">
+              <a:t>dispatch</a:t>
+            </a:r>
+            <a:r>
+              <a:rPr lang="zh-CN" altLang="en-US" sz="2000" dirty="0">
                 <a:solidFill>
                   <a:srgbClr val="464563"/>
                 </a:solidFill>
@@ -9712,10 +9519,10 @@
                 <a:cs typeface="微软雅黑" charset="0"/>
                 <a:sym typeface="Calibri" pitchFamily="34" charset="0"/>
               </a:rPr>
-              <a:t> </a:t>
-            </a:r>
-            <a:r>
-              <a:rPr lang="en-US" altLang="zh-CN" sz="2000" u="none" strike="noStrike" kern="1200" cap="none" spc="0" baseline="0" dirty="0" err="1" smtClean="0">
+              <a:t>提交</a:t>
+            </a:r>
+            <a:r>
+              <a:rPr lang="en-US" altLang="zh-CN" sz="2000" dirty="0" smtClean="0">
                 <a:solidFill>
                   <a:srgbClr val="464563"/>
                 </a:solidFill>
@@ -9724,141 +9531,9 @@
                 <a:cs typeface="微软雅黑" charset="0"/>
                 <a:sym typeface="Calibri" pitchFamily="34" charset="0"/>
               </a:rPr>
-              <a:t>redux-thunk</a:t>
-            </a:r>
-            <a:r>
-              <a:rPr lang="zh-CN" altLang="en-US" sz="2000" u="none" strike="noStrike" kern="1200" cap="none" spc="0" baseline="0" dirty="0" smtClean="0">
-                <a:solidFill>
-                  <a:srgbClr val="464563"/>
-                </a:solidFill>
-                <a:latin typeface="微软雅黑" charset="0"/>
-                <a:ea typeface="微软雅黑" charset="0"/>
-                <a:cs typeface="微软雅黑" charset="0"/>
-                <a:sym typeface="Calibri" pitchFamily="34" charset="0"/>
-              </a:rPr>
-              <a:t> </a:t>
-            </a:r>
-            <a:r>
-              <a:rPr lang="en-US" altLang="zh-CN" sz="2000" u="none" strike="noStrike" kern="1200" cap="none" spc="0" baseline="0" dirty="0" smtClean="0">
-                <a:solidFill>
-                  <a:srgbClr val="464563"/>
-                </a:solidFill>
-                <a:latin typeface="微软雅黑" charset="0"/>
-                <a:ea typeface="微软雅黑" charset="0"/>
-                <a:cs typeface="微软雅黑" charset="0"/>
-                <a:sym typeface="Calibri" pitchFamily="34" charset="0"/>
-              </a:rPr>
-              <a:t>--save</a:t>
-            </a:r>
-            <a:endParaRPr lang="zh-CN" altLang="en-US" sz="2000" u="none" strike="noStrike" kern="1200" cap="none" spc="0" baseline="0" dirty="0">
-              <a:solidFill>
-                <a:srgbClr val="464563"/>
-              </a:solidFill>
-              <a:latin typeface="微软雅黑" charset="0"/>
-              <a:ea typeface="微软雅黑" charset="0"/>
-              <a:cs typeface="微软雅黑" charset="0"/>
-              <a:sym typeface="Calibri" pitchFamily="34" charset="0"/>
-            </a:endParaRPr>
-          </a:p>
-        </p:txBody>
-      </p:sp>
-      <p:sp>
-        <p:nvSpPr>
-          <p:cNvPr id="10" name="矩形"/>
-          <p:cNvSpPr>
-            <a:spLocks/>
-          </p:cNvSpPr>
-          <p:nvPr/>
-        </p:nvSpPr>
-        <p:spPr>
-          <a:xfrm>
-            <a:off x="683568" y="3219822"/>
-            <a:ext cx="8565279" cy="400110"/>
-          </a:xfrm>
-          <a:prstGeom prst="rect">
-            <a:avLst/>
-          </a:prstGeom>
-          <a:noFill/>
-          <a:ln w="9525" cap="flat" cmpd="sng">
-            <a:noFill/>
-            <a:prstDash val="solid"/>
-            <a:miter/>
-          </a:ln>
-        </p:spPr>
-        <p:txBody>
-          <a:bodyPr vert="horz" wrap="square" lIns="91440" tIns="45720" rIns="91440" bIns="45720" anchor="ctr" anchorCtr="0">
-            <a:prstTxWarp prst="textNoShape">
-              <a:avLst/>
-            </a:prstTxWarp>
-            <a:spAutoFit/>
-          </a:bodyPr>
-          <a:lstStyle/>
-          <a:p>
-            <a:pPr marL="800100" lvl="1" indent="-342900">
-              <a:buFont typeface="Wingdings" panose="05000000000000000000" pitchFamily="2" charset="2"/>
-              <a:buChar char="u"/>
-            </a:pPr>
-            <a:r>
-              <a:rPr lang="zh-CN" altLang="en-US" sz="2000" u="none" strike="noStrike" kern="1200" cap="none" spc="0" baseline="0" dirty="0" smtClean="0">
-                <a:solidFill>
-                  <a:srgbClr val="464563"/>
-                </a:solidFill>
-                <a:latin typeface="微软雅黑" charset="0"/>
-                <a:ea typeface="微软雅黑" charset="0"/>
-                <a:cs typeface="微软雅黑" charset="0"/>
-                <a:sym typeface="Calibri" pitchFamily="34" charset="0"/>
-              </a:rPr>
-              <a:t>使用</a:t>
-            </a:r>
-            <a:r>
-              <a:rPr lang="en-US" altLang="zh-CN" sz="2000" dirty="0" err="1" smtClean="0">
-                <a:solidFill>
-                  <a:srgbClr val="464563"/>
-                </a:solidFill>
-                <a:latin typeface="微软雅黑" charset="0"/>
-                <a:ea typeface="微软雅黑" charset="0"/>
-                <a:cs typeface="微软雅黑" charset="0"/>
-                <a:sym typeface="Calibri" pitchFamily="34" charset="0"/>
-              </a:rPr>
-              <a:t>applyMiddleware</a:t>
-            </a:r>
-            <a:r>
-              <a:rPr lang="zh-CN" altLang="en-US" sz="2000" dirty="0" smtClean="0">
-                <a:solidFill>
-                  <a:srgbClr val="464563"/>
-                </a:solidFill>
-                <a:latin typeface="微软雅黑" charset="0"/>
-                <a:ea typeface="微软雅黑" charset="0"/>
-                <a:cs typeface="微软雅黑" charset="0"/>
-                <a:sym typeface="Calibri" pitchFamily="34" charset="0"/>
-              </a:rPr>
-              <a:t>开启</a:t>
-            </a:r>
-            <a:r>
-              <a:rPr lang="en-US" altLang="zh-CN" sz="2000" dirty="0" err="1" smtClean="0">
-                <a:solidFill>
-                  <a:srgbClr val="464563"/>
-                </a:solidFill>
-                <a:latin typeface="微软雅黑" charset="0"/>
-                <a:ea typeface="微软雅黑" charset="0"/>
-                <a:cs typeface="微软雅黑" charset="0"/>
-                <a:sym typeface="Calibri" pitchFamily="34" charset="0"/>
-              </a:rPr>
-              <a:t>thunk</a:t>
-            </a:r>
-            <a:r>
-              <a:rPr lang="zh-CN" altLang="en-US" sz="2000" dirty="0" smtClean="0">
-                <a:solidFill>
-                  <a:srgbClr val="464563"/>
-                </a:solidFill>
-                <a:latin typeface="微软雅黑" charset="0"/>
-                <a:ea typeface="微软雅黑" charset="0"/>
-                <a:cs typeface="微软雅黑" charset="0"/>
-                <a:sym typeface="Calibri" pitchFamily="34" charset="0"/>
-              </a:rPr>
-              <a:t>中间件</a:t>
-            </a:r>
-            <a:endParaRPr lang="zh-CN" altLang="en-US" sz="2000" u="none" strike="noStrike" kern="1200" cap="none" spc="0" baseline="0" dirty="0">
+              <a:t>action</a:t>
+            </a:r>
+            <a:endParaRPr lang="zh-CN" altLang="en-US" sz="2000" dirty="0">
               <a:solidFill>
                 <a:srgbClr val="464563"/>
               </a:solidFill>
@@ -9883,7 +9558,7 @@
   <p:timing>
     <p:tnLst>
       <p:par>
-        <p:cTn xmlns:p14="http://schemas.microsoft.com/office/powerpoint/2010/main" id="1" dur="indefinite" restart="never" nodeType="tmRoot">
+        <p:cTn id="1" dur="indefinite" restart="never" nodeType="tmRoot">
           <p:childTnLst>
             <p:seq concurrent="1" nextAc="seek">
               <p:cTn id="2" dur="indefinite" nodeType="mainSeq">
@@ -10082,188 +9757,6 @@
                       </p:childTnLst>
                     </p:cTn>
                   </p:par>
-                  <p:par>
-                    <p:cTn id="15" fill="hold">
-                      <p:stCondLst>
-                        <p:cond delay="indefinite"/>
-                      </p:stCondLst>
-                      <p:childTnLst>
-                        <p:par>
-                          <p:cTn id="16" fill="hold">
-                            <p:stCondLst>
-                              <p:cond delay="0"/>
-                            </p:stCondLst>
-                            <p:childTnLst>
-                              <p:par>
-                                <p:cTn id="17" presetID="2" presetClass="entr" presetSubtype="4" fill="hold" grpId="0" nodeType="clickEffect">
-                                  <p:stCondLst>
-                                    <p:cond delay="0"/>
-                                  </p:stCondLst>
-                                  <p:childTnLst>
-                                    <p:set>
-                                      <p:cBhvr>
-                                        <p:cTn id="18" dur="1" fill="hold">
-                                          <p:stCondLst>
-                                            <p:cond delay="0"/>
-                                          </p:stCondLst>
-                                        </p:cTn>
-                                        <p:tgtEl>
-                                          <p:spTgt spid="10"/>
-                                        </p:tgtEl>
-                                        <p:attrNameLst>
-                                          <p:attrName>style.visibility</p:attrName>
-                                        </p:attrNameLst>
-                                      </p:cBhvr>
-                                      <p:to>
-                                        <p:strVal val="visible"/>
-                                      </p:to>
-                                    </p:set>
-                                    <p:anim calcmode="lin" valueType="num">
-                                      <p:cBhvr additive="base">
-                                        <p:cTn id="19" dur="500" fill="hold"/>
-                                        <p:tgtEl>
-                                          <p:spTgt spid="10"/>
-                                        </p:tgtEl>
-                                        <p:attrNameLst>
-                                          <p:attrName>ppt_x</p:attrName>
-                                        </p:attrNameLst>
-                                      </p:cBhvr>
-                                      <p:tavLst>
-                                        <p:tav tm="0">
-                                          <p:val>
-                                            <p:strVal val="#ppt_x"/>
-                                          </p:val>
-                                        </p:tav>
-                                        <p:tav tm="100000">
-                                          <p:val>
-                                            <p:strVal val="#ppt_x"/>
-                                          </p:val>
-                                        </p:tav>
-                                      </p:tavLst>
-                                    </p:anim>
-                                    <p:anim calcmode="lin" valueType="num">
-                                      <p:cBhvr additive="base">
-                                        <p:cTn id="20" dur="500" fill="hold"/>
-                                        <p:tgtEl>
-                                          <p:spTgt spid="10"/>
-                                        </p:tgtEl>
-                                        <p:attrNameLst>
-                                          <p:attrName>ppt_y</p:attrName>
-                                        </p:attrNameLst>
-                                      </p:cBhvr>
-                                      <p:tavLst>
-                                        <p:tav tm="0">
-                                          <p:val>
-                                            <p:strVal val="1+#ppt_h/2"/>
-                                          </p:val>
-                                        </p:tav>
-                                        <p:tav tm="100000">
-                                          <p:val>
-                                            <p:strVal val="#ppt_y"/>
-                                          </p:val>
-                                        </p:tav>
-                                      </p:tavLst>
-                                    </p:anim>
-                                  </p:childTnLst>
-                                </p:cTn>
-                              </p:par>
-                            </p:childTnLst>
-                          </p:cTn>
-                        </p:par>
-                      </p:childTnLst>
-                    </p:cTn>
-                  </p:par>
-                  <p:par>
-                    <p:cTn id="21" fill="hold">
-                      <p:stCondLst>
-                        <p:cond delay="indefinite"/>
-                      </p:stCondLst>
-                      <p:childTnLst>
-                        <p:par>
-                          <p:cTn id="22" fill="hold">
-                            <p:stCondLst>
-                              <p:cond delay="0"/>
-                            </p:stCondLst>
-                            <p:childTnLst>
-                              <p:par>
-                                <p:cTn id="23" presetID="2" presetClass="entr" presetSubtype="4" fill="hold" grpId="0" nodeType="clickEffect">
-                                  <p:stCondLst>
-                                    <p:cond delay="0"/>
-                                  </p:stCondLst>
-                                  <p:childTnLst>
-                                    <p:set>
-                                      <p:cBhvr>
-                                        <p:cTn id="24" dur="1" fill="hold">
-                                          <p:stCondLst>
-                                            <p:cond delay="0"/>
-                                          </p:stCondLst>
-                                        </p:cTn>
-                                        <p:tgtEl>
-                                          <p:spTgt spid="7"/>
-                                        </p:tgtEl>
-                                        <p:attrNameLst>
-                                          <p:attrName>style.visibility</p:attrName>
-                                        </p:attrNameLst>
-                                      </p:cBhvr>
-                                      <p:to>
-                                        <p:strVal val="visible"/>
-                                      </p:to>
-                                    </p:set>
-                                    <p:anim calcmode="lin" valueType="num">
-                                      <p:cBhvr additive="base">
-                                        <p:cTn id="25" dur="500" fill="hold"/>
-                                        <p:tgtEl>
-                                          <p:spTgt spid="7"/>
-                                        </p:tgtEl>
-                                        <p:attrNameLst>
-                                          <p:attrName>ppt_x</p:attrName>
-                                        </p:attrNameLst>
-                                      </p:cBhvr>
-                                      <p:tavLst>
-                                        <p:tav tm="0">
-                                          <p:val>
-                                            <p:strVal val="#ppt_x"/>
-                                          </p:val>
-                                        </p:tav>
-                                        <p:tav tm="100000">
-                                          <p:val>
-                                            <p:strVal val="#ppt_x"/>
-                                          </p:val>
-                                        </p:tav>
-                                      </p:tavLst>
-                                    </p:anim>
-                                    <p:anim calcmode="lin" valueType="num">
-                                      <p:cBhvr additive="base">
-                                        <p:cTn id="26" dur="500" fill="hold"/>
-                                        <p:tgtEl>
-                                          <p:spTgt spid="7"/>
-                                        </p:tgtEl>
-                                        <p:attrNameLst>
-                                          <p:attrName>ppt_y</p:attrName>
-                                        </p:attrNameLst>
-                                      </p:cBhvr>
-                                      <p:tavLst>
-                                        <p:tav tm="0">
-                                          <p:val>
-                                            <p:strVal val="1+#ppt_h/2"/>
-                                          </p:val>
-                                        </p:tav>
-                                        <p:tav tm="100000">
-                                          <p:val>
-                                            <p:strVal val="#ppt_y"/>
-                                          </p:val>
-                                        </p:tav>
-                                      </p:tavLst>
-                                    </p:anim>
-                                  </p:childTnLst>
-                                </p:cTn>
-                              </p:par>
-                            </p:childTnLst>
-                          </p:cTn>
-                        </p:par>
-                      </p:childTnLst>
-                    </p:cTn>
-                  </p:par>
                 </p:childTnLst>
               </p:cTn>
               <p:prevCondLst>
@@ -10286,9 +9779,7 @@
       </p:par>
     </p:tnLst>
     <p:bldLst>
-      <p:bldP spid="7" grpId="0"/>
       <p:bldP spid="8" grpId="0"/>
-      <p:bldP spid="10" grpId="0"/>
     </p:bldLst>
   </p:timing>
 </p:sld>
@@ -10348,7 +9839,7 @@
   <p:timing>
     <p:tnLst>
       <p:par>
-        <p:cTn xmlns:p14="http://schemas.microsoft.com/office/powerpoint/2010/main" id="1" dur="indefinite" restart="never" nodeType="tmRoot"/>
+        <p:cTn id="1" dur="indefinite" restart="never" nodeType="tmRoot"/>
       </p:par>
     </p:tnLst>
   </p:timing>
@@ -10409,7 +9900,7 @@
   <p:timing>
     <p:tnLst>
       <p:par>
-        <p:cTn xmlns:p14="http://schemas.microsoft.com/office/powerpoint/2010/main" id="1" dur="indefinite" restart="never" nodeType="tmRoot"/>
+        <p:cTn id="1" dur="indefinite" restart="never" nodeType="tmRoot"/>
       </p:par>
     </p:tnLst>
   </p:timing>
@@ -10470,7 +9961,7 @@
   <p:timing>
     <p:tnLst>
       <p:par>
-        <p:cTn xmlns:p14="http://schemas.microsoft.com/office/powerpoint/2010/main" id="1" dur="indefinite" restart="never" nodeType="tmRoot"/>
+        <p:cTn id="1" dur="indefinite" restart="never" nodeType="tmRoot"/>
       </p:par>
     </p:tnLst>
   </p:timing>
@@ -10531,7 +10022,7 @@
   <p:timing>
     <p:tnLst>
       <p:par>
-        <p:cTn xmlns:p14="http://schemas.microsoft.com/office/powerpoint/2010/main" id="1" dur="indefinite" restart="never" nodeType="tmRoot"/>
+        <p:cTn id="1" dur="indefinite" restart="never" nodeType="tmRoot"/>
       </p:par>
     </p:tnLst>
   </p:timing>
@@ -10713,7 +10204,7 @@
       </p:sp>
       <p:sp>
         <p:nvSpPr>
-          <p:cNvPr id="7" name="矩形"/>
+          <p:cNvPr id="8" name="矩形"/>
           <p:cNvSpPr>
             <a:spLocks/>
           </p:cNvSpPr>
@@ -10721,8 +10212,8 @@
         </p:nvSpPr>
         <p:spPr>
           <a:xfrm>
-            <a:off x="683568" y="4011910"/>
-            <a:ext cx="8565279" cy="400110"/>
+            <a:off x="683568" y="1812182"/>
+            <a:ext cx="8565279" cy="1631216"/>
           </a:xfrm>
           <a:prstGeom prst="rect">
             <a:avLst/>
@@ -10748,6 +10239,18 @@
               <a:buChar char="u"/>
             </a:pPr>
             <a:r>
+              <a:rPr lang="en-US" altLang="zh-CN" sz="2000" dirty="0">
+                <a:solidFill>
+                  <a:srgbClr val="464563"/>
+                </a:solidFill>
+                <a:latin typeface="微软雅黑" charset="0"/>
+                <a:ea typeface="微软雅黑" charset="0"/>
+                <a:cs typeface="微软雅黑" charset="0"/>
+                <a:sym typeface="Calibri" pitchFamily="34" charset="0"/>
+              </a:rPr>
+              <a:t> </a:t>
+            </a:r>
+            <a:r>
               <a:rPr lang="zh-CN" altLang="en-US" sz="2000" dirty="0" smtClean="0">
                 <a:solidFill>
                   <a:srgbClr val="464563"/>
@@ -10757,7 +10260,31 @@
                 <a:cs typeface="微软雅黑" charset="0"/>
                 <a:sym typeface="Calibri" pitchFamily="34" charset="0"/>
               </a:rPr>
-              <a:t>调试窗的</a:t>
+              <a:t>新建</a:t>
+            </a:r>
+            <a:r>
+              <a:rPr lang="en-US" altLang="zh-CN" sz="2000" dirty="0" smtClean="0">
+                <a:solidFill>
+                  <a:srgbClr val="464563"/>
+                </a:solidFill>
+                <a:latin typeface="微软雅黑" charset="0"/>
+                <a:ea typeface="微软雅黑" charset="0"/>
+                <a:cs typeface="微软雅黑" charset="0"/>
+                <a:sym typeface="Calibri" pitchFamily="34" charset="0"/>
+              </a:rPr>
+              <a:t>store</a:t>
+            </a:r>
+            <a:r>
+              <a:rPr lang="zh-CN" altLang="en-US" sz="2000" dirty="0" smtClean="0">
+                <a:solidFill>
+                  <a:srgbClr val="464563"/>
+                </a:solidFill>
+                <a:latin typeface="微软雅黑" charset="0"/>
+                <a:ea typeface="微软雅黑" charset="0"/>
+                <a:cs typeface="微软雅黑" charset="0"/>
+                <a:sym typeface="Calibri" pitchFamily="34" charset="0"/>
+              </a:rPr>
+              <a:t>的时候判断</a:t>
             </a:r>
             <a:r>
               <a:rPr lang="en-US" altLang="zh-CN" sz="2000" dirty="0" err="1" smtClean="0">
@@ -10769,33 +10296,9 @@
                 <a:cs typeface="微软雅黑" charset="0"/>
                 <a:sym typeface="Calibri" pitchFamily="34" charset="0"/>
               </a:rPr>
-              <a:t>redux</a:t>
-            </a:r>
-            <a:r>
-              <a:rPr lang="zh-CN" altLang="en-US" sz="2000" dirty="0" smtClean="0">
-                <a:solidFill>
-                  <a:srgbClr val="464563"/>
-                </a:solidFill>
-                <a:latin typeface="微软雅黑" charset="0"/>
-                <a:ea typeface="微软雅黑" charset="0"/>
-                <a:cs typeface="微软雅黑" charset="0"/>
-                <a:sym typeface="Calibri" pitchFamily="34" charset="0"/>
-              </a:rPr>
-              <a:t>选项卡，实时看到</a:t>
-            </a:r>
-            <a:r>
-              <a:rPr lang="en-US" altLang="zh-CN" sz="2000" dirty="0" smtClean="0">
-                <a:solidFill>
-                  <a:srgbClr val="464563"/>
-                </a:solidFill>
-                <a:latin typeface="微软雅黑" charset="0"/>
-                <a:ea typeface="微软雅黑" charset="0"/>
-                <a:cs typeface="微软雅黑" charset="0"/>
-                <a:sym typeface="Calibri" pitchFamily="34" charset="0"/>
-              </a:rPr>
-              <a:t>state</a:t>
-            </a:r>
-            <a:endParaRPr lang="zh-CN" altLang="en-US" sz="2000" u="none" strike="noStrike" kern="1200" cap="none" spc="0" baseline="0" dirty="0">
+              <a:t>window.devToolsExtension</a:t>
+            </a:r>
+            <a:endParaRPr lang="en-US" altLang="zh-CN" sz="2000" dirty="0" smtClean="0">
               <a:solidFill>
                 <a:srgbClr val="464563"/>
               </a:solidFill>
@@ -10805,45 +10308,24 @@
               <a:sym typeface="Calibri" pitchFamily="34" charset="0"/>
             </a:endParaRPr>
           </a:p>
-        </p:txBody>
-      </p:sp>
-      <p:sp>
-        <p:nvSpPr>
-          <p:cNvPr id="8" name="矩形"/>
-          <p:cNvSpPr>
-            <a:spLocks/>
-          </p:cNvSpPr>
-          <p:nvPr/>
-        </p:nvSpPr>
-        <p:spPr>
-          <a:xfrm>
-            <a:off x="683568" y="2427734"/>
-            <a:ext cx="8565279" cy="400110"/>
-          </a:xfrm>
-          <a:prstGeom prst="rect">
-            <a:avLst/>
-          </a:prstGeom>
-          <a:noFill/>
-          <a:ln w="9525" cap="flat" cmpd="sng">
-            <a:noFill/>
-            <a:prstDash val="solid"/>
-            <a:miter/>
-          </a:ln>
-        </p:spPr>
-        <p:txBody>
-          <a:bodyPr vert="horz" wrap="square" lIns="91440" tIns="45720" rIns="91440" bIns="45720" anchor="ctr" anchorCtr="0">
-            <a:prstTxWarp prst="textNoShape">
-              <a:avLst/>
-            </a:prstTxWarp>
-            <a:spAutoFit/>
-          </a:bodyPr>
-          <a:lstStyle/>
           <a:p>
             <a:pPr marL="800100" lvl="1" indent="-342900">
               <a:buFont typeface="Wingdings" panose="05000000000000000000" pitchFamily="2" charset="2"/>
               <a:buChar char="u"/>
             </a:pPr>
             <a:r>
+              <a:rPr lang="zh-CN" altLang="en-US" sz="2000" dirty="0">
+                <a:solidFill>
+                  <a:srgbClr val="464563"/>
+                </a:solidFill>
+                <a:latin typeface="微软雅黑" charset="0"/>
+                <a:ea typeface="微软雅黑" charset="0"/>
+                <a:cs typeface="微软雅黑" charset="0"/>
+                <a:sym typeface="Calibri" pitchFamily="34" charset="0"/>
+              </a:rPr>
+              <a:t>使用</a:t>
+            </a:r>
+            <a:r>
               <a:rPr lang="en-US" altLang="zh-CN" sz="2000" dirty="0">
                 <a:solidFill>
                   <a:srgbClr val="464563"/>
@@ -10853,10 +10335,10 @@
                 <a:cs typeface="微软雅黑" charset="0"/>
                 <a:sym typeface="Calibri" pitchFamily="34" charset="0"/>
               </a:rPr>
-              <a:t> </a:t>
-            </a:r>
-            <a:r>
-              <a:rPr lang="zh-CN" altLang="en-US" sz="2000" dirty="0" smtClean="0">
+              <a:t>compose</a:t>
+            </a:r>
+            <a:r>
+              <a:rPr lang="zh-CN" altLang="en-US" sz="2000" dirty="0">
                 <a:solidFill>
                   <a:srgbClr val="464563"/>
                 </a:solidFill>
@@ -10865,10 +10347,10 @@
                 <a:cs typeface="微软雅黑" charset="0"/>
                 <a:sym typeface="Calibri" pitchFamily="34" charset="0"/>
               </a:rPr>
-              <a:t>新建</a:t>
-            </a:r>
-            <a:r>
-              <a:rPr lang="en-US" altLang="zh-CN" sz="2000" dirty="0" smtClean="0">
+              <a:t>结合</a:t>
+            </a:r>
+            <a:r>
+              <a:rPr lang="en-US" altLang="zh-CN" sz="2000" dirty="0" err="1">
                 <a:solidFill>
                   <a:srgbClr val="464563"/>
                 </a:solidFill>
@@ -10877,10 +10359,10 @@
                 <a:cs typeface="微软雅黑" charset="0"/>
                 <a:sym typeface="Calibri" pitchFamily="34" charset="0"/>
               </a:rPr>
-              <a:t>store</a:t>
-            </a:r>
-            <a:r>
-              <a:rPr lang="zh-CN" altLang="en-US" sz="2000" dirty="0" smtClean="0">
+              <a:t>thunk</a:t>
+            </a:r>
+            <a:r>
+              <a:rPr lang="zh-CN" altLang="en-US" sz="2000" dirty="0">
                 <a:solidFill>
                   <a:srgbClr val="464563"/>
                 </a:solidFill>
@@ -10889,7 +10371,7 @@
                 <a:cs typeface="微软雅黑" charset="0"/>
                 <a:sym typeface="Calibri" pitchFamily="34" charset="0"/>
               </a:rPr>
-              <a:t>的时候判断</a:t>
+              <a:t>和</a:t>
             </a:r>
             <a:r>
               <a:rPr lang="en-US" altLang="zh-CN" sz="2000" dirty="0" err="1" smtClean="0">
@@ -10903,7 +10385,7 @@
               </a:rPr>
               <a:t>window.devToolsExtension</a:t>
             </a:r>
-            <a:endParaRPr lang="zh-CN" altLang="en-US" sz="2000" u="none" strike="noStrike" kern="1200" cap="none" spc="0" baseline="0" dirty="0">
+            <a:endParaRPr lang="en-US" altLang="zh-CN" sz="2000" dirty="0" smtClean="0">
               <a:solidFill>
                 <a:srgbClr val="464563"/>
               </a:solidFill>
@@ -10913,46 +10395,13 @@
               <a:sym typeface="Calibri" pitchFamily="34" charset="0"/>
             </a:endParaRPr>
           </a:p>
-        </p:txBody>
-      </p:sp>
-      <p:sp>
-        <p:nvSpPr>
-          <p:cNvPr id="10" name="矩形"/>
-          <p:cNvSpPr>
-            <a:spLocks/>
-          </p:cNvSpPr>
-          <p:nvPr/>
-        </p:nvSpPr>
-        <p:spPr>
-          <a:xfrm>
-            <a:off x="683568" y="3219822"/>
-            <a:ext cx="8565279" cy="400110"/>
-          </a:xfrm>
-          <a:prstGeom prst="rect">
-            <a:avLst/>
-          </a:prstGeom>
-          <a:noFill/>
-          <a:ln w="9525" cap="flat" cmpd="sng">
-            <a:noFill/>
-            <a:prstDash val="solid"/>
-            <a:miter/>
-          </a:ln>
-        </p:spPr>
-        <p:txBody>
-          <a:bodyPr vert="horz" wrap="square" lIns="91440" tIns="45720" rIns="91440" bIns="45720" anchor="ctr" anchorCtr="0">
-            <a:prstTxWarp prst="textNoShape">
-              <a:avLst/>
-            </a:prstTxWarp>
-            <a:spAutoFit/>
-          </a:bodyPr>
-          <a:lstStyle/>
           <a:p>
             <a:pPr marL="800100" lvl="1" indent="-342900">
               <a:buFont typeface="Wingdings" panose="05000000000000000000" pitchFamily="2" charset="2"/>
               <a:buChar char="u"/>
             </a:pPr>
             <a:r>
-              <a:rPr lang="zh-CN" altLang="en-US" sz="2000" u="none" strike="noStrike" kern="1200" cap="none" spc="0" baseline="0" dirty="0" smtClean="0">
+              <a:rPr lang="zh-CN" altLang="en-US" sz="2000" dirty="0">
                 <a:solidFill>
                   <a:srgbClr val="464563"/>
                 </a:solidFill>
@@ -10961,10 +10410,10 @@
                 <a:cs typeface="微软雅黑" charset="0"/>
                 <a:sym typeface="Calibri" pitchFamily="34" charset="0"/>
               </a:rPr>
-              <a:t>使用</a:t>
-            </a:r>
-            <a:r>
-              <a:rPr lang="en-US" altLang="zh-CN" sz="2000" u="none" strike="noStrike" kern="1200" cap="none" spc="0" baseline="0" dirty="0" smtClean="0">
+              <a:t>调试窗的</a:t>
+            </a:r>
+            <a:r>
+              <a:rPr lang="en-US" altLang="zh-CN" sz="2000" dirty="0">
                 <a:solidFill>
                   <a:srgbClr val="464563"/>
                 </a:solidFill>
@@ -10973,10 +10422,10 @@
                 <a:cs typeface="微软雅黑" charset="0"/>
                 <a:sym typeface="Calibri" pitchFamily="34" charset="0"/>
               </a:rPr>
-              <a:t>compose</a:t>
-            </a:r>
-            <a:r>
-              <a:rPr lang="zh-CN" altLang="en-US" sz="2000" u="none" strike="noStrike" kern="1200" cap="none" spc="0" baseline="0" dirty="0" smtClean="0">
+              <a:t>redux</a:t>
+            </a:r>
+            <a:r>
+              <a:rPr lang="zh-CN" altLang="en-US" sz="2000" dirty="0">
                 <a:solidFill>
                   <a:srgbClr val="464563"/>
                 </a:solidFill>
@@ -10985,10 +10434,10 @@
                 <a:cs typeface="微软雅黑" charset="0"/>
                 <a:sym typeface="Calibri" pitchFamily="34" charset="0"/>
               </a:rPr>
-              <a:t>结合</a:t>
-            </a:r>
-            <a:r>
-              <a:rPr lang="en-US" altLang="zh-CN" sz="2000" u="none" strike="noStrike" kern="1200" cap="none" spc="0" baseline="0" dirty="0" err="1" smtClean="0">
+              <a:t>选项卡，实时看到</a:t>
+            </a:r>
+            <a:r>
+              <a:rPr lang="en-US" altLang="zh-CN" sz="2000" dirty="0">
                 <a:solidFill>
                   <a:srgbClr val="464563"/>
                 </a:solidFill>
@@ -10997,32 +10446,38 @@
                 <a:cs typeface="微软雅黑" charset="0"/>
                 <a:sym typeface="Calibri" pitchFamily="34" charset="0"/>
               </a:rPr>
-              <a:t>thunk</a:t>
-            </a:r>
-            <a:r>
-              <a:rPr lang="zh-CN" altLang="en-US" sz="2000" u="none" strike="noStrike" kern="1200" cap="none" spc="0" baseline="0" dirty="0" smtClean="0">
-                <a:solidFill>
-                  <a:srgbClr val="464563"/>
-                </a:solidFill>
-                <a:latin typeface="微软雅黑" charset="0"/>
-                <a:ea typeface="微软雅黑" charset="0"/>
-                <a:cs typeface="微软雅黑" charset="0"/>
-                <a:sym typeface="Calibri" pitchFamily="34" charset="0"/>
-              </a:rPr>
-              <a:t>和</a:t>
-            </a:r>
-            <a:r>
-              <a:rPr lang="en-US" altLang="zh-CN" sz="2000" dirty="0" err="1">
-                <a:solidFill>
-                  <a:srgbClr val="464563"/>
-                </a:solidFill>
-                <a:latin typeface="微软雅黑" charset="0"/>
-                <a:ea typeface="微软雅黑" charset="0"/>
-                <a:cs typeface="微软雅黑" charset="0"/>
-                <a:sym typeface="Calibri" pitchFamily="34" charset="0"/>
-              </a:rPr>
-              <a:t>window.devToolsExtension</a:t>
-            </a:r>
+              <a:t>state</a:t>
+            </a:r>
+            <a:endParaRPr lang="zh-CN" altLang="en-US" sz="2000">
+              <a:solidFill>
+                <a:srgbClr val="464563"/>
+              </a:solidFill>
+              <a:latin typeface="微软雅黑" charset="0"/>
+              <a:ea typeface="微软雅黑" charset="0"/>
+              <a:cs typeface="微软雅黑" charset="0"/>
+              <a:sym typeface="Calibri" pitchFamily="34" charset="0"/>
+            </a:endParaRPr>
+          </a:p>
+          <a:p>
+            <a:pPr marL="800100" lvl="1" indent="-342900">
+              <a:buFont typeface="Wingdings" panose="05000000000000000000" pitchFamily="2" charset="2"/>
+              <a:buChar char="u"/>
+            </a:pPr>
+            <a:endParaRPr lang="zh-CN" altLang="en-US" sz="2000" dirty="0">
+              <a:solidFill>
+                <a:srgbClr val="464563"/>
+              </a:solidFill>
+              <a:latin typeface="微软雅黑" charset="0"/>
+              <a:ea typeface="微软雅黑" charset="0"/>
+              <a:cs typeface="微软雅黑" charset="0"/>
+              <a:sym typeface="Calibri" pitchFamily="34" charset="0"/>
+            </a:endParaRPr>
+          </a:p>
+          <a:p>
+            <a:pPr marL="800100" lvl="1" indent="-342900">
+              <a:buFont typeface="Wingdings" panose="05000000000000000000" pitchFamily="2" charset="2"/>
+              <a:buChar char="u"/>
+            </a:pPr>
             <a:endParaRPr lang="zh-CN" altLang="en-US" sz="2000" u="none" strike="noStrike" kern="1200" cap="none" spc="0" baseline="0" dirty="0">
               <a:solidFill>
                 <a:srgbClr val="464563"/>
@@ -11048,7 +10503,7 @@
   <p:timing>
     <p:tnLst>
       <p:par>
-        <p:cTn xmlns:p14="http://schemas.microsoft.com/office/powerpoint/2010/main" id="1" dur="indefinite" restart="never" nodeType="tmRoot">
+        <p:cTn id="1" dur="indefinite" restart="never" nodeType="tmRoot">
           <p:childTnLst>
             <p:seq concurrent="1" nextAc="seek">
               <p:cTn id="2" dur="indefinite" nodeType="mainSeq">
@@ -11247,188 +10702,6 @@
                       </p:childTnLst>
                     </p:cTn>
                   </p:par>
-                  <p:par>
-                    <p:cTn id="15" fill="hold">
-                      <p:stCondLst>
-                        <p:cond delay="indefinite"/>
-                      </p:stCondLst>
-                      <p:childTnLst>
-                        <p:par>
-                          <p:cTn id="16" fill="hold">
-                            <p:stCondLst>
-                              <p:cond delay="0"/>
-                            </p:stCondLst>
-                            <p:childTnLst>
-                              <p:par>
-                                <p:cTn id="17" presetID="2" presetClass="entr" presetSubtype="4" fill="hold" grpId="0" nodeType="clickEffect">
-                                  <p:stCondLst>
-                                    <p:cond delay="0"/>
-                                  </p:stCondLst>
-                                  <p:childTnLst>
-                                    <p:set>
-                                      <p:cBhvr>
-                                        <p:cTn id="18" dur="1" fill="hold">
-                                          <p:stCondLst>
-                                            <p:cond delay="0"/>
-                                          </p:stCondLst>
-                                        </p:cTn>
-                                        <p:tgtEl>
-                                          <p:spTgt spid="10"/>
-                                        </p:tgtEl>
-                                        <p:attrNameLst>
-                                          <p:attrName>style.visibility</p:attrName>
-                                        </p:attrNameLst>
-                                      </p:cBhvr>
-                                      <p:to>
-                                        <p:strVal val="visible"/>
-                                      </p:to>
-                                    </p:set>
-                                    <p:anim calcmode="lin" valueType="num">
-                                      <p:cBhvr additive="base">
-                                        <p:cTn id="19" dur="500" fill="hold"/>
-                                        <p:tgtEl>
-                                          <p:spTgt spid="10"/>
-                                        </p:tgtEl>
-                                        <p:attrNameLst>
-                                          <p:attrName>ppt_x</p:attrName>
-                                        </p:attrNameLst>
-                                      </p:cBhvr>
-                                      <p:tavLst>
-                                        <p:tav tm="0">
-                                          <p:val>
-                                            <p:strVal val="#ppt_x"/>
-                                          </p:val>
-                                        </p:tav>
-                                        <p:tav tm="100000">
-                                          <p:val>
-                                            <p:strVal val="#ppt_x"/>
-                                          </p:val>
-                                        </p:tav>
-                                      </p:tavLst>
-                                    </p:anim>
-                                    <p:anim calcmode="lin" valueType="num">
-                                      <p:cBhvr additive="base">
-                                        <p:cTn id="20" dur="500" fill="hold"/>
-                                        <p:tgtEl>
-                                          <p:spTgt spid="10"/>
-                                        </p:tgtEl>
-                                        <p:attrNameLst>
-                                          <p:attrName>ppt_y</p:attrName>
-                                        </p:attrNameLst>
-                                      </p:cBhvr>
-                                      <p:tavLst>
-                                        <p:tav tm="0">
-                                          <p:val>
-                                            <p:strVal val="1+#ppt_h/2"/>
-                                          </p:val>
-                                        </p:tav>
-                                        <p:tav tm="100000">
-                                          <p:val>
-                                            <p:strVal val="#ppt_y"/>
-                                          </p:val>
-                                        </p:tav>
-                                      </p:tavLst>
-                                    </p:anim>
-                                  </p:childTnLst>
-                                </p:cTn>
-                              </p:par>
-                            </p:childTnLst>
-                          </p:cTn>
-                        </p:par>
-                      </p:childTnLst>
-                    </p:cTn>
-                  </p:par>
-                  <p:par>
-                    <p:cTn id="21" fill="hold">
-                      <p:stCondLst>
-                        <p:cond delay="indefinite"/>
-                      </p:stCondLst>
-                      <p:childTnLst>
-                        <p:par>
-                          <p:cTn id="22" fill="hold">
-                            <p:stCondLst>
-                              <p:cond delay="0"/>
-                            </p:stCondLst>
-                            <p:childTnLst>
-                              <p:par>
-                                <p:cTn id="23" presetID="2" presetClass="entr" presetSubtype="4" fill="hold" grpId="0" nodeType="clickEffect">
-                                  <p:stCondLst>
-                                    <p:cond delay="0"/>
-                                  </p:stCondLst>
-                                  <p:childTnLst>
-                                    <p:set>
-                                      <p:cBhvr>
-                                        <p:cTn id="24" dur="1" fill="hold">
-                                          <p:stCondLst>
-                                            <p:cond delay="0"/>
-                                          </p:stCondLst>
-                                        </p:cTn>
-                                        <p:tgtEl>
-                                          <p:spTgt spid="7"/>
-                                        </p:tgtEl>
-                                        <p:attrNameLst>
-                                          <p:attrName>style.visibility</p:attrName>
-                                        </p:attrNameLst>
-                                      </p:cBhvr>
-                                      <p:to>
-                                        <p:strVal val="visible"/>
-                                      </p:to>
-                                    </p:set>
-                                    <p:anim calcmode="lin" valueType="num">
-                                      <p:cBhvr additive="base">
-                                        <p:cTn id="25" dur="500" fill="hold"/>
-                                        <p:tgtEl>
-                                          <p:spTgt spid="7"/>
-                                        </p:tgtEl>
-                                        <p:attrNameLst>
-                                          <p:attrName>ppt_x</p:attrName>
-                                        </p:attrNameLst>
-                                      </p:cBhvr>
-                                      <p:tavLst>
-                                        <p:tav tm="0">
-                                          <p:val>
-                                            <p:strVal val="#ppt_x"/>
-                                          </p:val>
-                                        </p:tav>
-                                        <p:tav tm="100000">
-                                          <p:val>
-                                            <p:strVal val="#ppt_x"/>
-                                          </p:val>
-                                        </p:tav>
-                                      </p:tavLst>
-                                    </p:anim>
-                                    <p:anim calcmode="lin" valueType="num">
-                                      <p:cBhvr additive="base">
-                                        <p:cTn id="26" dur="500" fill="hold"/>
-                                        <p:tgtEl>
-                                          <p:spTgt spid="7"/>
-                                        </p:tgtEl>
-                                        <p:attrNameLst>
-                                          <p:attrName>ppt_y</p:attrName>
-                                        </p:attrNameLst>
-                                      </p:cBhvr>
-                                      <p:tavLst>
-                                        <p:tav tm="0">
-                                          <p:val>
-                                            <p:strVal val="1+#ppt_h/2"/>
-                                          </p:val>
-                                        </p:tav>
-                                        <p:tav tm="100000">
-                                          <p:val>
-                                            <p:strVal val="#ppt_y"/>
-                                          </p:val>
-                                        </p:tav>
-                                      </p:tavLst>
-                                    </p:anim>
-                                  </p:childTnLst>
-                                </p:cTn>
-                              </p:par>
-                            </p:childTnLst>
-                          </p:cTn>
-                        </p:par>
-                      </p:childTnLst>
-                    </p:cTn>
-                  </p:par>
                 </p:childTnLst>
               </p:cTn>
               <p:prevCondLst>
@@ -11451,9 +10724,7 @@
       </p:par>
     </p:tnLst>
     <p:bldLst>
-      <p:bldP spid="7" grpId="0"/>
       <p:bldP spid="8" grpId="0"/>
-      <p:bldP spid="10" grpId="0"/>
     </p:bldLst>
   </p:timing>
 </p:sld>
@@ -11862,7 +11133,7 @@
   <p:timing>
     <p:tnLst>
       <p:par>
-        <p:cTn xmlns:p14="http://schemas.microsoft.com/office/powerpoint/2010/main" id="1" dur="indefinite" restart="never" nodeType="tmRoot">
+        <p:cTn id="1" dur="indefinite" restart="never" nodeType="tmRoot">
           <p:childTnLst>
             <p:seq concurrent="1" nextAc="seek">
               <p:cTn id="2" dur="indefinite" nodeType="mainSeq">
@@ -12327,7 +11598,7 @@
   <p:timing>
     <p:tnLst>
       <p:par>
-        <p:cTn xmlns:p14="http://schemas.microsoft.com/office/powerpoint/2010/main" id="1" dur="indefinite" restart="never" nodeType="tmRoot"/>
+        <p:cTn id="1" dur="indefinite" restart="never" nodeType="tmRoot"/>
       </p:par>
     </p:tnLst>
   </p:timing>
@@ -12388,7 +11659,7 @@
   <p:timing>
     <p:tnLst>
       <p:par>
-        <p:cTn xmlns:p14="http://schemas.microsoft.com/office/powerpoint/2010/main" id="1" dur="indefinite" restart="never" nodeType="tmRoot"/>
+        <p:cTn id="1" dur="indefinite" restart="never" nodeType="tmRoot"/>
       </p:par>
     </p:tnLst>
   </p:timing>
@@ -12930,7 +12201,7 @@
   <p:timing>
     <p:tnLst>
       <p:par>
-        <p:cTn xmlns:p14="http://schemas.microsoft.com/office/powerpoint/2010/main" id="1" dur="indefinite" restart="never" nodeType="tmRoot">
+        <p:cTn id="1" dur="indefinite" restart="never" nodeType="tmRoot">
           <p:childTnLst>
             <p:seq concurrent="1" nextAc="seek">
               <p:cTn id="2" dur="indefinite" nodeType="mainSeq">
@@ -13756,7 +13027,7 @@
   <p:timing>
     <p:tnLst>
       <p:par>
-        <p:cTn xmlns:p14="http://schemas.microsoft.com/office/powerpoint/2010/main" id="1" dur="indefinite" restart="never" nodeType="tmRoot">
+        <p:cTn id="1" dur="indefinite" restart="never" nodeType="tmRoot">
           <p:childTnLst>
             <p:seq concurrent="1" nextAc="seek">
               <p:cTn id="2" dur="indefinite" nodeType="mainSeq">
@@ -14636,7 +13907,7 @@
   <p:timing>
     <p:tnLst>
       <p:par>
-        <p:cTn xmlns:p14="http://schemas.microsoft.com/office/powerpoint/2010/main" id="1" dur="indefinite" restart="never" nodeType="tmRoot">
+        <p:cTn id="1" dur="indefinite" restart="never" nodeType="tmRoot">
           <p:childTnLst>
             <p:seq concurrent="1" nextAc="seek">
               <p:cTn id="2" dur="indefinite" nodeType="mainSeq">
@@ -15588,7 +14859,7 @@
   <p:timing>
     <p:tnLst>
       <p:par>
-        <p:cTn xmlns:p14="http://schemas.microsoft.com/office/powerpoint/2010/main" id="1" dur="indefinite" restart="never" nodeType="tmRoot">
+        <p:cTn id="1" dur="indefinite" restart="never" nodeType="tmRoot">
           <p:childTnLst>
             <p:seq concurrent="1" nextAc="seek">
               <p:cTn id="2" dur="indefinite" nodeType="mainSeq">
@@ -16053,7 +15324,7 @@
   <p:timing>
     <p:tnLst>
       <p:par>
-        <p:cTn xmlns:p14="http://schemas.microsoft.com/office/powerpoint/2010/main" id="1" dur="indefinite" restart="never" nodeType="tmRoot"/>
+        <p:cTn id="1" dur="indefinite" restart="never" nodeType="tmRoot"/>
       </p:par>
     </p:tnLst>
   </p:timing>
@@ -16114,7 +15385,7 @@
   <p:timing>
     <p:tnLst>
       <p:par>
-        <p:cTn xmlns:p14="http://schemas.microsoft.com/office/powerpoint/2010/main" id="1" dur="indefinite" restart="never" nodeType="tmRoot"/>
+        <p:cTn id="1" dur="indefinite" restart="never" nodeType="tmRoot"/>
       </p:par>
     </p:tnLst>
   </p:timing>
@@ -16525,7 +15796,7 @@
   <p:timing>
     <p:tnLst>
       <p:par>
-        <p:cTn xmlns:p14="http://schemas.microsoft.com/office/powerpoint/2010/main" id="1" dur="indefinite" restart="never" nodeType="tmRoot">
+        <p:cTn id="1" dur="indefinite" restart="never" nodeType="tmRoot">
           <p:childTnLst>
             <p:seq concurrent="1" nextAc="seek">
               <p:cTn id="2" dur="indefinite" nodeType="mainSeq">
@@ -17398,7 +16669,7 @@
           <a:lstStyle/>
           <a:p>
             <a:r>
-              <a:rPr lang="en-US" altLang="zh-CN" sz="3000" b="1" kern="0" smtClean="0">
+              <a:rPr lang="en-US" altLang="zh-CN" sz="3000" b="1" kern="0" dirty="0" smtClean="0">
                 <a:solidFill>
                   <a:srgbClr val="C9394A"/>
                 </a:solidFill>
@@ -17410,7 +16681,7 @@
               <a:t>Redux</a:t>
             </a:r>
             <a:r>
-              <a:rPr lang="zh-CN" altLang="en-US" sz="3000" b="1" kern="0" smtClean="0">
+              <a:rPr lang="zh-CN" altLang="en-US" sz="3000" b="1" kern="0" dirty="0" smtClean="0">
                 <a:solidFill>
                   <a:srgbClr val="C9394A"/>
                 </a:solidFill>
@@ -17445,7 +16716,7 @@
   <p:timing>
     <p:tnLst>
       <p:par>
-        <p:cTn xmlns:p14="http://schemas.microsoft.com/office/powerpoint/2010/main" id="1" dur="indefinite" restart="never" nodeType="tmRoot">
+        <p:cTn id="1" dur="indefinite" restart="never" nodeType="tmRoot">
           <p:childTnLst>
             <p:seq concurrent="1" nextAc="seek">
               <p:cTn id="2" dur="indefinite" nodeType="mainSeq">
@@ -17941,7 +17212,7 @@
   <p:timing>
     <p:tnLst>
       <p:par>
-        <p:cTn xmlns:p14="http://schemas.microsoft.com/office/powerpoint/2010/main" id="1" dur="indefinite" restart="never" nodeType="tmRoot"/>
+        <p:cTn id="1" dur="indefinite" restart="never" nodeType="tmRoot"/>
       </p:par>
     </p:tnLst>
   </p:timing>
@@ -18045,7 +17316,7 @@
       </p:sp>
       <p:sp>
         <p:nvSpPr>
-          <p:cNvPr id="14" name="矩形"/>
+          <p:cNvPr id="15" name="矩形"/>
           <p:cNvSpPr>
             <a:spLocks/>
           </p:cNvSpPr>
@@ -18053,8 +17324,8 @@
         </p:nvSpPr>
         <p:spPr>
           <a:xfrm>
-            <a:off x="543224" y="2963728"/>
-            <a:ext cx="8565279" cy="400110"/>
+            <a:off x="467544" y="2169020"/>
+            <a:ext cx="8565279" cy="1631216"/>
           </a:xfrm>
           <a:prstGeom prst="rect">
             <a:avLst/>
@@ -18087,11 +17358,172 @@
                 <a:latin typeface="微软雅黑" charset="0"/>
                 <a:ea typeface="微软雅黑" charset="0"/>
                 <a:cs typeface="微软雅黑" charset="0"/>
-                <a:sym typeface="Calibri" pitchFamily="34" charset="0"/>
-              </a:rPr>
-              <a:t>发展为千人大团后，老李决定，军事生活分开</a:t>
-            </a:r>
-            <a:endParaRPr lang="zh-CN" altLang="en-US" sz="2000" u="none" strike="noStrike" kern="1200" cap="none" spc="0" baseline="0" dirty="0">
+              </a:rPr>
+              <a:t>人少的时候，无论是兵器和人员的变更，都是</a:t>
+            </a:r>
+            <a:r>
+              <a:rPr lang="zh-CN" altLang="zh-CN" sz="2000" dirty="0" smtClean="0">
+                <a:solidFill>
+                  <a:srgbClr val="474747"/>
+                </a:solidFill>
+                <a:latin typeface="微软雅黑" charset="0"/>
+                <a:ea typeface="微软雅黑" charset="0"/>
+                <a:cs typeface="微软雅黑" charset="0"/>
+              </a:rPr>
+              <a:t>s</a:t>
+            </a:r>
+            <a:r>
+              <a:rPr lang="en-US" altLang="zh-CN" sz="2000" dirty="0" err="1" smtClean="0">
+                <a:solidFill>
+                  <a:srgbClr val="474747"/>
+                </a:solidFill>
+                <a:latin typeface="微软雅黑" charset="0"/>
+                <a:ea typeface="微软雅黑" charset="0"/>
+                <a:cs typeface="微软雅黑" charset="0"/>
+              </a:rPr>
+              <a:t>etState</a:t>
+            </a:r>
+            <a:endParaRPr lang="en-US" altLang="zh-CN" sz="2000" dirty="0">
+              <a:solidFill>
+                <a:srgbClr val="474747"/>
+              </a:solidFill>
+              <a:latin typeface="微软雅黑" charset="0"/>
+              <a:ea typeface="微软雅黑" charset="0"/>
+              <a:cs typeface="微软雅黑" charset="0"/>
+            </a:endParaRPr>
+          </a:p>
+          <a:p>
+            <a:pPr marL="800100" lvl="1" indent="-342900">
+              <a:buFont typeface="Wingdings" panose="05000000000000000000" pitchFamily="2" charset="2"/>
+              <a:buChar char="u"/>
+            </a:pPr>
+            <a:r>
+              <a:rPr lang="zh-CN" altLang="en-US" sz="2000" dirty="0">
+                <a:solidFill>
+                  <a:srgbClr val="474747"/>
+                </a:solidFill>
+                <a:latin typeface="微软雅黑" charset="0"/>
+                <a:ea typeface="微软雅黑" charset="0"/>
+                <a:cs typeface="微软雅黑" charset="0"/>
+                <a:sym typeface="Calibri" pitchFamily="34" charset="0"/>
+              </a:rPr>
+              <a:t>发展为千人大团后，老李决定，军事生活</a:t>
+            </a:r>
+            <a:r>
+              <a:rPr lang="zh-CN" altLang="en-US" sz="2000" dirty="0" smtClean="0">
+                <a:solidFill>
+                  <a:srgbClr val="474747"/>
+                </a:solidFill>
+                <a:latin typeface="微软雅黑" charset="0"/>
+                <a:ea typeface="微软雅黑" charset="0"/>
+                <a:cs typeface="微软雅黑" charset="0"/>
+                <a:sym typeface="Calibri" pitchFamily="34" charset="0"/>
+              </a:rPr>
+              <a:t>分开</a:t>
+            </a:r>
+            <a:endParaRPr lang="en-US" altLang="zh-CN" sz="2000" dirty="0" smtClean="0">
+              <a:solidFill>
+                <a:srgbClr val="474747"/>
+              </a:solidFill>
+              <a:latin typeface="微软雅黑" charset="0"/>
+              <a:ea typeface="微软雅黑" charset="0"/>
+              <a:cs typeface="微软雅黑" charset="0"/>
+              <a:sym typeface="Calibri" pitchFamily="34" charset="0"/>
+            </a:endParaRPr>
+          </a:p>
+          <a:p>
+            <a:pPr marL="800100" lvl="1" indent="-342900">
+              <a:buFont typeface="Wingdings" panose="05000000000000000000" pitchFamily="2" charset="2"/>
+              <a:buChar char="u"/>
+            </a:pPr>
+            <a:r>
+              <a:rPr lang="zh-CN" altLang="en-US" sz="2000" dirty="0">
+                <a:solidFill>
+                  <a:srgbClr val="464563"/>
+                </a:solidFill>
+                <a:latin typeface="微软雅黑" charset="0"/>
+                <a:ea typeface="微软雅黑" charset="0"/>
+                <a:cs typeface="微软雅黑" charset="0"/>
+                <a:sym typeface="Calibri" pitchFamily="34" charset="0"/>
+              </a:rPr>
+              <a:t>所有状态归赵政委</a:t>
+            </a:r>
+            <a:r>
+              <a:rPr lang="en-US" altLang="zh-CN" sz="2000" dirty="0">
+                <a:solidFill>
+                  <a:srgbClr val="464563"/>
+                </a:solidFill>
+                <a:latin typeface="微软雅黑" charset="0"/>
+                <a:ea typeface="微软雅黑" charset="0"/>
+                <a:cs typeface="微软雅黑" charset="0"/>
+                <a:sym typeface="Calibri" pitchFamily="34" charset="0"/>
+              </a:rPr>
+              <a:t>(redux)</a:t>
+            </a:r>
+            <a:r>
+              <a:rPr lang="zh-CN" altLang="en-US" sz="2000" dirty="0">
+                <a:solidFill>
+                  <a:srgbClr val="464563"/>
+                </a:solidFill>
+                <a:latin typeface="微软雅黑" charset="0"/>
+                <a:ea typeface="微软雅黑" charset="0"/>
+                <a:cs typeface="微软雅黑" charset="0"/>
+                <a:sym typeface="Calibri" pitchFamily="34" charset="0"/>
+              </a:rPr>
+              <a:t>管理，自己只打仗</a:t>
+            </a:r>
+            <a:r>
+              <a:rPr lang="en-US" altLang="zh-CN" sz="2000" dirty="0">
+                <a:solidFill>
+                  <a:srgbClr val="464563"/>
+                </a:solidFill>
+                <a:latin typeface="微软雅黑" charset="0"/>
+                <a:ea typeface="微软雅黑" charset="0"/>
+                <a:cs typeface="微软雅黑" charset="0"/>
+                <a:sym typeface="Calibri" pitchFamily="34" charset="0"/>
+              </a:rPr>
+              <a:t>(view</a:t>
+            </a:r>
+            <a:r>
+              <a:rPr lang="zh-CN" altLang="en-US" sz="2000" dirty="0">
+                <a:solidFill>
+                  <a:srgbClr val="464563"/>
+                </a:solidFill>
+                <a:latin typeface="微软雅黑" charset="0"/>
+                <a:ea typeface="微软雅黑" charset="0"/>
+                <a:cs typeface="微软雅黑" charset="0"/>
+                <a:sym typeface="Calibri" pitchFamily="34" charset="0"/>
+              </a:rPr>
+              <a:t>显示</a:t>
+            </a:r>
+            <a:r>
+              <a:rPr lang="en-US" altLang="zh-CN" sz="2000" dirty="0">
+                <a:solidFill>
+                  <a:srgbClr val="464563"/>
+                </a:solidFill>
+                <a:latin typeface="微软雅黑" charset="0"/>
+                <a:ea typeface="微软雅黑" charset="0"/>
+                <a:cs typeface="微软雅黑" charset="0"/>
+                <a:sym typeface="Calibri" pitchFamily="34" charset="0"/>
+              </a:rPr>
+              <a:t>)</a:t>
+            </a:r>
+            <a:endParaRPr lang="zh-CN" altLang="en-US" sz="2000" dirty="0">
+              <a:solidFill>
+                <a:srgbClr val="464563"/>
+              </a:solidFill>
+              <a:latin typeface="微软雅黑" charset="0"/>
+              <a:ea typeface="微软雅黑" charset="0"/>
+              <a:cs typeface="微软雅黑" charset="0"/>
+              <a:sym typeface="Calibri" pitchFamily="34" charset="0"/>
+            </a:endParaRPr>
+          </a:p>
+          <a:p>
+            <a:pPr marL="800100" lvl="1" indent="-342900">
+              <a:buFont typeface="Wingdings" panose="05000000000000000000" pitchFamily="2" charset="2"/>
+              <a:buChar char="u"/>
+            </a:pPr>
+            <a:endParaRPr lang="zh-CN" altLang="en-US" sz="2000" dirty="0">
               <a:solidFill>
                 <a:srgbClr val="C9394A"/>
               </a:solidFill>
@@ -18101,77 +17533,11 @@
               <a:sym typeface="Calibri" pitchFamily="34" charset="0"/>
             </a:endParaRPr>
           </a:p>
-        </p:txBody>
-      </p:sp>
-      <p:sp>
-        <p:nvSpPr>
-          <p:cNvPr id="15" name="矩形"/>
-          <p:cNvSpPr>
-            <a:spLocks/>
-          </p:cNvSpPr>
-          <p:nvPr/>
-        </p:nvSpPr>
-        <p:spPr>
-          <a:xfrm>
-            <a:off x="539551" y="2211710"/>
-            <a:ext cx="8565279" cy="400110"/>
-          </a:xfrm>
-          <a:prstGeom prst="rect">
-            <a:avLst/>
-          </a:prstGeom>
-          <a:noFill/>
-          <a:ln w="9525" cap="flat" cmpd="sng">
-            <a:noFill/>
-            <a:prstDash val="solid"/>
-            <a:miter/>
-          </a:ln>
-        </p:spPr>
-        <p:txBody>
-          <a:bodyPr vert="horz" wrap="square" lIns="91440" tIns="45720" rIns="91440" bIns="45720" anchor="ctr" anchorCtr="0">
-            <a:prstTxWarp prst="textNoShape">
-              <a:avLst/>
-            </a:prstTxWarp>
-            <a:spAutoFit/>
-          </a:bodyPr>
-          <a:lstStyle/>
           <a:p>
             <a:pPr marL="800100" lvl="1" indent="-342900">
               <a:buFont typeface="Wingdings" panose="05000000000000000000" pitchFamily="2" charset="2"/>
               <a:buChar char="u"/>
             </a:pPr>
-            <a:r>
-              <a:rPr lang="zh-CN" altLang="en-US" sz="2000" dirty="0" smtClean="0">
-                <a:solidFill>
-                  <a:srgbClr val="474747"/>
-                </a:solidFill>
-                <a:latin typeface="微软雅黑" charset="0"/>
-                <a:ea typeface="微软雅黑" charset="0"/>
-                <a:cs typeface="微软雅黑" charset="0"/>
-              </a:rPr>
-              <a:t>人少的时候，无论是兵器和人员的变更，都是</a:t>
-            </a:r>
-            <a:r>
-              <a:rPr lang="zh-CN" altLang="zh-CN" sz="2000" dirty="0" smtClean="0">
-                <a:solidFill>
-                  <a:srgbClr val="474747"/>
-                </a:solidFill>
-                <a:latin typeface="微软雅黑" charset="0"/>
-                <a:ea typeface="微软雅黑" charset="0"/>
-                <a:cs typeface="微软雅黑" charset="0"/>
-              </a:rPr>
-              <a:t>s</a:t>
-            </a:r>
-            <a:r>
-              <a:rPr lang="en-US" altLang="zh-CN" sz="2000" dirty="0" err="1" smtClean="0">
-                <a:solidFill>
-                  <a:srgbClr val="474747"/>
-                </a:solidFill>
-                <a:latin typeface="微软雅黑" charset="0"/>
-                <a:ea typeface="微软雅黑" charset="0"/>
-                <a:cs typeface="微软雅黑" charset="0"/>
-              </a:rPr>
-              <a:t>etState</a:t>
-            </a:r>
             <a:endParaRPr lang="zh-CN" altLang="en-US" sz="2000" u="none" strike="noStrike" kern="1200" cap="none" spc="0" baseline="0" dirty="0">
               <a:solidFill>
                 <a:srgbClr val="C9394A"/>
@@ -18179,159 +17545,6 @@
               <a:latin typeface="微软雅黑" charset="0"/>
               <a:ea typeface="微软雅黑" charset="0"/>
               <a:cs typeface="微软雅黑" charset="0"/>
-            </a:endParaRPr>
-          </a:p>
-        </p:txBody>
-      </p:sp>
-      <p:sp>
-        <p:nvSpPr>
-          <p:cNvPr id="16" name="矩形"/>
-          <p:cNvSpPr>
-            <a:spLocks/>
-          </p:cNvSpPr>
-          <p:nvPr/>
-        </p:nvSpPr>
-        <p:spPr>
-          <a:xfrm>
-            <a:off x="560239" y="3717181"/>
-            <a:ext cx="8565279" cy="400110"/>
-          </a:xfrm>
-          <a:prstGeom prst="rect">
-            <a:avLst/>
-          </a:prstGeom>
-          <a:noFill/>
-          <a:ln w="9525" cap="flat" cmpd="sng">
-            <a:noFill/>
-            <a:prstDash val="solid"/>
-            <a:miter/>
-          </a:ln>
-        </p:spPr>
-        <p:txBody>
-          <a:bodyPr vert="horz" wrap="square" lIns="91440" tIns="45720" rIns="91440" bIns="45720" anchor="ctr" anchorCtr="0">
-            <a:prstTxWarp prst="textNoShape">
-              <a:avLst/>
-            </a:prstTxWarp>
-            <a:spAutoFit/>
-          </a:bodyPr>
-          <a:lstStyle/>
-          <a:p>
-            <a:pPr marL="800100" lvl="1" indent="-342900" algn="l">
-              <a:lnSpc>
-                <a:spcPct val="100000"/>
-              </a:lnSpc>
-              <a:spcBef>
-                <a:spcPts val="0"/>
-              </a:spcBef>
-              <a:spcAft>
-                <a:spcPts val="0"/>
-              </a:spcAft>
-              <a:buFont typeface="Wingdings" panose="05000000000000000000" pitchFamily="2" charset="2"/>
-              <a:buChar char="u"/>
-            </a:pPr>
-            <a:r>
-              <a:rPr lang="zh-CN" altLang="en-US" sz="2000" u="none" strike="noStrike" kern="1200" cap="none" spc="0" baseline="0" dirty="0" smtClean="0">
-                <a:solidFill>
-                  <a:srgbClr val="464563"/>
-                </a:solidFill>
-                <a:latin typeface="微软雅黑" charset="0"/>
-                <a:ea typeface="微软雅黑" charset="0"/>
-                <a:cs typeface="微软雅黑" charset="0"/>
-                <a:sym typeface="Calibri" pitchFamily="34" charset="0"/>
-              </a:rPr>
-              <a:t>所有状态归赵政委</a:t>
-            </a:r>
-            <a:r>
-              <a:rPr lang="en-US" altLang="zh-CN" sz="2000" u="none" strike="noStrike" kern="1200" cap="none" spc="0" baseline="0" dirty="0" smtClean="0">
-                <a:solidFill>
-                  <a:srgbClr val="464563"/>
-                </a:solidFill>
-                <a:latin typeface="微软雅黑" charset="0"/>
-                <a:ea typeface="微软雅黑" charset="0"/>
-                <a:cs typeface="微软雅黑" charset="0"/>
-                <a:sym typeface="Calibri" pitchFamily="34" charset="0"/>
-              </a:rPr>
-              <a:t>(</a:t>
-            </a:r>
-            <a:r>
-              <a:rPr lang="en-US" altLang="zh-CN" sz="2000" u="none" strike="noStrike" kern="1200" cap="none" spc="0" baseline="0" dirty="0" err="1" smtClean="0">
-                <a:solidFill>
-                  <a:srgbClr val="464563"/>
-                </a:solidFill>
-                <a:latin typeface="微软雅黑" charset="0"/>
-                <a:ea typeface="微软雅黑" charset="0"/>
-                <a:cs typeface="微软雅黑" charset="0"/>
-                <a:sym typeface="Calibri" pitchFamily="34" charset="0"/>
-              </a:rPr>
-              <a:t>redux</a:t>
-            </a:r>
-            <a:r>
-              <a:rPr lang="en-US" altLang="zh-CN" sz="2000" u="none" strike="noStrike" kern="1200" cap="none" spc="0" baseline="0" dirty="0" smtClean="0">
-                <a:solidFill>
-                  <a:srgbClr val="464563"/>
-                </a:solidFill>
-                <a:latin typeface="微软雅黑" charset="0"/>
-                <a:ea typeface="微软雅黑" charset="0"/>
-                <a:cs typeface="微软雅黑" charset="0"/>
-                <a:sym typeface="Calibri" pitchFamily="34" charset="0"/>
-              </a:rPr>
-              <a:t>)</a:t>
-            </a:r>
-            <a:r>
-              <a:rPr lang="zh-CN" altLang="en-US" sz="2000" u="none" strike="noStrike" kern="1200" cap="none" spc="0" baseline="0" dirty="0" smtClean="0">
-                <a:solidFill>
-                  <a:srgbClr val="464563"/>
-                </a:solidFill>
-                <a:latin typeface="微软雅黑" charset="0"/>
-                <a:ea typeface="微软雅黑" charset="0"/>
-                <a:cs typeface="微软雅黑" charset="0"/>
-                <a:sym typeface="Calibri" pitchFamily="34" charset="0"/>
-              </a:rPr>
-              <a:t>管理，自己只打仗</a:t>
-            </a:r>
-            <a:r>
-              <a:rPr lang="en-US" altLang="zh-CN" sz="2000" u="none" strike="noStrike" kern="1200" cap="none" spc="0" baseline="0" dirty="0" smtClean="0">
-                <a:solidFill>
-                  <a:srgbClr val="464563"/>
-                </a:solidFill>
-                <a:latin typeface="微软雅黑" charset="0"/>
-                <a:ea typeface="微软雅黑" charset="0"/>
-                <a:cs typeface="微软雅黑" charset="0"/>
-                <a:sym typeface="Calibri" pitchFamily="34" charset="0"/>
-              </a:rPr>
-              <a:t>(view</a:t>
-            </a:r>
-            <a:r>
-              <a:rPr lang="zh-CN" altLang="en-US" sz="2000" u="none" strike="noStrike" kern="1200" cap="none" spc="0" baseline="0" dirty="0" smtClean="0">
-                <a:solidFill>
-                  <a:srgbClr val="464563"/>
-                </a:solidFill>
-                <a:latin typeface="微软雅黑" charset="0"/>
-                <a:ea typeface="微软雅黑" charset="0"/>
-                <a:cs typeface="微软雅黑" charset="0"/>
-                <a:sym typeface="Calibri" pitchFamily="34" charset="0"/>
-              </a:rPr>
-              <a:t>显示</a:t>
-            </a:r>
-            <a:r>
-              <a:rPr lang="en-US" altLang="zh-CN" sz="2000" u="none" strike="noStrike" kern="1200" cap="none" spc="0" baseline="0" dirty="0" smtClean="0">
-                <a:solidFill>
-                  <a:srgbClr val="464563"/>
-                </a:solidFill>
-                <a:latin typeface="微软雅黑" charset="0"/>
-                <a:ea typeface="微软雅黑" charset="0"/>
-                <a:cs typeface="微软雅黑" charset="0"/>
-                <a:sym typeface="Calibri" pitchFamily="34" charset="0"/>
-              </a:rPr>
-              <a:t>)</a:t>
-            </a:r>
-            <a:endParaRPr lang="zh-CN" altLang="en-US" sz="2000" u="none" strike="noStrike" kern="1200" cap="none" spc="0" baseline="0" dirty="0">
-              <a:solidFill>
-                <a:srgbClr val="464563"/>
-              </a:solidFill>
-              <a:latin typeface="微软雅黑" charset="0"/>
-              <a:ea typeface="微软雅黑" charset="0"/>
-              <a:cs typeface="微软雅黑" charset="0"/>
-              <a:sym typeface="Calibri" pitchFamily="34" charset="0"/>
             </a:endParaRPr>
           </a:p>
         </p:txBody>
@@ -18404,7 +17617,7 @@
   <p:timing>
     <p:tnLst>
       <p:par>
-        <p:cTn xmlns:p14="http://schemas.microsoft.com/office/powerpoint/2010/main" id="1" dur="indefinite" restart="never" nodeType="tmRoot">
+        <p:cTn id="1" dur="indefinite" restart="never" nodeType="tmRoot">
           <p:childTnLst>
             <p:seq concurrent="1" nextAc="seek">
               <p:cTn id="2" dur="indefinite" nodeType="mainSeq">
@@ -18603,188 +17816,6 @@
                       </p:childTnLst>
                     </p:cTn>
                   </p:par>
-                  <p:par>
-                    <p:cTn id="15" fill="hold">
-                      <p:stCondLst>
-                        <p:cond delay="indefinite"/>
-                      </p:stCondLst>
-                      <p:childTnLst>
-                        <p:par>
-                          <p:cTn id="16" fill="hold">
-                            <p:stCondLst>
-                              <p:cond delay="0"/>
-                            </p:stCondLst>
-                            <p:childTnLst>
-                              <p:par>
-                                <p:cTn id="17" presetID="2" presetClass="entr" presetSubtype="4" fill="hold" grpId="0" nodeType="clickEffect">
-                                  <p:stCondLst>
-                                    <p:cond delay="0"/>
-                                  </p:stCondLst>
-                                  <p:childTnLst>
-                                    <p:set>
-                                      <p:cBhvr>
-                                        <p:cTn id="18" dur="1" fill="hold">
-                                          <p:stCondLst>
-                                            <p:cond delay="0"/>
-                                          </p:stCondLst>
-                                        </p:cTn>
-                                        <p:tgtEl>
-                                          <p:spTgt spid="14"/>
-                                        </p:tgtEl>
-                                        <p:attrNameLst>
-                                          <p:attrName>style.visibility</p:attrName>
-                                        </p:attrNameLst>
-                                      </p:cBhvr>
-                                      <p:to>
-                                        <p:strVal val="visible"/>
-                                      </p:to>
-                                    </p:set>
-                                    <p:anim calcmode="lin" valueType="num">
-                                      <p:cBhvr additive="base">
-                                        <p:cTn id="19" dur="500" fill="hold"/>
-                                        <p:tgtEl>
-                                          <p:spTgt spid="14"/>
-                                        </p:tgtEl>
-                                        <p:attrNameLst>
-                                          <p:attrName>ppt_x</p:attrName>
-                                        </p:attrNameLst>
-                                      </p:cBhvr>
-                                      <p:tavLst>
-                                        <p:tav tm="0">
-                                          <p:val>
-                                            <p:strVal val="#ppt_x"/>
-                                          </p:val>
-                                        </p:tav>
-                                        <p:tav tm="100000">
-                                          <p:val>
-                                            <p:strVal val="#ppt_x"/>
-                                          </p:val>
-                                        </p:tav>
-                                      </p:tavLst>
-                                    </p:anim>
-                                    <p:anim calcmode="lin" valueType="num">
-                                      <p:cBhvr additive="base">
-                                        <p:cTn id="20" dur="500" fill="hold"/>
-                                        <p:tgtEl>
-                                          <p:spTgt spid="14"/>
-                                        </p:tgtEl>
-                                        <p:attrNameLst>
-                                          <p:attrName>ppt_y</p:attrName>
-                                        </p:attrNameLst>
-                                      </p:cBhvr>
-                                      <p:tavLst>
-                                        <p:tav tm="0">
-                                          <p:val>
-                                            <p:strVal val="1+#ppt_h/2"/>
-                                          </p:val>
-                                        </p:tav>
-                                        <p:tav tm="100000">
-                                          <p:val>
-                                            <p:strVal val="#ppt_y"/>
-                                          </p:val>
-                                        </p:tav>
-                                      </p:tavLst>
-                                    </p:anim>
-                                  </p:childTnLst>
-                                </p:cTn>
-                              </p:par>
-                            </p:childTnLst>
-                          </p:cTn>
-                        </p:par>
-                      </p:childTnLst>
-                    </p:cTn>
-                  </p:par>
-                  <p:par>
-                    <p:cTn id="21" fill="hold">
-                      <p:stCondLst>
-                        <p:cond delay="indefinite"/>
-                      </p:stCondLst>
-                      <p:childTnLst>
-                        <p:par>
-                          <p:cTn id="22" fill="hold">
-                            <p:stCondLst>
-                              <p:cond delay="0"/>
-                            </p:stCondLst>
-                            <p:childTnLst>
-                              <p:par>
-                                <p:cTn id="23" presetID="2" presetClass="entr" presetSubtype="4" fill="hold" grpId="0" nodeType="clickEffect">
-                                  <p:stCondLst>
-                                    <p:cond delay="0"/>
-                                  </p:stCondLst>
-                                  <p:childTnLst>
-                                    <p:set>
-                                      <p:cBhvr>
-                                        <p:cTn id="24" dur="1" fill="hold">
-                                          <p:stCondLst>
-                                            <p:cond delay="0"/>
-                                          </p:stCondLst>
-                                        </p:cTn>
-                                        <p:tgtEl>
-                                          <p:spTgt spid="16"/>
-                                        </p:tgtEl>
-                                        <p:attrNameLst>
-                                          <p:attrName>style.visibility</p:attrName>
-                                        </p:attrNameLst>
-                                      </p:cBhvr>
-                                      <p:to>
-                                        <p:strVal val="visible"/>
-                                      </p:to>
-                                    </p:set>
-                                    <p:anim calcmode="lin" valueType="num">
-                                      <p:cBhvr additive="base">
-                                        <p:cTn id="25" dur="500" fill="hold"/>
-                                        <p:tgtEl>
-                                          <p:spTgt spid="16"/>
-                                        </p:tgtEl>
-                                        <p:attrNameLst>
-                                          <p:attrName>ppt_x</p:attrName>
-                                        </p:attrNameLst>
-                                      </p:cBhvr>
-                                      <p:tavLst>
-                                        <p:tav tm="0">
-                                          <p:val>
-                                            <p:strVal val="#ppt_x"/>
-                                          </p:val>
-                                        </p:tav>
-                                        <p:tav tm="100000">
-                                          <p:val>
-                                            <p:strVal val="#ppt_x"/>
-                                          </p:val>
-                                        </p:tav>
-                                      </p:tavLst>
-                                    </p:anim>
-                                    <p:anim calcmode="lin" valueType="num">
-                                      <p:cBhvr additive="base">
-                                        <p:cTn id="26" dur="500" fill="hold"/>
-                                        <p:tgtEl>
-                                          <p:spTgt spid="16"/>
-                                        </p:tgtEl>
-                                        <p:attrNameLst>
-                                          <p:attrName>ppt_y</p:attrName>
-                                        </p:attrNameLst>
-                                      </p:cBhvr>
-                                      <p:tavLst>
-                                        <p:tav tm="0">
-                                          <p:val>
-                                            <p:strVal val="1+#ppt_h/2"/>
-                                          </p:val>
-                                        </p:tav>
-                                        <p:tav tm="100000">
-                                          <p:val>
-                                            <p:strVal val="#ppt_y"/>
-                                          </p:val>
-                                        </p:tav>
-                                      </p:tavLst>
-                                    </p:anim>
-                                  </p:childTnLst>
-                                </p:cTn>
-                              </p:par>
-                            </p:childTnLst>
-                          </p:cTn>
-                        </p:par>
-                      </p:childTnLst>
-                    </p:cTn>
-                  </p:par>
                 </p:childTnLst>
               </p:cTn>
               <p:prevCondLst>
@@ -18807,9 +17838,7 @@
       </p:par>
     </p:tnLst>
     <p:bldLst>
-      <p:bldP spid="14" grpId="0"/>
       <p:bldP spid="15" grpId="0"/>
-      <p:bldP spid="16" grpId="0"/>
     </p:bldLst>
   </p:timing>
 </p:sld>
@@ -18899,111 +17928,6 @@
       </p:sp>
       <p:sp>
         <p:nvSpPr>
-          <p:cNvPr id="16" name="矩形"/>
-          <p:cNvSpPr>
-            <a:spLocks/>
-          </p:cNvSpPr>
-          <p:nvPr/>
-        </p:nvSpPr>
-        <p:spPr>
-          <a:xfrm>
-            <a:off x="683568" y="3003798"/>
-            <a:ext cx="8565279" cy="400110"/>
-          </a:xfrm>
-          <a:prstGeom prst="rect">
-            <a:avLst/>
-          </a:prstGeom>
-          <a:noFill/>
-          <a:ln w="9525" cap="flat" cmpd="sng">
-            <a:noFill/>
-            <a:prstDash val="solid"/>
-            <a:miter/>
-          </a:ln>
-        </p:spPr>
-        <p:txBody>
-          <a:bodyPr vert="horz" wrap="square" lIns="91440" tIns="45720" rIns="91440" bIns="45720" anchor="ctr" anchorCtr="0">
-            <a:prstTxWarp prst="textNoShape">
-              <a:avLst/>
-            </a:prstTxWarp>
-            <a:spAutoFit/>
-          </a:bodyPr>
-          <a:lstStyle/>
-          <a:p>
-            <a:pPr marL="800100" lvl="1" indent="-342900" algn="l">
-              <a:lnSpc>
-                <a:spcPct val="100000"/>
-              </a:lnSpc>
-              <a:spcBef>
-                <a:spcPts val="0"/>
-              </a:spcBef>
-              <a:spcAft>
-                <a:spcPts val="0"/>
-              </a:spcAft>
-              <a:buFont typeface="Wingdings" panose="05000000000000000000" pitchFamily="2" charset="2"/>
-              <a:buChar char="u"/>
-            </a:pPr>
-            <a:r>
-              <a:rPr lang="zh-CN" altLang="en-US" sz="2000" u="none" strike="noStrike" kern="1200" cap="none" spc="0" baseline="0" dirty="0" smtClean="0">
-                <a:solidFill>
-                  <a:srgbClr val="464563"/>
-                </a:solidFill>
-                <a:latin typeface="微软雅黑" charset="0"/>
-                <a:ea typeface="微软雅黑" charset="0"/>
-                <a:cs typeface="微软雅黑" charset="0"/>
-                <a:sym typeface="Calibri" pitchFamily="34" charset="0"/>
-              </a:rPr>
-              <a:t>需要改变的时候 ，需要告诉专员</a:t>
-            </a:r>
-            <a:r>
-              <a:rPr lang="en-US" altLang="zh-CN" sz="2000" u="none" strike="noStrike" kern="1200" cap="none" spc="0" baseline="0" dirty="0" smtClean="0">
-                <a:solidFill>
-                  <a:srgbClr val="464563"/>
-                </a:solidFill>
-                <a:latin typeface="微软雅黑" charset="0"/>
-                <a:ea typeface="微软雅黑" charset="0"/>
-                <a:cs typeface="微软雅黑" charset="0"/>
-                <a:sym typeface="Calibri" pitchFamily="34" charset="0"/>
-              </a:rPr>
-              <a:t>(dispatch)</a:t>
-            </a:r>
-            <a:r>
-              <a:rPr lang="zh-CN" altLang="en-US" sz="2000" u="none" strike="noStrike" kern="1200" cap="none" spc="0" baseline="0" dirty="0" smtClean="0">
-                <a:solidFill>
-                  <a:srgbClr val="464563"/>
-                </a:solidFill>
-                <a:latin typeface="微软雅黑" charset="0"/>
-                <a:ea typeface="微软雅黑" charset="0"/>
-                <a:cs typeface="微软雅黑" charset="0"/>
-                <a:sym typeface="Calibri" pitchFamily="34" charset="0"/>
-              </a:rPr>
-              <a:t>要干什么</a:t>
-            </a:r>
-            <a:r>
-              <a:rPr lang="en-US" altLang="zh-CN" sz="2000" u="none" strike="noStrike" kern="1200" cap="none" spc="0" baseline="0" dirty="0" smtClean="0">
-                <a:solidFill>
-                  <a:srgbClr val="464563"/>
-                </a:solidFill>
-                <a:latin typeface="微软雅黑" charset="0"/>
-                <a:ea typeface="微软雅黑" charset="0"/>
-                <a:cs typeface="微软雅黑" charset="0"/>
-                <a:sym typeface="Calibri" pitchFamily="34" charset="0"/>
-              </a:rPr>
-              <a:t>(action)</a:t>
-            </a:r>
-            <a:endParaRPr lang="zh-CN" altLang="en-US" sz="2000" u="none" strike="noStrike" kern="1200" cap="none" spc="0" baseline="0" dirty="0">
-              <a:solidFill>
-                <a:srgbClr val="464563"/>
-              </a:solidFill>
-              <a:latin typeface="微软雅黑" charset="0"/>
-              <a:ea typeface="微软雅黑" charset="0"/>
-              <a:cs typeface="微软雅黑" charset="0"/>
-              <a:sym typeface="Calibri" pitchFamily="34" charset="0"/>
-            </a:endParaRPr>
-          </a:p>
-        </p:txBody>
-      </p:sp>
-      <p:sp>
-        <p:nvSpPr>
           <p:cNvPr id="17" name="矩形"/>
           <p:cNvSpPr>
             <a:spLocks/>
@@ -19059,7 +17983,7 @@
       </p:sp>
       <p:sp>
         <p:nvSpPr>
-          <p:cNvPr id="7" name="矩形"/>
+          <p:cNvPr id="8" name="矩形"/>
           <p:cNvSpPr>
             <a:spLocks/>
           </p:cNvSpPr>
@@ -19067,8 +17991,8 @@
         </p:nvSpPr>
         <p:spPr>
           <a:xfrm>
-            <a:off x="712639" y="3869581"/>
-            <a:ext cx="8565279" cy="400110"/>
+            <a:off x="683568" y="1488693"/>
+            <a:ext cx="8565279" cy="1846146"/>
           </a:xfrm>
           <a:prstGeom prst="rect">
             <a:avLst/>
@@ -19091,7 +18015,7 @@
           <a:p>
             <a:pPr marL="800100" lvl="1" indent="-342900" algn="l">
               <a:lnSpc>
-                <a:spcPct val="100000"/>
+                <a:spcPct val="200000"/>
               </a:lnSpc>
               <a:spcBef>
                 <a:spcPts val="0"/>
@@ -19103,7 +18027,7 @@
               <a:buChar char="u"/>
             </a:pPr>
             <a:r>
-              <a:rPr lang="en-US" altLang="en-US" sz="2000" dirty="0" smtClean="0">
+              <a:rPr lang="zh-CN" altLang="en-US" sz="2000" dirty="0" smtClean="0">
                 <a:solidFill>
                   <a:srgbClr val="464563"/>
                 </a:solidFill>
@@ -19112,10 +18036,10 @@
                 <a:cs typeface="微软雅黑" charset="0"/>
                 <a:sym typeface="Calibri" pitchFamily="34" charset="0"/>
               </a:rPr>
-              <a:t>处理变化的人(reducer)</a:t>
-            </a:r>
-            <a:r>
-              <a:rPr lang="en-US" altLang="en-US" sz="2000" dirty="0" err="1" smtClean="0">
+              <a:t>老赵有一个保险箱</a:t>
+            </a:r>
+            <a:r>
+              <a:rPr lang="en-US" altLang="zh-CN" sz="2000" dirty="0" smtClean="0">
                 <a:solidFill>
                   <a:srgbClr val="464563"/>
                 </a:solidFill>
@@ -19124,9 +18048,126 @@
                 <a:cs typeface="微软雅黑" charset="0"/>
                 <a:sym typeface="Calibri" pitchFamily="34" charset="0"/>
               </a:rPr>
-              <a:t>拿到state和action，生成新的state</a:t>
-            </a:r>
-            <a:endParaRPr lang="zh-CN" altLang="en-US" sz="2000" u="none" strike="noStrike" kern="1200" cap="none" spc="0" baseline="0" dirty="0">
+              <a:t>(store),</a:t>
+            </a:r>
+            <a:r>
+              <a:rPr lang="zh-CN" altLang="en-US" sz="2000" u="none" strike="noStrike" kern="1200" cap="none" spc="0" baseline="0" dirty="0" smtClean="0">
+                <a:solidFill>
+                  <a:srgbClr val="464563"/>
+                </a:solidFill>
+                <a:latin typeface="微软雅黑" charset="0"/>
+                <a:ea typeface="微软雅黑" charset="0"/>
+                <a:cs typeface="微软雅黑" charset="0"/>
+                <a:sym typeface="Calibri" pitchFamily="34" charset="0"/>
+              </a:rPr>
+              <a:t>所有人的</a:t>
+            </a:r>
+            <a:r>
+              <a:rPr lang="zh-CN" altLang="en-US" sz="2000" dirty="0" smtClean="0">
+                <a:solidFill>
+                  <a:srgbClr val="464563"/>
+                </a:solidFill>
+                <a:latin typeface="微软雅黑" charset="0"/>
+                <a:ea typeface="微软雅黑" charset="0"/>
+                <a:cs typeface="微软雅黑" charset="0"/>
+                <a:sym typeface="Calibri" pitchFamily="34" charset="0"/>
+              </a:rPr>
+              <a:t>状态</a:t>
+            </a:r>
+            <a:r>
+              <a:rPr lang="zh-CN" altLang="en-US" sz="2000" u="none" strike="noStrike" kern="1200" cap="none" spc="0" baseline="0" dirty="0" smtClean="0">
+                <a:solidFill>
+                  <a:srgbClr val="464563"/>
+                </a:solidFill>
+                <a:latin typeface="微软雅黑" charset="0"/>
+                <a:ea typeface="微软雅黑" charset="0"/>
+                <a:cs typeface="微软雅黑" charset="0"/>
+                <a:sym typeface="Calibri" pitchFamily="34" charset="0"/>
+              </a:rPr>
+              <a:t>，在那里都有记录</a:t>
+            </a:r>
+            <a:r>
+              <a:rPr lang="en-US" altLang="zh-CN" sz="2000" u="none" strike="noStrike" kern="1200" cap="none" spc="0" baseline="0" dirty="0" smtClean="0">
+                <a:solidFill>
+                  <a:srgbClr val="464563"/>
+                </a:solidFill>
+                <a:latin typeface="微软雅黑" charset="0"/>
+                <a:ea typeface="微软雅黑" charset="0"/>
+                <a:cs typeface="微软雅黑" charset="0"/>
+                <a:sym typeface="Calibri" pitchFamily="34" charset="0"/>
+              </a:rPr>
+              <a:t>(state</a:t>
+            </a:r>
+            <a:r>
+              <a:rPr lang="en-US" altLang="zh-CN" sz="2000" u="none" strike="noStrike" kern="1200" cap="none" spc="0" baseline="0" dirty="0" smtClean="0">
+                <a:solidFill>
+                  <a:srgbClr val="464563"/>
+                </a:solidFill>
+                <a:latin typeface="微软雅黑" charset="0"/>
+                <a:ea typeface="微软雅黑" charset="0"/>
+                <a:cs typeface="微软雅黑" charset="0"/>
+                <a:sym typeface="Calibri" pitchFamily="34" charset="0"/>
+              </a:rPr>
+              <a:t>)</a:t>
+            </a:r>
+          </a:p>
+          <a:p>
+            <a:pPr marL="800100" lvl="1" indent="-342900">
+              <a:lnSpc>
+                <a:spcPct val="200000"/>
+              </a:lnSpc>
+              <a:buFont typeface="Wingdings" panose="05000000000000000000" pitchFamily="2" charset="2"/>
+              <a:buChar char="u"/>
+            </a:pPr>
+            <a:r>
+              <a:rPr lang="zh-CN" altLang="en-US" sz="2000" dirty="0">
+                <a:solidFill>
+                  <a:srgbClr val="464563"/>
+                </a:solidFill>
+                <a:latin typeface="微软雅黑" charset="0"/>
+                <a:ea typeface="微软雅黑" charset="0"/>
+                <a:cs typeface="微软雅黑" charset="0"/>
+                <a:sym typeface="Calibri" pitchFamily="34" charset="0"/>
+              </a:rPr>
+              <a:t>需要改变的时候 ，需要告诉专员</a:t>
+            </a:r>
+            <a:r>
+              <a:rPr lang="en-US" altLang="zh-CN" sz="2000" dirty="0">
+                <a:solidFill>
+                  <a:srgbClr val="464563"/>
+                </a:solidFill>
+                <a:latin typeface="微软雅黑" charset="0"/>
+                <a:ea typeface="微软雅黑" charset="0"/>
+                <a:cs typeface="微软雅黑" charset="0"/>
+                <a:sym typeface="Calibri" pitchFamily="34" charset="0"/>
+              </a:rPr>
+              <a:t>(dispatch)</a:t>
+            </a:r>
+            <a:r>
+              <a:rPr lang="zh-CN" altLang="en-US" sz="2000" dirty="0">
+                <a:solidFill>
+                  <a:srgbClr val="464563"/>
+                </a:solidFill>
+                <a:latin typeface="微软雅黑" charset="0"/>
+                <a:ea typeface="微软雅黑" charset="0"/>
+                <a:cs typeface="微软雅黑" charset="0"/>
+                <a:sym typeface="Calibri" pitchFamily="34" charset="0"/>
+              </a:rPr>
+              <a:t>要干什么</a:t>
+            </a:r>
+            <a:r>
+              <a:rPr lang="en-US" altLang="zh-CN" sz="2000" dirty="0">
+                <a:solidFill>
+                  <a:srgbClr val="464563"/>
+                </a:solidFill>
+                <a:latin typeface="微软雅黑" charset="0"/>
+                <a:ea typeface="微软雅黑" charset="0"/>
+                <a:cs typeface="微软雅黑" charset="0"/>
+                <a:sym typeface="Calibri" pitchFamily="34" charset="0"/>
+              </a:rPr>
+              <a:t>(action)</a:t>
+            </a:r>
+            <a:endParaRPr lang="zh-CN" altLang="en-US" sz="2000" dirty="0">
               <a:solidFill>
                 <a:srgbClr val="464563"/>
               </a:solidFill>
@@ -19136,55 +18177,16 @@
               <a:sym typeface="Calibri" pitchFamily="34" charset="0"/>
             </a:endParaRPr>
           </a:p>
-        </p:txBody>
-      </p:sp>
-      <p:sp>
-        <p:nvSpPr>
-          <p:cNvPr id="8" name="矩形"/>
-          <p:cNvSpPr>
-            <a:spLocks/>
-          </p:cNvSpPr>
-          <p:nvPr/>
-        </p:nvSpPr>
-        <p:spPr>
-          <a:xfrm>
-            <a:off x="683568" y="2211710"/>
-            <a:ext cx="8565279" cy="400110"/>
-          </a:xfrm>
-          <a:prstGeom prst="rect">
-            <a:avLst/>
-          </a:prstGeom>
-          <a:noFill/>
-          <a:ln w="9525" cap="flat" cmpd="sng">
-            <a:noFill/>
-            <a:prstDash val="solid"/>
-            <a:miter/>
-          </a:ln>
-        </p:spPr>
-        <p:txBody>
-          <a:bodyPr vert="horz" wrap="square" lIns="91440" tIns="45720" rIns="91440" bIns="45720" anchor="ctr" anchorCtr="0">
-            <a:prstTxWarp prst="textNoShape">
-              <a:avLst/>
-            </a:prstTxWarp>
-            <a:spAutoFit/>
-          </a:bodyPr>
-          <a:lstStyle/>
-          <a:p>
-            <a:pPr marL="800100" lvl="1" indent="-342900" algn="l">
+          <a:p>
+            <a:pPr marL="800100" lvl="1" indent="-342900">
               <a:lnSpc>
-                <a:spcPct val="100000"/>
+                <a:spcPct val="200000"/>
               </a:lnSpc>
-              <a:spcBef>
-                <a:spcPts val="0"/>
-              </a:spcBef>
-              <a:spcAft>
-                <a:spcPts val="0"/>
-              </a:spcAft>
               <a:buFont typeface="Wingdings" panose="05000000000000000000" pitchFamily="2" charset="2"/>
               <a:buChar char="u"/>
             </a:pPr>
             <a:r>
-              <a:rPr lang="zh-CN" altLang="en-US" sz="2000" dirty="0" smtClean="0">
+              <a:rPr lang="en-US" altLang="en-US" sz="2000" dirty="0" err="1">
                 <a:solidFill>
                   <a:srgbClr val="464563"/>
                 </a:solidFill>
@@ -19193,10 +18195,10 @@
                 <a:cs typeface="微软雅黑" charset="0"/>
                 <a:sym typeface="Calibri" pitchFamily="34" charset="0"/>
               </a:rPr>
-              <a:t>老赵有一个保险箱</a:t>
-            </a:r>
-            <a:r>
-              <a:rPr lang="en-US" altLang="zh-CN" sz="2000" dirty="0" smtClean="0">
+              <a:t>处理变化的人</a:t>
+            </a:r>
+            <a:r>
+              <a:rPr lang="en-US" altLang="en-US" sz="2000" dirty="0">
                 <a:solidFill>
                   <a:srgbClr val="464563"/>
                 </a:solidFill>
@@ -19205,10 +18207,10 @@
                 <a:cs typeface="微软雅黑" charset="0"/>
                 <a:sym typeface="Calibri" pitchFamily="34" charset="0"/>
               </a:rPr>
-              <a:t>(store),</a:t>
-            </a:r>
-            <a:r>
-              <a:rPr lang="zh-CN" altLang="en-US" sz="2000" u="none" strike="noStrike" kern="1200" cap="none" spc="0" baseline="0" dirty="0" smtClean="0">
+              <a:t>(reducer)</a:t>
+            </a:r>
+            <a:r>
+              <a:rPr lang="en-US" altLang="en-US" sz="2000" dirty="0" err="1">
                 <a:solidFill>
                   <a:srgbClr val="464563"/>
                 </a:solidFill>
@@ -19217,10 +18219,10 @@
                 <a:cs typeface="微软雅黑" charset="0"/>
                 <a:sym typeface="Calibri" pitchFamily="34" charset="0"/>
               </a:rPr>
-              <a:t>所有人的</a:t>
-            </a:r>
-            <a:r>
-              <a:rPr lang="zh-CN" altLang="en-US" sz="2000" dirty="0" smtClean="0">
+              <a:t>拿到state和action，生成新的</a:t>
+            </a:r>
+            <a:r>
+              <a:rPr lang="en-US" altLang="en-US" sz="2000" dirty="0" err="1" smtClean="0">
                 <a:solidFill>
                   <a:srgbClr val="464563"/>
                 </a:solidFill>
@@ -19229,33 +18231,9 @@
                 <a:cs typeface="微软雅黑" charset="0"/>
                 <a:sym typeface="Calibri" pitchFamily="34" charset="0"/>
               </a:rPr>
-              <a:t>状态</a:t>
-            </a:r>
-            <a:r>
-              <a:rPr lang="zh-CN" altLang="en-US" sz="2000" u="none" strike="noStrike" kern="1200" cap="none" spc="0" baseline="0" dirty="0" smtClean="0">
-                <a:solidFill>
-                  <a:srgbClr val="464563"/>
-                </a:solidFill>
-                <a:latin typeface="微软雅黑" charset="0"/>
-                <a:ea typeface="微软雅黑" charset="0"/>
-                <a:cs typeface="微软雅黑" charset="0"/>
-                <a:sym typeface="Calibri" pitchFamily="34" charset="0"/>
-              </a:rPr>
-              <a:t>，在那里都有记录</a:t>
-            </a:r>
-            <a:r>
-              <a:rPr lang="en-US" altLang="zh-CN" sz="2000" u="none" strike="noStrike" kern="1200" cap="none" spc="0" baseline="0" dirty="0" smtClean="0">
-                <a:solidFill>
-                  <a:srgbClr val="464563"/>
-                </a:solidFill>
-                <a:latin typeface="微软雅黑" charset="0"/>
-                <a:ea typeface="微软雅黑" charset="0"/>
-                <a:cs typeface="微软雅黑" charset="0"/>
-                <a:sym typeface="Calibri" pitchFamily="34" charset="0"/>
-              </a:rPr>
-              <a:t>(state)</a:t>
-            </a:r>
-            <a:endParaRPr lang="zh-CN" altLang="en-US" sz="2000" u="none" strike="noStrike" kern="1200" cap="none" spc="0" baseline="0" dirty="0">
+              <a:t>state</a:t>
+            </a:r>
+            <a:endParaRPr lang="zh-CN" altLang="en-US" sz="2000" dirty="0">
               <a:solidFill>
                 <a:srgbClr val="464563"/>
               </a:solidFill>
@@ -19280,7 +18258,7 @@
   <p:timing>
     <p:tnLst>
       <p:par>
-        <p:cTn xmlns:p14="http://schemas.microsoft.com/office/powerpoint/2010/main" id="1" dur="indefinite" restart="never" nodeType="tmRoot">
+        <p:cTn id="1" dur="indefinite" restart="never" nodeType="tmRoot">
           <p:childTnLst>
             <p:seq concurrent="1" nextAc="seek">
               <p:cTn id="2" dur="indefinite" nodeType="mainSeq">
@@ -19479,188 +18457,6 @@
                       </p:childTnLst>
                     </p:cTn>
                   </p:par>
-                  <p:par>
-                    <p:cTn id="15" fill="hold">
-                      <p:stCondLst>
-                        <p:cond delay="indefinite"/>
-                      </p:stCondLst>
-                      <p:childTnLst>
-                        <p:par>
-                          <p:cTn id="16" fill="hold">
-                            <p:stCondLst>
-                              <p:cond delay="0"/>
-                            </p:stCondLst>
-                            <p:childTnLst>
-                              <p:par>
-                                <p:cTn id="17" presetID="2" presetClass="entr" presetSubtype="4" fill="hold" grpId="0" nodeType="clickEffect">
-                                  <p:stCondLst>
-                                    <p:cond delay="0"/>
-                                  </p:stCondLst>
-                                  <p:childTnLst>
-                                    <p:set>
-                                      <p:cBhvr>
-                                        <p:cTn id="18" dur="1" fill="hold">
-                                          <p:stCondLst>
-                                            <p:cond delay="0"/>
-                                          </p:stCondLst>
-                                        </p:cTn>
-                                        <p:tgtEl>
-                                          <p:spTgt spid="16"/>
-                                        </p:tgtEl>
-                                        <p:attrNameLst>
-                                          <p:attrName>style.visibility</p:attrName>
-                                        </p:attrNameLst>
-                                      </p:cBhvr>
-                                      <p:to>
-                                        <p:strVal val="visible"/>
-                                      </p:to>
-                                    </p:set>
-                                    <p:anim calcmode="lin" valueType="num">
-                                      <p:cBhvr additive="base">
-                                        <p:cTn id="19" dur="500" fill="hold"/>
-                                        <p:tgtEl>
-                                          <p:spTgt spid="16"/>
-                                        </p:tgtEl>
-                                        <p:attrNameLst>
-                                          <p:attrName>ppt_x</p:attrName>
-                                        </p:attrNameLst>
-                                      </p:cBhvr>
-                                      <p:tavLst>
-                                        <p:tav tm="0">
-                                          <p:val>
-                                            <p:strVal val="#ppt_x"/>
-                                          </p:val>
-                                        </p:tav>
-                                        <p:tav tm="100000">
-                                          <p:val>
-                                            <p:strVal val="#ppt_x"/>
-                                          </p:val>
-                                        </p:tav>
-                                      </p:tavLst>
-                                    </p:anim>
-                                    <p:anim calcmode="lin" valueType="num">
-                                      <p:cBhvr additive="base">
-                                        <p:cTn id="20" dur="500" fill="hold"/>
-                                        <p:tgtEl>
-                                          <p:spTgt spid="16"/>
-                                        </p:tgtEl>
-                                        <p:attrNameLst>
-                                          <p:attrName>ppt_y</p:attrName>
-                                        </p:attrNameLst>
-                                      </p:cBhvr>
-                                      <p:tavLst>
-                                        <p:tav tm="0">
-                                          <p:val>
-                                            <p:strVal val="1+#ppt_h/2"/>
-                                          </p:val>
-                                        </p:tav>
-                                        <p:tav tm="100000">
-                                          <p:val>
-                                            <p:strVal val="#ppt_y"/>
-                                          </p:val>
-                                        </p:tav>
-                                      </p:tavLst>
-                                    </p:anim>
-                                  </p:childTnLst>
-                                </p:cTn>
-                              </p:par>
-                            </p:childTnLst>
-                          </p:cTn>
-                        </p:par>
-                      </p:childTnLst>
-                    </p:cTn>
-                  </p:par>
-                  <p:par>
-                    <p:cTn id="21" fill="hold">
-                      <p:stCondLst>
-                        <p:cond delay="indefinite"/>
-                      </p:stCondLst>
-                      <p:childTnLst>
-                        <p:par>
-                          <p:cTn id="22" fill="hold">
-                            <p:stCondLst>
-                              <p:cond delay="0"/>
-                            </p:stCondLst>
-                            <p:childTnLst>
-                              <p:par>
-                                <p:cTn id="23" presetID="2" presetClass="entr" presetSubtype="4" fill="hold" grpId="0" nodeType="clickEffect">
-                                  <p:stCondLst>
-                                    <p:cond delay="0"/>
-                                  </p:stCondLst>
-                                  <p:childTnLst>
-                                    <p:set>
-                                      <p:cBhvr>
-                                        <p:cTn id="24" dur="1" fill="hold">
-                                          <p:stCondLst>
-                                            <p:cond delay="0"/>
-                                          </p:stCondLst>
-                                        </p:cTn>
-                                        <p:tgtEl>
-                                          <p:spTgt spid="7"/>
-                                        </p:tgtEl>
-                                        <p:attrNameLst>
-                                          <p:attrName>style.visibility</p:attrName>
-                                        </p:attrNameLst>
-                                      </p:cBhvr>
-                                      <p:to>
-                                        <p:strVal val="visible"/>
-                                      </p:to>
-                                    </p:set>
-                                    <p:anim calcmode="lin" valueType="num">
-                                      <p:cBhvr additive="base">
-                                        <p:cTn id="25" dur="500" fill="hold"/>
-                                        <p:tgtEl>
-                                          <p:spTgt spid="7"/>
-                                        </p:tgtEl>
-                                        <p:attrNameLst>
-                                          <p:attrName>ppt_x</p:attrName>
-                                        </p:attrNameLst>
-                                      </p:cBhvr>
-                                      <p:tavLst>
-                                        <p:tav tm="0">
-                                          <p:val>
-                                            <p:strVal val="#ppt_x"/>
-                                          </p:val>
-                                        </p:tav>
-                                        <p:tav tm="100000">
-                                          <p:val>
-                                            <p:strVal val="#ppt_x"/>
-                                          </p:val>
-                                        </p:tav>
-                                      </p:tavLst>
-                                    </p:anim>
-                                    <p:anim calcmode="lin" valueType="num">
-                                      <p:cBhvr additive="base">
-                                        <p:cTn id="26" dur="500" fill="hold"/>
-                                        <p:tgtEl>
-                                          <p:spTgt spid="7"/>
-                                        </p:tgtEl>
-                                        <p:attrNameLst>
-                                          <p:attrName>ppt_y</p:attrName>
-                                        </p:attrNameLst>
-                                      </p:cBhvr>
-                                      <p:tavLst>
-                                        <p:tav tm="0">
-                                          <p:val>
-                                            <p:strVal val="1+#ppt_h/2"/>
-                                          </p:val>
-                                        </p:tav>
-                                        <p:tav tm="100000">
-                                          <p:val>
-                                            <p:strVal val="#ppt_y"/>
-                                          </p:val>
-                                        </p:tav>
-                                      </p:tavLst>
-                                    </p:anim>
-                                  </p:childTnLst>
-                                </p:cTn>
-                              </p:par>
-                            </p:childTnLst>
-                          </p:cTn>
-                        </p:par>
-                      </p:childTnLst>
-                    </p:cTn>
-                  </p:par>
                 </p:childTnLst>
               </p:cTn>
               <p:prevCondLst>
@@ -19683,8 +18479,6 @@
       </p:par>
     </p:tnLst>
     <p:bldLst>
-      <p:bldP spid="16" grpId="0"/>
-      <p:bldP spid="7" grpId="0"/>
       <p:bldP spid="8" grpId="0"/>
     </p:bldLst>
   </p:timing>
@@ -19743,7 +18537,7 @@
           <a:p>
             <a:pPr marL="0" indent="0" algn="l">
               <a:lnSpc>
-                <a:spcPct val="100000"/>
+                <a:spcPct val="150000"/>
               </a:lnSpc>
               <a:spcBef>
                 <a:spcPct val="20000"/>
@@ -19784,7 +18578,7 @@
         <p:spPr>
           <a:xfrm>
             <a:off x="3340151" y="497054"/>
-            <a:ext cx="3659976" cy="553998"/>
+            <a:ext cx="3647152" cy="784830"/>
           </a:xfrm>
           <a:prstGeom prst="rect">
             <a:avLst/>
@@ -19805,6 +18599,11 @@
           </a:bodyPr>
           <a:lstStyle/>
           <a:p>
+            <a:pPr>
+              <a:lnSpc>
+                <a:spcPct val="150000"/>
+              </a:lnSpc>
+            </a:pPr>
             <a:r>
               <a:rPr lang="zh-CN" altLang="en-US" sz="3000" b="1" kern="0" dirty="0" smtClean="0">
                 <a:solidFill>
@@ -19830,7 +18629,7 @@
       </p:sp>
       <p:sp>
         <p:nvSpPr>
-          <p:cNvPr id="7" name="矩形"/>
+          <p:cNvPr id="8" name="矩形"/>
           <p:cNvSpPr>
             <a:spLocks/>
           </p:cNvSpPr>
@@ -19838,8 +18637,8 @@
         </p:nvSpPr>
         <p:spPr>
           <a:xfrm>
-            <a:off x="683568" y="3003798"/>
-            <a:ext cx="8565279" cy="400110"/>
+            <a:off x="395536" y="2211709"/>
+            <a:ext cx="8565279" cy="1938992"/>
           </a:xfrm>
           <a:prstGeom prst="rect">
             <a:avLst/>
@@ -19860,16 +18659,10 @@
           </a:bodyPr>
           <a:lstStyle/>
           <a:p>
-            <a:pPr marL="800100" lvl="1" indent="-342900" algn="l">
+            <a:pPr marL="800100" lvl="1" indent="-342900">
               <a:lnSpc>
-                <a:spcPct val="100000"/>
+                <a:spcPct val="150000"/>
               </a:lnSpc>
-              <a:spcBef>
-                <a:spcPts val="0"/>
-              </a:spcBef>
-              <a:spcAft>
-                <a:spcPts val="0"/>
-              </a:spcAft>
               <a:buFont typeface="Wingdings" panose="05000000000000000000" pitchFamily="2" charset="2"/>
               <a:buChar char="u"/>
             </a:pPr>
@@ -19883,7 +18676,7 @@
                 <a:cs typeface="微软雅黑" charset="0"/>
                 <a:sym typeface="Calibri" pitchFamily="34" charset="0"/>
               </a:rPr>
-              <a:t>需要状态变更</a:t>
+              <a:t>首先通过</a:t>
             </a:r>
             <a:r>
               <a:rPr lang="en-US" altLang="zh-CN" sz="2000" u="none" strike="noStrike" kern="1200" cap="none" spc="0" baseline="0" dirty="0" smtClean="0">
@@ -19895,10 +18688,10 @@
                 <a:cs typeface="微软雅黑" charset="0"/>
                 <a:sym typeface="Calibri" pitchFamily="34" charset="0"/>
               </a:rPr>
-              <a:t>,</a:t>
-            </a:r>
-            <a:r>
-              <a:rPr lang="en-US" altLang="zh-CN" sz="2000" u="none" strike="noStrike" kern="1200" cap="none" spc="0" baseline="0" dirty="0" err="1" smtClean="0">
+              <a:t>reducer</a:t>
+            </a:r>
+            <a:r>
+              <a:rPr lang="zh-CN" altLang="en-US" sz="2000" u="none" strike="noStrike" kern="1200" cap="none" spc="0" baseline="0" dirty="0" smtClean="0">
                 <a:solidFill>
                   <a:srgbClr val="464563"/>
                 </a:solidFill>
@@ -19907,7 +18700,19 @@
                 <a:cs typeface="微软雅黑" charset="0"/>
                 <a:sym typeface="Calibri" pitchFamily="34" charset="0"/>
               </a:rPr>
-              <a:t>store.dispatch</a:t>
+              <a:t>新建</a:t>
+            </a:r>
+            <a:r>
+              <a:rPr lang="en-US" altLang="zh-CN" sz="2000" u="none" strike="noStrike" kern="1200" cap="none" spc="0" baseline="0" dirty="0" smtClean="0">
+                <a:solidFill>
+                  <a:srgbClr val="464563"/>
+                </a:solidFill>
+                <a:latin typeface="微软雅黑" charset="0"/>
+                <a:ea typeface="微软雅黑" charset="0"/>
+                <a:cs typeface="微软雅黑" charset="0"/>
+                <a:sym typeface="Calibri" pitchFamily="34" charset="0"/>
+              </a:rPr>
+              <a:t>store</a:t>
             </a:r>
             <a:r>
               <a:rPr lang="zh-CN" altLang="en-US" sz="2000" u="none" strike="noStrike" kern="1200" cap="none" spc="0" baseline="0" dirty="0" smtClean="0">
@@ -19919,10 +18724,10 @@
                 <a:cs typeface="微软雅黑" charset="0"/>
                 <a:sym typeface="Calibri" pitchFamily="34" charset="0"/>
               </a:rPr>
-              <a:t>（</a:t>
-            </a:r>
-            <a:r>
-              <a:rPr lang="en-US" altLang="zh-CN" sz="2000" u="none" strike="noStrike" kern="1200" cap="none" spc="0" baseline="0" dirty="0" smtClean="0">
+              <a:t>，随时通过</a:t>
+            </a:r>
+            <a:r>
+              <a:rPr lang="en-US" altLang="zh-CN" sz="2000" dirty="0" err="1" smtClean="0">
                 <a:solidFill>
                   <a:srgbClr val="464563"/>
                 </a:solidFill>
@@ -19931,10 +18736,10 @@
                 <a:cs typeface="微软雅黑" charset="0"/>
                 <a:sym typeface="Calibri" pitchFamily="34" charset="0"/>
               </a:rPr>
-              <a:t>action</a:t>
-            </a:r>
-            <a:r>
-              <a:rPr lang="zh-CN" altLang="en-US" sz="2000" u="none" strike="noStrike" kern="1200" cap="none" spc="0" baseline="0" dirty="0" smtClean="0">
+              <a:t>store.getState</a:t>
+            </a:r>
+            <a:r>
+              <a:rPr lang="zh-CN" altLang="en-US" sz="2000" dirty="0" smtClean="0">
                 <a:solidFill>
                   <a:srgbClr val="464563"/>
                 </a:solidFill>
@@ -19943,9 +18748,21 @@
                 <a:cs typeface="微软雅黑" charset="0"/>
                 <a:sym typeface="Calibri" pitchFamily="34" charset="0"/>
               </a:rPr>
-              <a:t>）来修改状态</a:t>
-            </a:r>
-            <a:endParaRPr lang="zh-CN" altLang="en-US" sz="2000" u="none" strike="noStrike" kern="1200" cap="none" spc="0" baseline="0" dirty="0">
+              <a:t>获取</a:t>
+            </a:r>
+            <a:r>
+              <a:rPr lang="zh-CN" altLang="en-US" sz="2000" dirty="0" smtClean="0">
+                <a:solidFill>
+                  <a:srgbClr val="464563"/>
+                </a:solidFill>
+                <a:latin typeface="微软雅黑" charset="0"/>
+                <a:ea typeface="微软雅黑" charset="0"/>
+                <a:cs typeface="微软雅黑" charset="0"/>
+                <a:sym typeface="Calibri" pitchFamily="34" charset="0"/>
+              </a:rPr>
+              <a:t>状态</a:t>
+            </a:r>
+            <a:endParaRPr lang="en-US" altLang="zh-CN" sz="2000" dirty="0" smtClean="0">
               <a:solidFill>
                 <a:srgbClr val="464563"/>
               </a:solidFill>
@@ -19955,46 +18772,16 @@
               <a:sym typeface="Calibri" pitchFamily="34" charset="0"/>
             </a:endParaRPr>
           </a:p>
-        </p:txBody>
-      </p:sp>
-      <p:sp>
-        <p:nvSpPr>
-          <p:cNvPr id="8" name="矩形"/>
-          <p:cNvSpPr>
-            <a:spLocks/>
-          </p:cNvSpPr>
-          <p:nvPr/>
-        </p:nvSpPr>
-        <p:spPr>
-          <a:xfrm>
-            <a:off x="683568" y="2211710"/>
-            <a:ext cx="8565279" cy="400110"/>
-          </a:xfrm>
-          <a:prstGeom prst="rect">
-            <a:avLst/>
-          </a:prstGeom>
-          <a:noFill/>
-          <a:ln w="9525" cap="flat" cmpd="sng">
-            <a:noFill/>
-            <a:prstDash val="solid"/>
-            <a:miter/>
-          </a:ln>
-        </p:spPr>
-        <p:txBody>
-          <a:bodyPr vert="horz" wrap="square" lIns="91440" tIns="45720" rIns="91440" bIns="45720" anchor="ctr" anchorCtr="0">
-            <a:prstTxWarp prst="textNoShape">
-              <a:avLst/>
-            </a:prstTxWarp>
-            <a:spAutoFit/>
-          </a:bodyPr>
-          <a:lstStyle/>
           <a:p>
             <a:pPr marL="800100" lvl="1" indent="-342900">
+              <a:lnSpc>
+                <a:spcPct val="150000"/>
+              </a:lnSpc>
               <a:buFont typeface="Wingdings" panose="05000000000000000000" pitchFamily="2" charset="2"/>
               <a:buChar char="u"/>
             </a:pPr>
             <a:r>
-              <a:rPr lang="zh-CN" altLang="en-US" sz="2000" u="none" strike="noStrike" kern="1200" cap="none" spc="0" baseline="0" dirty="0" smtClean="0">
+              <a:rPr lang="zh-CN" altLang="en-US" sz="2000" dirty="0">
                 <a:solidFill>
                   <a:srgbClr val="464563"/>
                 </a:solidFill>
@@ -20003,10 +18790,10 @@
                 <a:cs typeface="微软雅黑" charset="0"/>
                 <a:sym typeface="Calibri" pitchFamily="34" charset="0"/>
               </a:rPr>
-              <a:t>首先通过</a:t>
-            </a:r>
-            <a:r>
-              <a:rPr lang="en-US" altLang="zh-CN" sz="2000" u="none" strike="noStrike" kern="1200" cap="none" spc="0" baseline="0" dirty="0" smtClean="0">
+              <a:t>需要状态变更</a:t>
+            </a:r>
+            <a:r>
+              <a:rPr lang="en-US" altLang="zh-CN" sz="2000" dirty="0">
                 <a:solidFill>
                   <a:srgbClr val="464563"/>
                 </a:solidFill>
@@ -20015,10 +18802,10 @@
                 <a:cs typeface="微软雅黑" charset="0"/>
                 <a:sym typeface="Calibri" pitchFamily="34" charset="0"/>
               </a:rPr>
-              <a:t>reducer</a:t>
-            </a:r>
-            <a:r>
-              <a:rPr lang="zh-CN" altLang="en-US" sz="2000" u="none" strike="noStrike" kern="1200" cap="none" spc="0" baseline="0" dirty="0" smtClean="0">
+              <a:t>,</a:t>
+            </a:r>
+            <a:r>
+              <a:rPr lang="en-US" altLang="zh-CN" sz="2000" dirty="0" err="1">
                 <a:solidFill>
                   <a:srgbClr val="464563"/>
                 </a:solidFill>
@@ -20027,10 +18814,10 @@
                 <a:cs typeface="微软雅黑" charset="0"/>
                 <a:sym typeface="Calibri" pitchFamily="34" charset="0"/>
               </a:rPr>
-              <a:t>新建</a:t>
-            </a:r>
-            <a:r>
-              <a:rPr lang="en-US" altLang="zh-CN" sz="2000" u="none" strike="noStrike" kern="1200" cap="none" spc="0" baseline="0" dirty="0" smtClean="0">
+              <a:t>store.dispatch</a:t>
+            </a:r>
+            <a:r>
+              <a:rPr lang="zh-CN" altLang="en-US" sz="2000" dirty="0">
                 <a:solidFill>
                   <a:srgbClr val="464563"/>
                 </a:solidFill>
@@ -20039,10 +18826,10 @@
                 <a:cs typeface="微软雅黑" charset="0"/>
                 <a:sym typeface="Calibri" pitchFamily="34" charset="0"/>
               </a:rPr>
-              <a:t>store</a:t>
-            </a:r>
-            <a:r>
-              <a:rPr lang="zh-CN" altLang="en-US" sz="2000" u="none" strike="noStrike" kern="1200" cap="none" spc="0" baseline="0" dirty="0" smtClean="0">
+              <a:t>（</a:t>
+            </a:r>
+            <a:r>
+              <a:rPr lang="en-US" altLang="zh-CN" sz="2000" dirty="0">
                 <a:solidFill>
                   <a:srgbClr val="464563"/>
                 </a:solidFill>
@@ -20051,10 +18838,10 @@
                 <a:cs typeface="微软雅黑" charset="0"/>
                 <a:sym typeface="Calibri" pitchFamily="34" charset="0"/>
               </a:rPr>
-              <a:t>，随时通过</a:t>
-            </a:r>
-            <a:r>
-              <a:rPr lang="en-US" altLang="zh-CN" sz="2000" dirty="0" err="1" smtClean="0">
+              <a:t>action</a:t>
+            </a:r>
+            <a:r>
+              <a:rPr lang="zh-CN" altLang="en-US" sz="2000" dirty="0">
                 <a:solidFill>
                   <a:srgbClr val="464563"/>
                 </a:solidFill>
@@ -20063,7 +18850,7 @@
                 <a:cs typeface="微软雅黑" charset="0"/>
                 <a:sym typeface="Calibri" pitchFamily="34" charset="0"/>
               </a:rPr>
-              <a:t>store.getState</a:t>
+              <a:t>）来修改</a:t>
             </a:r>
             <a:r>
               <a:rPr lang="zh-CN" altLang="en-US" sz="2000" dirty="0" smtClean="0">
@@ -20075,9 +18862,9 @@
                 <a:cs typeface="微软雅黑" charset="0"/>
                 <a:sym typeface="Calibri" pitchFamily="34" charset="0"/>
               </a:rPr>
-              <a:t>获取状态</a:t>
-            </a:r>
-            <a:endParaRPr lang="zh-CN" altLang="en-US" sz="2000" u="none" strike="noStrike" kern="1200" cap="none" spc="0" baseline="0" dirty="0">
+              <a:t>状态</a:t>
+            </a:r>
+            <a:endParaRPr lang="en-US" altLang="zh-CN" sz="2000" dirty="0" smtClean="0">
               <a:solidFill>
                 <a:srgbClr val="464563"/>
               </a:solidFill>
@@ -20087,46 +18874,16 @@
               <a:sym typeface="Calibri" pitchFamily="34" charset="0"/>
             </a:endParaRPr>
           </a:p>
-        </p:txBody>
-      </p:sp>
-      <p:sp>
-        <p:nvSpPr>
-          <p:cNvPr id="9" name="矩形"/>
-          <p:cNvSpPr>
-            <a:spLocks/>
-          </p:cNvSpPr>
-          <p:nvPr/>
-        </p:nvSpPr>
-        <p:spPr>
-          <a:xfrm>
-            <a:off x="683568" y="3714006"/>
-            <a:ext cx="8565279" cy="707886"/>
-          </a:xfrm>
-          <a:prstGeom prst="rect">
-            <a:avLst/>
-          </a:prstGeom>
-          <a:noFill/>
-          <a:ln w="9525" cap="flat" cmpd="sng">
-            <a:noFill/>
-            <a:prstDash val="solid"/>
-            <a:miter/>
-          </a:ln>
-        </p:spPr>
-        <p:txBody>
-          <a:bodyPr vert="horz" wrap="square" lIns="91440" tIns="45720" rIns="91440" bIns="45720" anchor="ctr" anchorCtr="0">
-            <a:prstTxWarp prst="textNoShape">
-              <a:avLst/>
-            </a:prstTxWarp>
-            <a:spAutoFit/>
-          </a:bodyPr>
-          <a:lstStyle/>
           <a:p>
             <a:pPr marL="800100" lvl="1" indent="-342900">
+              <a:lnSpc>
+                <a:spcPct val="150000"/>
+              </a:lnSpc>
               <a:buFont typeface="Wingdings" panose="05000000000000000000" pitchFamily="2" charset="2"/>
               <a:buChar char="u"/>
             </a:pPr>
             <a:r>
-              <a:rPr lang="en-US" altLang="zh-CN" sz="2000" u="none" strike="noStrike" kern="1200" cap="none" spc="0" baseline="0" dirty="0" smtClean="0">
+              <a:rPr lang="en-US" altLang="zh-CN" sz="2000" dirty="0">
                 <a:solidFill>
                   <a:srgbClr val="464563"/>
                 </a:solidFill>
@@ -20138,7 +18895,7 @@
               <a:t>Reducer</a:t>
             </a:r>
             <a:r>
-              <a:rPr lang="zh-CN" altLang="en-US" sz="2000" u="none" strike="noStrike" kern="1200" cap="none" spc="0" baseline="0" dirty="0" smtClean="0">
+              <a:rPr lang="zh-CN" altLang="en-US" sz="2000" dirty="0">
                 <a:solidFill>
                   <a:srgbClr val="464563"/>
                 </a:solidFill>
@@ -20150,7 +18907,7 @@
               <a:t>函数接受</a:t>
             </a:r>
             <a:r>
-              <a:rPr lang="en-US" altLang="zh-CN" sz="2000" u="none" strike="noStrike" kern="1200" cap="none" spc="0" baseline="0" dirty="0" smtClean="0">
+              <a:rPr lang="en-US" altLang="zh-CN" sz="2000" dirty="0">
                 <a:solidFill>
                   <a:srgbClr val="464563"/>
                 </a:solidFill>
@@ -20162,7 +18919,7 @@
               <a:t>state</a:t>
             </a:r>
             <a:r>
-              <a:rPr lang="zh-CN" altLang="en-US" sz="2000" u="none" strike="noStrike" kern="1200" cap="none" spc="0" baseline="0" dirty="0" smtClean="0">
+              <a:rPr lang="zh-CN" altLang="en-US" sz="2000" dirty="0">
                 <a:solidFill>
                   <a:srgbClr val="464563"/>
                 </a:solidFill>
@@ -20174,7 +18931,7 @@
               <a:t>和</a:t>
             </a:r>
             <a:r>
-              <a:rPr lang="en-US" altLang="zh-CN" sz="2000" u="none" strike="noStrike" kern="1200" cap="none" spc="0" baseline="0" dirty="0" smtClean="0">
+              <a:rPr lang="en-US" altLang="zh-CN" sz="2000" dirty="0">
                 <a:solidFill>
                   <a:srgbClr val="464563"/>
                 </a:solidFill>
@@ -20186,7 +18943,7 @@
               <a:t>action</a:t>
             </a:r>
             <a:r>
-              <a:rPr lang="zh-CN" altLang="en-US" sz="2000" u="none" strike="noStrike" kern="1200" cap="none" spc="0" baseline="0" dirty="0" smtClean="0">
+              <a:rPr lang="zh-CN" altLang="en-US" sz="2000" dirty="0">
                 <a:solidFill>
                   <a:srgbClr val="464563"/>
                 </a:solidFill>
@@ -20198,7 +18955,7 @@
               <a:t>，返回新的</a:t>
             </a:r>
             <a:r>
-              <a:rPr lang="en-US" altLang="zh-CN" sz="2000" u="none" strike="noStrike" kern="1200" cap="none" spc="0" baseline="0" dirty="0" smtClean="0">
+              <a:rPr lang="en-US" altLang="zh-CN" sz="2000" dirty="0">
                 <a:solidFill>
                   <a:srgbClr val="464563"/>
                 </a:solidFill>
@@ -20210,7 +18967,7 @@
               <a:t>state</a:t>
             </a:r>
             <a:r>
-              <a:rPr lang="zh-CN" altLang="en-US" sz="2000" u="none" strike="noStrike" kern="1200" cap="none" spc="0" baseline="0" dirty="0" smtClean="0">
+              <a:rPr lang="zh-CN" altLang="en-US" sz="2000" dirty="0">
                 <a:solidFill>
                   <a:srgbClr val="464563"/>
                 </a:solidFill>
@@ -20222,7 +18979,7 @@
               <a:t> ，可以用</a:t>
             </a:r>
             <a:r>
-              <a:rPr lang="en-US" altLang="zh-CN" sz="2000" u="none" strike="noStrike" kern="1200" cap="none" spc="0" baseline="0" dirty="0" err="1" smtClean="0">
+              <a:rPr lang="en-US" altLang="zh-CN" sz="2000" dirty="0" err="1">
                 <a:solidFill>
                   <a:srgbClr val="464563"/>
                 </a:solidFill>
@@ -20231,10 +18988,10 @@
                 <a:cs typeface="微软雅黑" charset="0"/>
                 <a:sym typeface="Calibri" pitchFamily="34" charset="0"/>
               </a:rPr>
-              <a:t>store.</a:t>
-            </a:r>
-            <a:r>
-              <a:rPr lang="en-US" altLang="zh-CN" sz="2000" dirty="0" err="1" smtClean="0">
+              <a:t>store.subscribe</a:t>
+            </a:r>
+            <a:r>
+              <a:rPr lang="zh-CN" altLang="en-US" sz="2000" dirty="0">
                 <a:solidFill>
                   <a:srgbClr val="464563"/>
                 </a:solidFill>
@@ -20243,7 +19000,7 @@
                 <a:cs typeface="微软雅黑" charset="0"/>
                 <a:sym typeface="Calibri" pitchFamily="34" charset="0"/>
               </a:rPr>
-              <a:t>subscribe</a:t>
+              <a:t>监听每次</a:t>
             </a:r>
             <a:r>
               <a:rPr lang="zh-CN" altLang="en-US" sz="2000" dirty="0" smtClean="0">
@@ -20255,9 +19012,9 @@
                 <a:cs typeface="微软雅黑" charset="0"/>
                 <a:sym typeface="Calibri" pitchFamily="34" charset="0"/>
               </a:rPr>
-              <a:t>监听每次修改</a:t>
-            </a:r>
-            <a:endParaRPr lang="zh-CN" altLang="en-US" sz="2000" u="none" strike="noStrike" kern="1200" cap="none" spc="0" baseline="0" dirty="0">
+              <a:t>修改</a:t>
+            </a:r>
+            <a:endParaRPr lang="zh-CN" altLang="en-US" sz="2000" dirty="0">
               <a:solidFill>
                 <a:srgbClr val="464563"/>
               </a:solidFill>
@@ -20282,7 +19039,7 @@
   <p:timing>
     <p:tnLst>
       <p:par>
-        <p:cTn xmlns:p14="http://schemas.microsoft.com/office/powerpoint/2010/main" id="1" dur="indefinite" restart="never" nodeType="tmRoot">
+        <p:cTn id="1" dur="indefinite" restart="never" nodeType="tmRoot">
           <p:childTnLst>
             <p:seq concurrent="1" nextAc="seek">
               <p:cTn id="2" dur="indefinite" nodeType="mainSeq">
@@ -20481,188 +19238,6 @@
                       </p:childTnLst>
                     </p:cTn>
                   </p:par>
-                  <p:par>
-                    <p:cTn id="15" fill="hold">
-                      <p:stCondLst>
-                        <p:cond delay="indefinite"/>
-                      </p:stCondLst>
-                      <p:childTnLst>
-                        <p:par>
-                          <p:cTn id="16" fill="hold">
-                            <p:stCondLst>
-                              <p:cond delay="0"/>
-                            </p:stCondLst>
-                            <p:childTnLst>
-                              <p:par>
-                                <p:cTn id="17" presetID="2" presetClass="entr" presetSubtype="4" fill="hold" grpId="0" nodeType="clickEffect">
-                                  <p:stCondLst>
-                                    <p:cond delay="0"/>
-                                  </p:stCondLst>
-                                  <p:childTnLst>
-                                    <p:set>
-                                      <p:cBhvr>
-                                        <p:cTn id="18" dur="1" fill="hold">
-                                          <p:stCondLst>
-                                            <p:cond delay="0"/>
-                                          </p:stCondLst>
-                                        </p:cTn>
-                                        <p:tgtEl>
-                                          <p:spTgt spid="7"/>
-                                        </p:tgtEl>
-                                        <p:attrNameLst>
-                                          <p:attrName>style.visibility</p:attrName>
-                                        </p:attrNameLst>
-                                      </p:cBhvr>
-                                      <p:to>
-                                        <p:strVal val="visible"/>
-                                      </p:to>
-                                    </p:set>
-                                    <p:anim calcmode="lin" valueType="num">
-                                      <p:cBhvr additive="base">
-                                        <p:cTn id="19" dur="500" fill="hold"/>
-                                        <p:tgtEl>
-                                          <p:spTgt spid="7"/>
-                                        </p:tgtEl>
-                                        <p:attrNameLst>
-                                          <p:attrName>ppt_x</p:attrName>
-                                        </p:attrNameLst>
-                                      </p:cBhvr>
-                                      <p:tavLst>
-                                        <p:tav tm="0">
-                                          <p:val>
-                                            <p:strVal val="#ppt_x"/>
-                                          </p:val>
-                                        </p:tav>
-                                        <p:tav tm="100000">
-                                          <p:val>
-                                            <p:strVal val="#ppt_x"/>
-                                          </p:val>
-                                        </p:tav>
-                                      </p:tavLst>
-                                    </p:anim>
-                                    <p:anim calcmode="lin" valueType="num">
-                                      <p:cBhvr additive="base">
-                                        <p:cTn id="20" dur="500" fill="hold"/>
-                                        <p:tgtEl>
-                                          <p:spTgt spid="7"/>
-                                        </p:tgtEl>
-                                        <p:attrNameLst>
-                                          <p:attrName>ppt_y</p:attrName>
-                                        </p:attrNameLst>
-                                      </p:cBhvr>
-                                      <p:tavLst>
-                                        <p:tav tm="0">
-                                          <p:val>
-                                            <p:strVal val="1+#ppt_h/2"/>
-                                          </p:val>
-                                        </p:tav>
-                                        <p:tav tm="100000">
-                                          <p:val>
-                                            <p:strVal val="#ppt_y"/>
-                                          </p:val>
-                                        </p:tav>
-                                      </p:tavLst>
-                                    </p:anim>
-                                  </p:childTnLst>
-                                </p:cTn>
-                              </p:par>
-                            </p:childTnLst>
-                          </p:cTn>
-                        </p:par>
-                      </p:childTnLst>
-                    </p:cTn>
-                  </p:par>
-                  <p:par>
-                    <p:cTn id="21" fill="hold">
-                      <p:stCondLst>
-                        <p:cond delay="indefinite"/>
-                      </p:stCondLst>
-                      <p:childTnLst>
-                        <p:par>
-                          <p:cTn id="22" fill="hold">
-                            <p:stCondLst>
-                              <p:cond delay="0"/>
-                            </p:stCondLst>
-                            <p:childTnLst>
-                              <p:par>
-                                <p:cTn id="23" presetID="2" presetClass="entr" presetSubtype="4" fill="hold" grpId="0" nodeType="clickEffect">
-                                  <p:stCondLst>
-                                    <p:cond delay="0"/>
-                                  </p:stCondLst>
-                                  <p:childTnLst>
-                                    <p:set>
-                                      <p:cBhvr>
-                                        <p:cTn id="24" dur="1" fill="hold">
-                                          <p:stCondLst>
-                                            <p:cond delay="0"/>
-                                          </p:stCondLst>
-                                        </p:cTn>
-                                        <p:tgtEl>
-                                          <p:spTgt spid="9"/>
-                                        </p:tgtEl>
-                                        <p:attrNameLst>
-                                          <p:attrName>style.visibility</p:attrName>
-                                        </p:attrNameLst>
-                                      </p:cBhvr>
-                                      <p:to>
-                                        <p:strVal val="visible"/>
-                                      </p:to>
-                                    </p:set>
-                                    <p:anim calcmode="lin" valueType="num">
-                                      <p:cBhvr additive="base">
-                                        <p:cTn id="25" dur="500" fill="hold"/>
-                                        <p:tgtEl>
-                                          <p:spTgt spid="9"/>
-                                        </p:tgtEl>
-                                        <p:attrNameLst>
-                                          <p:attrName>ppt_x</p:attrName>
-                                        </p:attrNameLst>
-                                      </p:cBhvr>
-                                      <p:tavLst>
-                                        <p:tav tm="0">
-                                          <p:val>
-                                            <p:strVal val="#ppt_x"/>
-                                          </p:val>
-                                        </p:tav>
-                                        <p:tav tm="100000">
-                                          <p:val>
-                                            <p:strVal val="#ppt_x"/>
-                                          </p:val>
-                                        </p:tav>
-                                      </p:tavLst>
-                                    </p:anim>
-                                    <p:anim calcmode="lin" valueType="num">
-                                      <p:cBhvr additive="base">
-                                        <p:cTn id="26" dur="500" fill="hold"/>
-                                        <p:tgtEl>
-                                          <p:spTgt spid="9"/>
-                                        </p:tgtEl>
-                                        <p:attrNameLst>
-                                          <p:attrName>ppt_y</p:attrName>
-                                        </p:attrNameLst>
-                                      </p:cBhvr>
-                                      <p:tavLst>
-                                        <p:tav tm="0">
-                                          <p:val>
-                                            <p:strVal val="1+#ppt_h/2"/>
-                                          </p:val>
-                                        </p:tav>
-                                        <p:tav tm="100000">
-                                          <p:val>
-                                            <p:strVal val="#ppt_y"/>
-                                          </p:val>
-                                        </p:tav>
-                                      </p:tavLst>
-                                    </p:anim>
-                                  </p:childTnLst>
-                                </p:cTn>
-                              </p:par>
-                            </p:childTnLst>
-                          </p:cTn>
-                        </p:par>
-                      </p:childTnLst>
-                    </p:cTn>
-                  </p:par>
                 </p:childTnLst>
               </p:cTn>
               <p:prevCondLst>
@@ -20685,9 +19260,7 @@
       </p:par>
     </p:tnLst>
     <p:bldLst>
-      <p:bldP spid="7" grpId="0"/>
       <p:bldP spid="8" grpId="0"/>
-      <p:bldP spid="9" grpId="0"/>
     </p:bldLst>
   </p:timing>
 </p:sld>
@@ -20747,7 +19320,7 @@
   <p:timing>
     <p:tnLst>
       <p:par>
-        <p:cTn xmlns:p14="http://schemas.microsoft.com/office/powerpoint/2010/main" id="1" dur="indefinite" restart="never" nodeType="tmRoot"/>
+        <p:cTn id="1" dur="indefinite" restart="never" nodeType="tmRoot"/>
       </p:par>
     </p:tnLst>
   </p:timing>
@@ -20808,7 +19381,7 @@
   <p:timing>
     <p:tnLst>
       <p:par>
-        <p:cTn xmlns:p14="http://schemas.microsoft.com/office/powerpoint/2010/main" id="1" dur="indefinite" restart="never" nodeType="tmRoot"/>
+        <p:cTn id="1" dur="indefinite" restart="never" nodeType="tmRoot"/>
       </p:par>
     </p:tnLst>
   </p:timing>
@@ -20991,7 +19564,7 @@
       </p:sp>
       <p:sp>
         <p:nvSpPr>
-          <p:cNvPr id="7" name="矩形"/>
+          <p:cNvPr id="8" name="矩形"/>
           <p:cNvSpPr>
             <a:spLocks/>
           </p:cNvSpPr>
@@ -20999,8 +19572,8 @@
         </p:nvSpPr>
         <p:spPr>
           <a:xfrm>
-            <a:off x="683568" y="4011910"/>
-            <a:ext cx="8565279" cy="400110"/>
+            <a:off x="683568" y="2119958"/>
+            <a:ext cx="8565279" cy="1015663"/>
           </a:xfrm>
           <a:prstGeom prst="rect">
             <a:avLst/>
@@ -21026,6 +19599,18 @@
               <a:buChar char="u"/>
             </a:pPr>
             <a:r>
+              <a:rPr lang="zh-CN" altLang="en-US" sz="2000" u="none" strike="noStrike" kern="1200" cap="none" spc="0" baseline="0" dirty="0" smtClean="0">
+                <a:solidFill>
+                  <a:srgbClr val="464563"/>
+                </a:solidFill>
+                <a:latin typeface="微软雅黑" charset="0"/>
+                <a:ea typeface="微软雅黑" charset="0"/>
+                <a:cs typeface="微软雅黑" charset="0"/>
+                <a:sym typeface="Calibri" pitchFamily="34" charset="0"/>
+              </a:rPr>
+              <a:t>把</a:t>
+            </a:r>
+            <a:r>
               <a:rPr lang="en-US" altLang="zh-CN" sz="2000" u="none" strike="noStrike" kern="1200" cap="none" spc="0" baseline="0" dirty="0" err="1" smtClean="0">
                 <a:solidFill>
                   <a:srgbClr val="464563"/>
@@ -21035,10 +19620,10 @@
                 <a:cs typeface="微软雅黑" charset="0"/>
                 <a:sym typeface="Calibri" pitchFamily="34" charset="0"/>
               </a:rPr>
-              <a:t>Redux</a:t>
-            </a:r>
-            <a:r>
-              <a:rPr lang="zh-CN" altLang="en-US" sz="2000" dirty="0" smtClean="0">
+              <a:t>store.dispatch</a:t>
+            </a:r>
+            <a:r>
+              <a:rPr lang="zh-CN" altLang="en-US" sz="2000" u="none" strike="noStrike" kern="1200" cap="none" spc="0" baseline="0" dirty="0" smtClean="0">
                 <a:solidFill>
                   <a:srgbClr val="464563"/>
                 </a:solidFill>
@@ -21047,10 +19632,10 @@
                 <a:cs typeface="微软雅黑" charset="0"/>
                 <a:sym typeface="Calibri" pitchFamily="34" charset="0"/>
               </a:rPr>
-              <a:t>相关内容，移到单独的文件</a:t>
-            </a:r>
-            <a:r>
-              <a:rPr lang="zh-CN" altLang="zh-CN" sz="2000" dirty="0" smtClean="0">
+              <a:t>方法传递给组件，内部可以调用修改</a:t>
+            </a:r>
+            <a:r>
+              <a:rPr lang="zh-CN" altLang="en-US" sz="2000" u="none" strike="noStrike" kern="1200" cap="none" spc="0" baseline="0" dirty="0" smtClean="0">
                 <a:solidFill>
                   <a:srgbClr val="464563"/>
                 </a:solidFill>
@@ -21059,33 +19644,9 @@
                 <a:cs typeface="微软雅黑" charset="0"/>
                 <a:sym typeface="Calibri" pitchFamily="34" charset="0"/>
               </a:rPr>
-              <a:t>i</a:t>
-            </a:r>
-            <a:r>
-              <a:rPr lang="en-US" altLang="zh-CN" sz="2000" dirty="0" err="1" smtClean="0">
-                <a:solidFill>
-                  <a:srgbClr val="464563"/>
-                </a:solidFill>
-                <a:latin typeface="微软雅黑" charset="0"/>
-                <a:ea typeface="微软雅黑" charset="0"/>
-                <a:cs typeface="微软雅黑" charset="0"/>
-                <a:sym typeface="Calibri" pitchFamily="34" charset="0"/>
-              </a:rPr>
-              <a:t>ndex.redux.js</a:t>
-            </a:r>
-            <a:r>
-              <a:rPr lang="zh-CN" altLang="en-US" sz="2000" dirty="0" smtClean="0">
-                <a:solidFill>
-                  <a:srgbClr val="464563"/>
-                </a:solidFill>
-                <a:latin typeface="微软雅黑" charset="0"/>
-                <a:ea typeface="微软雅黑" charset="0"/>
-                <a:cs typeface="微软雅黑" charset="0"/>
-                <a:sym typeface="Calibri" pitchFamily="34" charset="0"/>
-              </a:rPr>
-              <a:t> 单独管理</a:t>
-            </a:r>
-            <a:endParaRPr lang="zh-CN" altLang="en-US" sz="2000" u="none" strike="noStrike" kern="1200" cap="none" spc="0" baseline="0" dirty="0">
+              <a:t>状态</a:t>
+            </a:r>
+            <a:endParaRPr lang="en-US" altLang="zh-CN" sz="2000" u="none" strike="noStrike" kern="1200" cap="none" spc="0" baseline="0" dirty="0" smtClean="0">
               <a:solidFill>
                 <a:srgbClr val="464563"/>
               </a:solidFill>
@@ -21095,46 +19656,13 @@
               <a:sym typeface="Calibri" pitchFamily="34" charset="0"/>
             </a:endParaRPr>
           </a:p>
-        </p:txBody>
-      </p:sp>
-      <p:sp>
-        <p:nvSpPr>
-          <p:cNvPr id="8" name="矩形"/>
-          <p:cNvSpPr>
-            <a:spLocks/>
-          </p:cNvSpPr>
-          <p:nvPr/>
-        </p:nvSpPr>
-        <p:spPr>
-          <a:xfrm>
-            <a:off x="683568" y="2427734"/>
-            <a:ext cx="8565279" cy="400110"/>
-          </a:xfrm>
-          <a:prstGeom prst="rect">
-            <a:avLst/>
-          </a:prstGeom>
-          <a:noFill/>
-          <a:ln w="9525" cap="flat" cmpd="sng">
-            <a:noFill/>
-            <a:prstDash val="solid"/>
-            <a:miter/>
-          </a:ln>
-        </p:spPr>
-        <p:txBody>
-          <a:bodyPr vert="horz" wrap="square" lIns="91440" tIns="45720" rIns="91440" bIns="45720" anchor="ctr" anchorCtr="0">
-            <a:prstTxWarp prst="textNoShape">
-              <a:avLst/>
-            </a:prstTxWarp>
-            <a:spAutoFit/>
-          </a:bodyPr>
-          <a:lstStyle/>
           <a:p>
             <a:pPr marL="800100" lvl="1" indent="-342900">
               <a:buFont typeface="Wingdings" panose="05000000000000000000" pitchFamily="2" charset="2"/>
               <a:buChar char="u"/>
             </a:pPr>
             <a:r>
-              <a:rPr lang="zh-CN" altLang="en-US" sz="2000" u="none" strike="noStrike" kern="1200" cap="none" spc="0" baseline="0" dirty="0" smtClean="0">
+              <a:rPr lang="en-US" altLang="zh-CN" sz="2000" dirty="0">
                 <a:solidFill>
                   <a:srgbClr val="464563"/>
                 </a:solidFill>
@@ -21143,10 +19671,10 @@
                 <a:cs typeface="微软雅黑" charset="0"/>
                 <a:sym typeface="Calibri" pitchFamily="34" charset="0"/>
               </a:rPr>
-              <a:t>把</a:t>
-            </a:r>
-            <a:r>
-              <a:rPr lang="en-US" altLang="zh-CN" sz="2000" u="none" strike="noStrike" kern="1200" cap="none" spc="0" baseline="0" dirty="0" err="1" smtClean="0">
+              <a:t>Subscribe</a:t>
+            </a:r>
+            <a:r>
+              <a:rPr lang="zh-CN" altLang="en-US" sz="2000" dirty="0">
                 <a:solidFill>
                   <a:srgbClr val="464563"/>
                 </a:solidFill>
@@ -21155,10 +19683,10 @@
                 <a:cs typeface="微软雅黑" charset="0"/>
                 <a:sym typeface="Calibri" pitchFamily="34" charset="0"/>
               </a:rPr>
-              <a:t>store.dispatch</a:t>
-            </a:r>
-            <a:r>
-              <a:rPr lang="zh-CN" altLang="en-US" sz="2000" u="none" strike="noStrike" kern="1200" cap="none" spc="0" baseline="0" dirty="0" smtClean="0">
+              <a:t>订阅</a:t>
+            </a:r>
+            <a:r>
+              <a:rPr lang="en-US" altLang="zh-CN" sz="2000" dirty="0">
                 <a:solidFill>
                   <a:srgbClr val="464563"/>
                 </a:solidFill>
@@ -21167,58 +19695,28 @@
                 <a:cs typeface="微软雅黑" charset="0"/>
                 <a:sym typeface="Calibri" pitchFamily="34" charset="0"/>
               </a:rPr>
-              <a:t>方法传递给组件，内部可以调用修改状态</a:t>
-            </a:r>
-            <a:endParaRPr lang="zh-CN" altLang="en-US" sz="2000" u="none" strike="noStrike" kern="1200" cap="none" spc="0" baseline="0" dirty="0">
-              <a:solidFill>
-                <a:srgbClr val="464563"/>
-              </a:solidFill>
-              <a:latin typeface="微软雅黑" charset="0"/>
-              <a:ea typeface="微软雅黑" charset="0"/>
-              <a:cs typeface="微软雅黑" charset="0"/>
-              <a:sym typeface="Calibri" pitchFamily="34" charset="0"/>
-            </a:endParaRPr>
-          </a:p>
-        </p:txBody>
-      </p:sp>
-      <p:sp>
-        <p:nvSpPr>
-          <p:cNvPr id="10" name="矩形"/>
-          <p:cNvSpPr>
-            <a:spLocks/>
-          </p:cNvSpPr>
-          <p:nvPr/>
-        </p:nvSpPr>
-        <p:spPr>
-          <a:xfrm>
-            <a:off x="683568" y="3219822"/>
-            <a:ext cx="8565279" cy="400110"/>
-          </a:xfrm>
-          <a:prstGeom prst="rect">
-            <a:avLst/>
-          </a:prstGeom>
-          <a:noFill/>
-          <a:ln w="9525" cap="flat" cmpd="sng">
-            <a:noFill/>
-            <a:prstDash val="solid"/>
-            <a:miter/>
-          </a:ln>
-        </p:spPr>
-        <p:txBody>
-          <a:bodyPr vert="horz" wrap="square" lIns="91440" tIns="45720" rIns="91440" bIns="45720" anchor="ctr" anchorCtr="0">
-            <a:prstTxWarp prst="textNoShape">
-              <a:avLst/>
-            </a:prstTxWarp>
-            <a:spAutoFit/>
-          </a:bodyPr>
-          <a:lstStyle/>
+              <a:t>render</a:t>
+            </a:r>
+            <a:r>
+              <a:rPr lang="zh-CN" altLang="en-US" sz="2000" dirty="0">
+                <a:solidFill>
+                  <a:srgbClr val="464563"/>
+                </a:solidFill>
+                <a:latin typeface="微软雅黑" charset="0"/>
+                <a:ea typeface="微软雅黑" charset="0"/>
+                <a:cs typeface="微软雅黑" charset="0"/>
+                <a:sym typeface="Calibri" pitchFamily="34" charset="0"/>
+              </a:rPr>
+              <a:t>函数，每次修改都重新渲染</a:t>
+            </a:r>
+          </a:p>
           <a:p>
             <a:pPr marL="800100" lvl="1" indent="-342900">
               <a:buFont typeface="Wingdings" panose="05000000000000000000" pitchFamily="2" charset="2"/>
               <a:buChar char="u"/>
             </a:pPr>
             <a:r>
-              <a:rPr lang="en-US" altLang="zh-CN" sz="2000" dirty="0" smtClean="0">
+              <a:rPr lang="en-US" altLang="zh-CN" sz="2000" dirty="0">
                 <a:solidFill>
                   <a:srgbClr val="464563"/>
                 </a:solidFill>
@@ -21227,7 +19725,55 @@
                 <a:cs typeface="微软雅黑" charset="0"/>
                 <a:sym typeface="Calibri" pitchFamily="34" charset="0"/>
               </a:rPr>
-              <a:t>Subscribe</a:t>
+              <a:t>Redux</a:t>
+            </a:r>
+            <a:r>
+              <a:rPr lang="zh-CN" altLang="en-US" sz="2000" dirty="0">
+                <a:solidFill>
+                  <a:srgbClr val="464563"/>
+                </a:solidFill>
+                <a:latin typeface="微软雅黑" charset="0"/>
+                <a:ea typeface="微软雅黑" charset="0"/>
+                <a:cs typeface="微软雅黑" charset="0"/>
+                <a:sym typeface="Calibri" pitchFamily="34" charset="0"/>
+              </a:rPr>
+              <a:t>相关内容，移到单独的文件</a:t>
+            </a:r>
+            <a:r>
+              <a:rPr lang="zh-CN" altLang="zh-CN" sz="2000" dirty="0">
+                <a:solidFill>
+                  <a:srgbClr val="464563"/>
+                </a:solidFill>
+                <a:latin typeface="微软雅黑" charset="0"/>
+                <a:ea typeface="微软雅黑" charset="0"/>
+                <a:cs typeface="微软雅黑" charset="0"/>
+                <a:sym typeface="Calibri" pitchFamily="34" charset="0"/>
+              </a:rPr>
+              <a:t>i</a:t>
+            </a:r>
+            <a:r>
+              <a:rPr lang="en-US" altLang="zh-CN" sz="2000" dirty="0">
+                <a:solidFill>
+                  <a:srgbClr val="464563"/>
+                </a:solidFill>
+                <a:latin typeface="微软雅黑" charset="0"/>
+                <a:ea typeface="微软雅黑" charset="0"/>
+                <a:cs typeface="微软雅黑" charset="0"/>
+                <a:sym typeface="Calibri" pitchFamily="34" charset="0"/>
+              </a:rPr>
+              <a:t>ndex.redux.js</a:t>
+            </a:r>
+            <a:r>
+              <a:rPr lang="zh-CN" altLang="en-US" sz="2000" dirty="0">
+                <a:solidFill>
+                  <a:srgbClr val="464563"/>
+                </a:solidFill>
+                <a:latin typeface="微软雅黑" charset="0"/>
+                <a:ea typeface="微软雅黑" charset="0"/>
+                <a:cs typeface="微软雅黑" charset="0"/>
+                <a:sym typeface="Calibri" pitchFamily="34" charset="0"/>
+              </a:rPr>
+              <a:t> 单独</a:t>
             </a:r>
             <a:r>
               <a:rPr lang="zh-CN" altLang="en-US" sz="2000" dirty="0" smtClean="0">
@@ -21239,33 +19785,9 @@
                 <a:cs typeface="微软雅黑" charset="0"/>
                 <a:sym typeface="Calibri" pitchFamily="34" charset="0"/>
               </a:rPr>
-              <a:t>订阅</a:t>
-            </a:r>
-            <a:r>
-              <a:rPr lang="en-US" altLang="zh-CN" sz="2000" dirty="0" smtClean="0">
-                <a:solidFill>
-                  <a:srgbClr val="464563"/>
-                </a:solidFill>
-                <a:latin typeface="微软雅黑" charset="0"/>
-                <a:ea typeface="微软雅黑" charset="0"/>
-                <a:cs typeface="微软雅黑" charset="0"/>
-                <a:sym typeface="Calibri" pitchFamily="34" charset="0"/>
-              </a:rPr>
-              <a:t>render</a:t>
-            </a:r>
-            <a:r>
-              <a:rPr lang="zh-CN" altLang="en-US" sz="2000" dirty="0" smtClean="0">
-                <a:solidFill>
-                  <a:srgbClr val="464563"/>
-                </a:solidFill>
-                <a:latin typeface="微软雅黑" charset="0"/>
-                <a:ea typeface="微软雅黑" charset="0"/>
-                <a:cs typeface="微软雅黑" charset="0"/>
-                <a:sym typeface="Calibri" pitchFamily="34" charset="0"/>
-              </a:rPr>
-              <a:t>函数，每次修改都重新渲染</a:t>
-            </a:r>
-            <a:endParaRPr lang="zh-CN" altLang="en-US" sz="2000" u="none" strike="noStrike" kern="1200" cap="none" spc="0" baseline="0" dirty="0">
+              <a:t>管理</a:t>
+            </a:r>
+            <a:endParaRPr lang="zh-CN" altLang="en-US" sz="2000" dirty="0">
               <a:solidFill>
                 <a:srgbClr val="464563"/>
               </a:solidFill>
@@ -21290,7 +19812,7 @@
   <p:timing>
     <p:tnLst>
       <p:par>
-        <p:cTn xmlns:p14="http://schemas.microsoft.com/office/powerpoint/2010/main" id="1" dur="indefinite" restart="never" nodeType="tmRoot">
+        <p:cTn id="1" dur="indefinite" restart="never" nodeType="tmRoot">
           <p:childTnLst>
             <p:seq concurrent="1" nextAc="seek">
               <p:cTn id="2" dur="indefinite" nodeType="mainSeq">
@@ -21489,188 +20011,6 @@
                       </p:childTnLst>
                     </p:cTn>
                   </p:par>
-                  <p:par>
-                    <p:cTn id="15" fill="hold">
-                      <p:stCondLst>
-                        <p:cond delay="indefinite"/>
-                      </p:stCondLst>
-                      <p:childTnLst>
-                        <p:par>
-                          <p:cTn id="16" fill="hold">
-                            <p:stCondLst>
-                              <p:cond delay="0"/>
-                            </p:stCondLst>
-                            <p:childTnLst>
-                              <p:par>
-                                <p:cTn id="17" presetID="2" presetClass="entr" presetSubtype="4" fill="hold" grpId="0" nodeType="clickEffect">
-                                  <p:stCondLst>
-                                    <p:cond delay="0"/>
-                                  </p:stCondLst>
-                                  <p:childTnLst>
-                                    <p:set>
-                                      <p:cBhvr>
-                                        <p:cTn id="18" dur="1" fill="hold">
-                                          <p:stCondLst>
-                                            <p:cond delay="0"/>
-                                          </p:stCondLst>
-                                        </p:cTn>
-                                        <p:tgtEl>
-                                          <p:spTgt spid="10"/>
-                                        </p:tgtEl>
-                                        <p:attrNameLst>
-                                          <p:attrName>style.visibility</p:attrName>
-                                        </p:attrNameLst>
-                                      </p:cBhvr>
-                                      <p:to>
-                                        <p:strVal val="visible"/>
-                                      </p:to>
-                                    </p:set>
-                                    <p:anim calcmode="lin" valueType="num">
-                                      <p:cBhvr additive="base">
-                                        <p:cTn id="19" dur="500" fill="hold"/>
-                                        <p:tgtEl>
-                                          <p:spTgt spid="10"/>
-                                        </p:tgtEl>
-                                        <p:attrNameLst>
-                                          <p:attrName>ppt_x</p:attrName>
-                                        </p:attrNameLst>
-                                      </p:cBhvr>
-                                      <p:tavLst>
-                                        <p:tav tm="0">
-                                          <p:val>
-                                            <p:strVal val="#ppt_x"/>
-                                          </p:val>
-                                        </p:tav>
-                                        <p:tav tm="100000">
-                                          <p:val>
-                                            <p:strVal val="#ppt_x"/>
-                                          </p:val>
-                                        </p:tav>
-                                      </p:tavLst>
-                                    </p:anim>
-                                    <p:anim calcmode="lin" valueType="num">
-                                      <p:cBhvr additive="base">
-                                        <p:cTn id="20" dur="500" fill="hold"/>
-                                        <p:tgtEl>
-                                          <p:spTgt spid="10"/>
-                                        </p:tgtEl>
-                                        <p:attrNameLst>
-                                          <p:attrName>ppt_y</p:attrName>
-                                        </p:attrNameLst>
-                                      </p:cBhvr>
-                                      <p:tavLst>
-                                        <p:tav tm="0">
-                                          <p:val>
-                                            <p:strVal val="1+#ppt_h/2"/>
-                                          </p:val>
-                                        </p:tav>
-                                        <p:tav tm="100000">
-                                          <p:val>
-                                            <p:strVal val="#ppt_y"/>
-                                          </p:val>
-                                        </p:tav>
-                                      </p:tavLst>
-                                    </p:anim>
-                                  </p:childTnLst>
-                                </p:cTn>
-                              </p:par>
-                            </p:childTnLst>
-                          </p:cTn>
-                        </p:par>
-                      </p:childTnLst>
-                    </p:cTn>
-                  </p:par>
-                  <p:par>
-                    <p:cTn id="21" fill="hold">
-                      <p:stCondLst>
-                        <p:cond delay="indefinite"/>
-                      </p:stCondLst>
-                      <p:childTnLst>
-                        <p:par>
-                          <p:cTn id="22" fill="hold">
-                            <p:stCondLst>
-                              <p:cond delay="0"/>
-                            </p:stCondLst>
-                            <p:childTnLst>
-                              <p:par>
-                                <p:cTn id="23" presetID="2" presetClass="entr" presetSubtype="4" fill="hold" grpId="0" nodeType="clickEffect">
-                                  <p:stCondLst>
-                                    <p:cond delay="0"/>
-                                  </p:stCondLst>
-                                  <p:childTnLst>
-                                    <p:set>
-                                      <p:cBhvr>
-                                        <p:cTn id="24" dur="1" fill="hold">
-                                          <p:stCondLst>
-                                            <p:cond delay="0"/>
-                                          </p:stCondLst>
-                                        </p:cTn>
-                                        <p:tgtEl>
-                                          <p:spTgt spid="7"/>
-                                        </p:tgtEl>
-                                        <p:attrNameLst>
-                                          <p:attrName>style.visibility</p:attrName>
-                                        </p:attrNameLst>
-                                      </p:cBhvr>
-                                      <p:to>
-                                        <p:strVal val="visible"/>
-                                      </p:to>
-                                    </p:set>
-                                    <p:anim calcmode="lin" valueType="num">
-                                      <p:cBhvr additive="base">
-                                        <p:cTn id="25" dur="500" fill="hold"/>
-                                        <p:tgtEl>
-                                          <p:spTgt spid="7"/>
-                                        </p:tgtEl>
-                                        <p:attrNameLst>
-                                          <p:attrName>ppt_x</p:attrName>
-                                        </p:attrNameLst>
-                                      </p:cBhvr>
-                                      <p:tavLst>
-                                        <p:tav tm="0">
-                                          <p:val>
-                                            <p:strVal val="#ppt_x"/>
-                                          </p:val>
-                                        </p:tav>
-                                        <p:tav tm="100000">
-                                          <p:val>
-                                            <p:strVal val="#ppt_x"/>
-                                          </p:val>
-                                        </p:tav>
-                                      </p:tavLst>
-                                    </p:anim>
-                                    <p:anim calcmode="lin" valueType="num">
-                                      <p:cBhvr additive="base">
-                                        <p:cTn id="26" dur="500" fill="hold"/>
-                                        <p:tgtEl>
-                                          <p:spTgt spid="7"/>
-                                        </p:tgtEl>
-                                        <p:attrNameLst>
-                                          <p:attrName>ppt_y</p:attrName>
-                                        </p:attrNameLst>
-                                      </p:cBhvr>
-                                      <p:tavLst>
-                                        <p:tav tm="0">
-                                          <p:val>
-                                            <p:strVal val="1+#ppt_h/2"/>
-                                          </p:val>
-                                        </p:tav>
-                                        <p:tav tm="100000">
-                                          <p:val>
-                                            <p:strVal val="#ppt_y"/>
-                                          </p:val>
-                                        </p:tav>
-                                      </p:tavLst>
-                                    </p:anim>
-                                  </p:childTnLst>
-                                </p:cTn>
-                              </p:par>
-                            </p:childTnLst>
-                          </p:cTn>
-                        </p:par>
-                      </p:childTnLst>
-                    </p:cTn>
-                  </p:par>
                 </p:childTnLst>
               </p:cTn>
               <p:prevCondLst>
@@ -21693,9 +20033,7 @@
       </p:par>
     </p:tnLst>
     <p:bldLst>
-      <p:bldP spid="7" grpId="0"/>
       <p:bldP spid="8" grpId="0"/>
-      <p:bldP spid="10" grpId="0"/>
     </p:bldLst>
   </p:timing>
 </p:sld>
